--- a/TVCHH/TVCHH 323 - Món Quà Vô Giá.pptx
+++ b/TVCHH/TVCHH 323 - Món Quà Vô Giá.pptx
@@ -226,7 +226,7 @@
             <a:fld id="{26AC5C1C-A9A7-4585-A1BC-8CAF3BF2E520}" type="datetimeFigureOut">
               <a:rPr lang="en-US" smtClean="0"/>
               <a:pPr/>
-              <a:t>20/01/2015</a:t>
+              <a:t>11/24/19</a:t>
             </a:fld>
             <a:endParaRPr lang="en-US"/>
           </a:p>
@@ -292,38 +292,37 @@
           <a:p>
             <a:pPr lvl="0"/>
             <a:r>
-              <a:rPr lang="en-US" smtClean="0"/>
+              <a:rPr lang="en-US"/>
               <a:t>Click to edit Master text styles</a:t>
             </a:r>
           </a:p>
           <a:p>
             <a:pPr lvl="1"/>
             <a:r>
-              <a:rPr lang="en-US" smtClean="0"/>
+              <a:rPr lang="en-US"/>
               <a:t>Second level</a:t>
             </a:r>
           </a:p>
           <a:p>
             <a:pPr lvl="2"/>
             <a:r>
-              <a:rPr lang="en-US" smtClean="0"/>
+              <a:rPr lang="en-US"/>
               <a:t>Third level</a:t>
             </a:r>
           </a:p>
           <a:p>
             <a:pPr lvl="3"/>
             <a:r>
-              <a:rPr lang="en-US" smtClean="0"/>
+              <a:rPr lang="en-US"/>
               <a:t>Fourth level</a:t>
             </a:r>
           </a:p>
           <a:p>
             <a:pPr lvl="4"/>
             <a:r>
-              <a:rPr lang="en-US" smtClean="0"/>
+              <a:rPr lang="en-US"/>
               <a:t>Fifth level</a:t>
             </a:r>
-            <a:endParaRPr lang="en-US"/>
           </a:p>
         </p:txBody>
       </p:sp>
@@ -535,10 +534,9 @@
           <a:lstStyle/>
           <a:p>
             <a:r>
-              <a:rPr lang="en-US" smtClean="0"/>
+              <a:rPr lang="en-US"/>
               <a:t>Click to edit Master title style</a:t>
             </a:r>
-            <a:endParaRPr lang="en-US"/>
           </a:p>
         </p:txBody>
       </p:sp>
@@ -654,10 +652,9 @@
           </a:lstStyle>
           <a:p>
             <a:r>
-              <a:rPr lang="en-US" smtClean="0"/>
+              <a:rPr lang="en-US"/>
               <a:t>Click to edit Master subtitle style</a:t>
             </a:r>
-            <a:endParaRPr lang="en-US"/>
           </a:p>
         </p:txBody>
       </p:sp>
@@ -679,7 +676,7 @@
             <a:fld id="{64CE638E-C49F-4AED-B59E-872874D9C43D}" type="datetimeFigureOut">
               <a:rPr lang="en-US" smtClean="0"/>
               <a:pPr/>
-              <a:t>20/01/2015</a:t>
+              <a:t>11/24/19</a:t>
             </a:fld>
             <a:endParaRPr lang="en-US"/>
           </a:p>
@@ -778,10 +775,9 @@
           </a:lstStyle>
           <a:p>
             <a:r>
-              <a:rPr lang="en-US" smtClean="0"/>
+              <a:rPr lang="en-US"/>
               <a:t>Click to edit Master title style</a:t>
             </a:r>
-            <a:endParaRPr lang="en-US"/>
           </a:p>
         </p:txBody>
       </p:sp>
@@ -898,7 +894,7 @@
           <a:p>
             <a:pPr lvl="0"/>
             <a:r>
-              <a:rPr lang="en-US" smtClean="0"/>
+              <a:rPr lang="en-US"/>
               <a:t>Click to edit Master text styles</a:t>
             </a:r>
           </a:p>
@@ -922,7 +918,7 @@
             <a:fld id="{64CE638E-C49F-4AED-B59E-872874D9C43D}" type="datetimeFigureOut">
               <a:rPr lang="en-US" smtClean="0"/>
               <a:pPr/>
-              <a:t>20/01/2015</a:t>
+              <a:t>11/24/19</a:t>
             </a:fld>
             <a:endParaRPr lang="en-US"/>
           </a:p>
@@ -1017,10 +1013,9 @@
           <a:lstStyle/>
           <a:p>
             <a:r>
-              <a:rPr lang="en-US" smtClean="0"/>
+              <a:rPr lang="en-US"/>
               <a:t>Click to edit Master title style</a:t>
             </a:r>
-            <a:endParaRPr lang="en-US"/>
           </a:p>
         </p:txBody>
       </p:sp>
@@ -1074,38 +1069,37 @@
           <a:p>
             <a:pPr lvl="0"/>
             <a:r>
-              <a:rPr lang="en-US" smtClean="0"/>
+              <a:rPr lang="en-US"/>
               <a:t>Click to edit Master text styles</a:t>
             </a:r>
           </a:p>
           <a:p>
             <a:pPr lvl="1"/>
             <a:r>
-              <a:rPr lang="en-US" smtClean="0"/>
+              <a:rPr lang="en-US"/>
               <a:t>Second level</a:t>
             </a:r>
           </a:p>
           <a:p>
             <a:pPr lvl="2"/>
             <a:r>
-              <a:rPr lang="en-US" smtClean="0"/>
+              <a:rPr lang="en-US"/>
               <a:t>Third level</a:t>
             </a:r>
           </a:p>
           <a:p>
             <a:pPr lvl="3"/>
             <a:r>
-              <a:rPr lang="en-US" smtClean="0"/>
+              <a:rPr lang="en-US"/>
               <a:t>Fourth level</a:t>
             </a:r>
           </a:p>
           <a:p>
             <a:pPr lvl="4"/>
             <a:r>
-              <a:rPr lang="en-US" smtClean="0"/>
+              <a:rPr lang="en-US"/>
               <a:t>Fifth level</a:t>
             </a:r>
-            <a:endParaRPr lang="en-US"/>
           </a:p>
         </p:txBody>
       </p:sp>
@@ -1159,38 +1153,37 @@
           <a:p>
             <a:pPr lvl="0"/>
             <a:r>
-              <a:rPr lang="en-US" smtClean="0"/>
+              <a:rPr lang="en-US"/>
               <a:t>Click to edit Master text styles</a:t>
             </a:r>
           </a:p>
           <a:p>
             <a:pPr lvl="1"/>
             <a:r>
-              <a:rPr lang="en-US" smtClean="0"/>
+              <a:rPr lang="en-US"/>
               <a:t>Second level</a:t>
             </a:r>
           </a:p>
           <a:p>
             <a:pPr lvl="2"/>
             <a:r>
-              <a:rPr lang="en-US" smtClean="0"/>
+              <a:rPr lang="en-US"/>
               <a:t>Third level</a:t>
             </a:r>
           </a:p>
           <a:p>
             <a:pPr lvl="3"/>
             <a:r>
-              <a:rPr lang="en-US" smtClean="0"/>
+              <a:rPr lang="en-US"/>
               <a:t>Fourth level</a:t>
             </a:r>
           </a:p>
           <a:p>
             <a:pPr lvl="4"/>
             <a:r>
-              <a:rPr lang="en-US" smtClean="0"/>
+              <a:rPr lang="en-US"/>
               <a:t>Fifth level</a:t>
             </a:r>
-            <a:endParaRPr lang="en-US"/>
           </a:p>
         </p:txBody>
       </p:sp>
@@ -1212,7 +1205,7 @@
             <a:fld id="{64CE638E-C49F-4AED-B59E-872874D9C43D}" type="datetimeFigureOut">
               <a:rPr lang="en-US" smtClean="0"/>
               <a:pPr/>
-              <a:t>20/01/2015</a:t>
+              <a:t>11/24/19</a:t>
             </a:fld>
             <a:endParaRPr lang="en-US"/>
           </a:p>
@@ -1311,10 +1304,9 @@
           </a:lstStyle>
           <a:p>
             <a:r>
-              <a:rPr lang="en-US" smtClean="0"/>
+              <a:rPr lang="en-US"/>
               <a:t>Click to edit Master title style</a:t>
             </a:r>
-            <a:endParaRPr lang="en-US"/>
           </a:p>
         </p:txBody>
       </p:sp>
@@ -1377,7 +1369,7 @@
           <a:p>
             <a:pPr lvl="0"/>
             <a:r>
-              <a:rPr lang="en-US" smtClean="0"/>
+              <a:rPr lang="en-US"/>
               <a:t>Click to edit Master text styles</a:t>
             </a:r>
           </a:p>
@@ -1433,38 +1425,37 @@
           <a:p>
             <a:pPr lvl="0"/>
             <a:r>
-              <a:rPr lang="en-US" smtClean="0"/>
+              <a:rPr lang="en-US"/>
               <a:t>Click to edit Master text styles</a:t>
             </a:r>
           </a:p>
           <a:p>
             <a:pPr lvl="1"/>
             <a:r>
-              <a:rPr lang="en-US" smtClean="0"/>
+              <a:rPr lang="en-US"/>
               <a:t>Second level</a:t>
             </a:r>
           </a:p>
           <a:p>
             <a:pPr lvl="2"/>
             <a:r>
-              <a:rPr lang="en-US" smtClean="0"/>
+              <a:rPr lang="en-US"/>
               <a:t>Third level</a:t>
             </a:r>
           </a:p>
           <a:p>
             <a:pPr lvl="3"/>
             <a:r>
-              <a:rPr lang="en-US" smtClean="0"/>
+              <a:rPr lang="en-US"/>
               <a:t>Fourth level</a:t>
             </a:r>
           </a:p>
           <a:p>
             <a:pPr lvl="4"/>
             <a:r>
-              <a:rPr lang="en-US" smtClean="0"/>
+              <a:rPr lang="en-US"/>
               <a:t>Fifth level</a:t>
             </a:r>
-            <a:endParaRPr lang="en-US"/>
           </a:p>
         </p:txBody>
       </p:sp>
@@ -1527,7 +1518,7 @@
           <a:p>
             <a:pPr lvl="0"/>
             <a:r>
-              <a:rPr lang="en-US" smtClean="0"/>
+              <a:rPr lang="en-US"/>
               <a:t>Click to edit Master text styles</a:t>
             </a:r>
           </a:p>
@@ -1583,38 +1574,37 @@
           <a:p>
             <a:pPr lvl="0"/>
             <a:r>
-              <a:rPr lang="en-US" smtClean="0"/>
+              <a:rPr lang="en-US"/>
               <a:t>Click to edit Master text styles</a:t>
             </a:r>
           </a:p>
           <a:p>
             <a:pPr lvl="1"/>
             <a:r>
-              <a:rPr lang="en-US" smtClean="0"/>
+              <a:rPr lang="en-US"/>
               <a:t>Second level</a:t>
             </a:r>
           </a:p>
           <a:p>
             <a:pPr lvl="2"/>
             <a:r>
-              <a:rPr lang="en-US" smtClean="0"/>
+              <a:rPr lang="en-US"/>
               <a:t>Third level</a:t>
             </a:r>
           </a:p>
           <a:p>
             <a:pPr lvl="3"/>
             <a:r>
-              <a:rPr lang="en-US" smtClean="0"/>
+              <a:rPr lang="en-US"/>
               <a:t>Fourth level</a:t>
             </a:r>
           </a:p>
           <a:p>
             <a:pPr lvl="4"/>
             <a:r>
-              <a:rPr lang="en-US" smtClean="0"/>
+              <a:rPr lang="en-US"/>
               <a:t>Fifth level</a:t>
             </a:r>
-            <a:endParaRPr lang="en-US"/>
           </a:p>
         </p:txBody>
       </p:sp>
@@ -1636,7 +1626,7 @@
             <a:fld id="{64CE638E-C49F-4AED-B59E-872874D9C43D}" type="datetimeFigureOut">
               <a:rPr lang="en-US" smtClean="0"/>
               <a:pPr/>
-              <a:t>20/01/2015</a:t>
+              <a:t>11/24/19</a:t>
             </a:fld>
             <a:endParaRPr lang="en-US"/>
           </a:p>
@@ -1731,10 +1721,9 @@
           <a:lstStyle/>
           <a:p>
             <a:r>
-              <a:rPr lang="en-US" smtClean="0"/>
+              <a:rPr lang="en-US"/>
               <a:t>Click to edit Master title style</a:t>
             </a:r>
-            <a:endParaRPr lang="en-US"/>
           </a:p>
         </p:txBody>
       </p:sp>
@@ -1756,7 +1745,7 @@
             <a:fld id="{64CE638E-C49F-4AED-B59E-872874D9C43D}" type="datetimeFigureOut">
               <a:rPr lang="en-US" smtClean="0"/>
               <a:pPr/>
-              <a:t>20/01/2015</a:t>
+              <a:t>11/24/19</a:t>
             </a:fld>
             <a:endParaRPr lang="en-US"/>
           </a:p>
@@ -1853,7 +1842,7 @@
             <a:fld id="{64CE638E-C49F-4AED-B59E-872874D9C43D}" type="datetimeFigureOut">
               <a:rPr lang="en-US" smtClean="0"/>
               <a:pPr/>
-              <a:t>20/01/2015</a:t>
+              <a:t>11/24/19</a:t>
             </a:fld>
             <a:endParaRPr lang="en-US"/>
           </a:p>
@@ -1948,10 +1937,9 @@
           <a:lstStyle/>
           <a:p>
             <a:r>
-              <a:rPr lang="en-US" smtClean="0"/>
+              <a:rPr lang="en-US"/>
               <a:t>Click to edit Master title style</a:t>
             </a:r>
-            <a:endParaRPr lang="en-US"/>
           </a:p>
         </p:txBody>
       </p:sp>
@@ -1972,38 +1960,37 @@
           <a:p>
             <a:pPr lvl="0"/>
             <a:r>
-              <a:rPr lang="en-US" smtClean="0"/>
+              <a:rPr lang="en-US"/>
               <a:t>Click to edit Master text styles</a:t>
             </a:r>
           </a:p>
           <a:p>
             <a:pPr lvl="1"/>
             <a:r>
-              <a:rPr lang="en-US" smtClean="0"/>
+              <a:rPr lang="en-US"/>
               <a:t>Second level</a:t>
             </a:r>
           </a:p>
           <a:p>
             <a:pPr lvl="2"/>
             <a:r>
-              <a:rPr lang="en-US" smtClean="0"/>
+              <a:rPr lang="en-US"/>
               <a:t>Third level</a:t>
             </a:r>
           </a:p>
           <a:p>
             <a:pPr lvl="3"/>
             <a:r>
-              <a:rPr lang="en-US" smtClean="0"/>
+              <a:rPr lang="en-US"/>
               <a:t>Fourth level</a:t>
             </a:r>
           </a:p>
           <a:p>
             <a:pPr lvl="4"/>
             <a:r>
-              <a:rPr lang="en-US" smtClean="0"/>
+              <a:rPr lang="en-US"/>
               <a:t>Fifth level</a:t>
             </a:r>
-            <a:endParaRPr lang="en-US"/>
           </a:p>
         </p:txBody>
       </p:sp>
@@ -2025,7 +2012,7 @@
             <a:fld id="{64CE638E-C49F-4AED-B59E-872874D9C43D}" type="datetimeFigureOut">
               <a:rPr lang="en-US" smtClean="0"/>
               <a:pPr/>
-              <a:t>20/01/2015</a:t>
+              <a:t>11/24/19</a:t>
             </a:fld>
             <a:endParaRPr lang="en-US"/>
           </a:p>
@@ -2124,10 +2111,9 @@
           </a:lstStyle>
           <a:p>
             <a:r>
-              <a:rPr lang="en-US" smtClean="0"/>
+              <a:rPr lang="en-US"/>
               <a:t>Click to edit Master title style</a:t>
             </a:r>
-            <a:endParaRPr lang="en-US"/>
           </a:p>
         </p:txBody>
       </p:sp>
@@ -2244,7 +2230,7 @@
           <a:p>
             <a:pPr lvl="0"/>
             <a:r>
-              <a:rPr lang="en-US" smtClean="0"/>
+              <a:rPr lang="en-US"/>
               <a:t>Click to edit Master text styles</a:t>
             </a:r>
           </a:p>
@@ -2268,7 +2254,7 @@
             <a:fld id="{64CE638E-C49F-4AED-B59E-872874D9C43D}" type="datetimeFigureOut">
               <a:rPr lang="en-US" smtClean="0"/>
               <a:pPr/>
-              <a:t>20/01/2015</a:t>
+              <a:t>11/24/19</a:t>
             </a:fld>
             <a:endParaRPr lang="en-US"/>
           </a:p>
@@ -2358,10 +2344,9 @@
           <a:lstStyle/>
           <a:p>
             <a:r>
-              <a:rPr lang="en-US" smtClean="0"/>
+              <a:rPr lang="en-US"/>
               <a:t>Click to edit Master title style</a:t>
             </a:r>
-            <a:endParaRPr lang="en-US"/>
           </a:p>
         </p:txBody>
       </p:sp>
@@ -2415,38 +2400,37 @@
           <a:p>
             <a:pPr lvl="0"/>
             <a:r>
-              <a:rPr lang="en-US" smtClean="0"/>
+              <a:rPr lang="en-US"/>
               <a:t>Click to edit Master text styles</a:t>
             </a:r>
           </a:p>
           <a:p>
             <a:pPr lvl="1"/>
             <a:r>
-              <a:rPr lang="en-US" smtClean="0"/>
+              <a:rPr lang="en-US"/>
               <a:t>Second level</a:t>
             </a:r>
           </a:p>
           <a:p>
             <a:pPr lvl="2"/>
             <a:r>
-              <a:rPr lang="en-US" smtClean="0"/>
+              <a:rPr lang="en-US"/>
               <a:t>Third level</a:t>
             </a:r>
           </a:p>
           <a:p>
             <a:pPr lvl="3"/>
             <a:r>
-              <a:rPr lang="en-US" smtClean="0"/>
+              <a:rPr lang="en-US"/>
               <a:t>Fourth level</a:t>
             </a:r>
           </a:p>
           <a:p>
             <a:pPr lvl="4"/>
             <a:r>
-              <a:rPr lang="en-US" smtClean="0"/>
+              <a:rPr lang="en-US"/>
               <a:t>Fifth level</a:t>
             </a:r>
-            <a:endParaRPr lang="en-US"/>
           </a:p>
         </p:txBody>
       </p:sp>
@@ -2500,38 +2484,37 @@
           <a:p>
             <a:pPr lvl="0"/>
             <a:r>
-              <a:rPr lang="en-US" smtClean="0"/>
+              <a:rPr lang="en-US"/>
               <a:t>Click to edit Master text styles</a:t>
             </a:r>
           </a:p>
           <a:p>
             <a:pPr lvl="1"/>
             <a:r>
-              <a:rPr lang="en-US" smtClean="0"/>
+              <a:rPr lang="en-US"/>
               <a:t>Second level</a:t>
             </a:r>
           </a:p>
           <a:p>
             <a:pPr lvl="2"/>
             <a:r>
-              <a:rPr lang="en-US" smtClean="0"/>
+              <a:rPr lang="en-US"/>
               <a:t>Third level</a:t>
             </a:r>
           </a:p>
           <a:p>
             <a:pPr lvl="3"/>
             <a:r>
-              <a:rPr lang="en-US" smtClean="0"/>
+              <a:rPr lang="en-US"/>
               <a:t>Fourth level</a:t>
             </a:r>
           </a:p>
           <a:p>
             <a:pPr lvl="4"/>
             <a:r>
-              <a:rPr lang="en-US" smtClean="0"/>
+              <a:rPr lang="en-US"/>
               <a:t>Fifth level</a:t>
             </a:r>
-            <a:endParaRPr lang="en-US"/>
           </a:p>
         </p:txBody>
       </p:sp>
@@ -2553,7 +2536,7 @@
             <a:fld id="{64CE638E-C49F-4AED-B59E-872874D9C43D}" type="datetimeFigureOut">
               <a:rPr lang="en-US" smtClean="0"/>
               <a:pPr/>
-              <a:t>20/01/2015</a:t>
+              <a:t>11/24/19</a:t>
             </a:fld>
             <a:endParaRPr lang="en-US"/>
           </a:p>
@@ -2647,10 +2630,9 @@
           </a:lstStyle>
           <a:p>
             <a:r>
-              <a:rPr lang="en-US" smtClean="0"/>
+              <a:rPr lang="en-US"/>
               <a:t>Click to edit Master title style</a:t>
             </a:r>
-            <a:endParaRPr lang="en-US"/>
           </a:p>
         </p:txBody>
       </p:sp>
@@ -2713,7 +2695,7 @@
           <a:p>
             <a:pPr lvl="0"/>
             <a:r>
-              <a:rPr lang="en-US" smtClean="0"/>
+              <a:rPr lang="en-US"/>
               <a:t>Click to edit Master text styles</a:t>
             </a:r>
           </a:p>
@@ -2769,38 +2751,37 @@
           <a:p>
             <a:pPr lvl="0"/>
             <a:r>
-              <a:rPr lang="en-US" smtClean="0"/>
+              <a:rPr lang="en-US"/>
               <a:t>Click to edit Master text styles</a:t>
             </a:r>
           </a:p>
           <a:p>
             <a:pPr lvl="1"/>
             <a:r>
-              <a:rPr lang="en-US" smtClean="0"/>
+              <a:rPr lang="en-US"/>
               <a:t>Second level</a:t>
             </a:r>
           </a:p>
           <a:p>
             <a:pPr lvl="2"/>
             <a:r>
-              <a:rPr lang="en-US" smtClean="0"/>
+              <a:rPr lang="en-US"/>
               <a:t>Third level</a:t>
             </a:r>
           </a:p>
           <a:p>
             <a:pPr lvl="3"/>
             <a:r>
-              <a:rPr lang="en-US" smtClean="0"/>
+              <a:rPr lang="en-US"/>
               <a:t>Fourth level</a:t>
             </a:r>
           </a:p>
           <a:p>
             <a:pPr lvl="4"/>
             <a:r>
-              <a:rPr lang="en-US" smtClean="0"/>
+              <a:rPr lang="en-US"/>
               <a:t>Fifth level</a:t>
             </a:r>
-            <a:endParaRPr lang="en-US"/>
           </a:p>
         </p:txBody>
       </p:sp>
@@ -2863,7 +2844,7 @@
           <a:p>
             <a:pPr lvl="0"/>
             <a:r>
-              <a:rPr lang="en-US" smtClean="0"/>
+              <a:rPr lang="en-US"/>
               <a:t>Click to edit Master text styles</a:t>
             </a:r>
           </a:p>
@@ -2919,38 +2900,37 @@
           <a:p>
             <a:pPr lvl="0"/>
             <a:r>
-              <a:rPr lang="en-US" smtClean="0"/>
+              <a:rPr lang="en-US"/>
               <a:t>Click to edit Master text styles</a:t>
             </a:r>
           </a:p>
           <a:p>
             <a:pPr lvl="1"/>
             <a:r>
-              <a:rPr lang="en-US" smtClean="0"/>
+              <a:rPr lang="en-US"/>
               <a:t>Second level</a:t>
             </a:r>
           </a:p>
           <a:p>
             <a:pPr lvl="2"/>
             <a:r>
-              <a:rPr lang="en-US" smtClean="0"/>
+              <a:rPr lang="en-US"/>
               <a:t>Third level</a:t>
             </a:r>
           </a:p>
           <a:p>
             <a:pPr lvl="3"/>
             <a:r>
-              <a:rPr lang="en-US" smtClean="0"/>
+              <a:rPr lang="en-US"/>
               <a:t>Fourth level</a:t>
             </a:r>
           </a:p>
           <a:p>
             <a:pPr lvl="4"/>
             <a:r>
-              <a:rPr lang="en-US" smtClean="0"/>
+              <a:rPr lang="en-US"/>
               <a:t>Fifth level</a:t>
             </a:r>
-            <a:endParaRPr lang="en-US"/>
           </a:p>
         </p:txBody>
       </p:sp>
@@ -2972,7 +2952,7 @@
             <a:fld id="{64CE638E-C49F-4AED-B59E-872874D9C43D}" type="datetimeFigureOut">
               <a:rPr lang="en-US" smtClean="0"/>
               <a:pPr/>
-              <a:t>20/01/2015</a:t>
+              <a:t>11/24/19</a:t>
             </a:fld>
             <a:endParaRPr lang="en-US"/>
           </a:p>
@@ -3062,10 +3042,9 @@
           <a:lstStyle/>
           <a:p>
             <a:r>
-              <a:rPr lang="en-US" smtClean="0"/>
+              <a:rPr lang="en-US"/>
               <a:t>Click to edit Master title style</a:t>
             </a:r>
-            <a:endParaRPr lang="en-US"/>
           </a:p>
         </p:txBody>
       </p:sp>
@@ -3087,7 +3066,7 @@
             <a:fld id="{64CE638E-C49F-4AED-B59E-872874D9C43D}" type="datetimeFigureOut">
               <a:rPr lang="en-US" smtClean="0"/>
               <a:pPr/>
-              <a:t>20/01/2015</a:t>
+              <a:t>11/24/19</a:t>
             </a:fld>
             <a:endParaRPr lang="en-US"/>
           </a:p>
@@ -3179,7 +3158,7 @@
             <a:fld id="{64CE638E-C49F-4AED-B59E-872874D9C43D}" type="datetimeFigureOut">
               <a:rPr lang="en-US" smtClean="0"/>
               <a:pPr/>
-              <a:t>20/01/2015</a:t>
+              <a:t>11/24/19</a:t>
             </a:fld>
             <a:endParaRPr lang="en-US"/>
           </a:p>
@@ -3274,10 +3253,9 @@
           <a:lstStyle/>
           <a:p>
             <a:r>
-              <a:rPr lang="en-US" smtClean="0"/>
+              <a:rPr lang="en-US"/>
               <a:t>Click to edit Master title style</a:t>
             </a:r>
-            <a:endParaRPr lang="en-US"/>
           </a:p>
         </p:txBody>
       </p:sp>
@@ -3393,10 +3371,9 @@
           </a:lstStyle>
           <a:p>
             <a:r>
-              <a:rPr lang="en-US" smtClean="0"/>
+              <a:rPr lang="en-US"/>
               <a:t>Click to edit Master subtitle style</a:t>
             </a:r>
-            <a:endParaRPr lang="en-US"/>
           </a:p>
         </p:txBody>
       </p:sp>
@@ -3418,7 +3395,7 @@
             <a:fld id="{64CE638E-C49F-4AED-B59E-872874D9C43D}" type="datetimeFigureOut">
               <a:rPr lang="en-US" smtClean="0"/>
               <a:pPr/>
-              <a:t>20/01/2015</a:t>
+              <a:t>11/24/19</a:t>
             </a:fld>
             <a:endParaRPr lang="en-US"/>
           </a:p>
@@ -3513,10 +3490,9 @@
           <a:lstStyle/>
           <a:p>
             <a:r>
-              <a:rPr lang="en-US" smtClean="0"/>
+              <a:rPr lang="en-US"/>
               <a:t>Click to edit Master title style</a:t>
             </a:r>
-            <a:endParaRPr lang="en-US"/>
           </a:p>
         </p:txBody>
       </p:sp>
@@ -3537,38 +3513,37 @@
           <a:p>
             <a:pPr lvl="0"/>
             <a:r>
-              <a:rPr lang="en-US" smtClean="0"/>
+              <a:rPr lang="en-US"/>
               <a:t>Click to edit Master text styles</a:t>
             </a:r>
           </a:p>
           <a:p>
             <a:pPr lvl="1"/>
             <a:r>
-              <a:rPr lang="en-US" smtClean="0"/>
+              <a:rPr lang="en-US"/>
               <a:t>Second level</a:t>
             </a:r>
           </a:p>
           <a:p>
             <a:pPr lvl="2"/>
             <a:r>
-              <a:rPr lang="en-US" smtClean="0"/>
+              <a:rPr lang="en-US"/>
               <a:t>Third level</a:t>
             </a:r>
           </a:p>
           <a:p>
             <a:pPr lvl="3"/>
             <a:r>
-              <a:rPr lang="en-US" smtClean="0"/>
+              <a:rPr lang="en-US"/>
               <a:t>Fourth level</a:t>
             </a:r>
           </a:p>
           <a:p>
             <a:pPr lvl="4"/>
             <a:r>
-              <a:rPr lang="en-US" smtClean="0"/>
+              <a:rPr lang="en-US"/>
               <a:t>Fifth level</a:t>
             </a:r>
-            <a:endParaRPr lang="en-US"/>
           </a:p>
         </p:txBody>
       </p:sp>
@@ -3590,7 +3565,7 @@
             <a:fld id="{64CE638E-C49F-4AED-B59E-872874D9C43D}" type="datetimeFigureOut">
               <a:rPr lang="en-US" smtClean="0"/>
               <a:pPr/>
-              <a:t>20/01/2015</a:t>
+              <a:t>11/24/19</a:t>
             </a:fld>
             <a:endParaRPr lang="en-US"/>
           </a:p>
@@ -3700,10 +3675,9 @@
           <a:lstStyle/>
           <a:p>
             <a:r>
-              <a:rPr lang="en-US" smtClean="0"/>
+              <a:rPr lang="en-US"/>
               <a:t>Click to edit Master title style</a:t>
             </a:r>
-            <a:endParaRPr lang="en-US"/>
           </a:p>
         </p:txBody>
       </p:sp>
@@ -3734,38 +3708,37 @@
           <a:p>
             <a:pPr lvl="0"/>
             <a:r>
-              <a:rPr lang="en-US" smtClean="0"/>
+              <a:rPr lang="en-US"/>
               <a:t>Click to edit Master text styles</a:t>
             </a:r>
           </a:p>
           <a:p>
             <a:pPr lvl="1"/>
             <a:r>
-              <a:rPr lang="en-US" smtClean="0"/>
+              <a:rPr lang="en-US"/>
               <a:t>Second level</a:t>
             </a:r>
           </a:p>
           <a:p>
             <a:pPr lvl="2"/>
             <a:r>
-              <a:rPr lang="en-US" smtClean="0"/>
+              <a:rPr lang="en-US"/>
               <a:t>Third level</a:t>
             </a:r>
           </a:p>
           <a:p>
             <a:pPr lvl="3"/>
             <a:r>
-              <a:rPr lang="en-US" smtClean="0"/>
+              <a:rPr lang="en-US"/>
               <a:t>Fourth level</a:t>
             </a:r>
           </a:p>
           <a:p>
             <a:pPr lvl="4"/>
             <a:r>
-              <a:rPr lang="en-US" smtClean="0"/>
+              <a:rPr lang="en-US"/>
               <a:t>Fifth level</a:t>
             </a:r>
-            <a:endParaRPr lang="en-US"/>
           </a:p>
         </p:txBody>
       </p:sp>
@@ -3805,7 +3778,7 @@
             <a:fld id="{64CE638E-C49F-4AED-B59E-872874D9C43D}" type="datetimeFigureOut">
               <a:rPr lang="en-US" smtClean="0"/>
               <a:pPr/>
-              <a:t>20/01/2015</a:t>
+              <a:t>11/24/19</a:t>
             </a:fld>
             <a:endParaRPr lang="en-US"/>
           </a:p>
@@ -4229,10 +4202,9 @@
           <a:lstStyle/>
           <a:p>
             <a:r>
-              <a:rPr lang="en-US" smtClean="0"/>
+              <a:rPr lang="en-US"/>
               <a:t>Click to edit Master title style</a:t>
             </a:r>
-            <a:endParaRPr lang="en-US"/>
           </a:p>
         </p:txBody>
       </p:sp>
@@ -4263,38 +4235,37 @@
           <a:p>
             <a:pPr lvl="0"/>
             <a:r>
-              <a:rPr lang="en-US" smtClean="0"/>
+              <a:rPr lang="en-US"/>
               <a:t>Click to edit Master text styles</a:t>
             </a:r>
           </a:p>
           <a:p>
             <a:pPr lvl="1"/>
             <a:r>
-              <a:rPr lang="en-US" smtClean="0"/>
+              <a:rPr lang="en-US"/>
               <a:t>Second level</a:t>
             </a:r>
           </a:p>
           <a:p>
             <a:pPr lvl="2"/>
             <a:r>
-              <a:rPr lang="en-US" smtClean="0"/>
+              <a:rPr lang="en-US"/>
               <a:t>Third level</a:t>
             </a:r>
           </a:p>
           <a:p>
             <a:pPr lvl="3"/>
             <a:r>
-              <a:rPr lang="en-US" smtClean="0"/>
+              <a:rPr lang="en-US"/>
               <a:t>Fourth level</a:t>
             </a:r>
           </a:p>
           <a:p>
             <a:pPr lvl="4"/>
             <a:r>
-              <a:rPr lang="en-US" smtClean="0"/>
+              <a:rPr lang="en-US"/>
               <a:t>Fifth level</a:t>
             </a:r>
-            <a:endParaRPr lang="en-US"/>
           </a:p>
         </p:txBody>
       </p:sp>
@@ -4334,7 +4305,7 @@
             <a:fld id="{64CE638E-C49F-4AED-B59E-872874D9C43D}" type="datetimeFigureOut">
               <a:rPr lang="en-US" smtClean="0"/>
               <a:pPr/>
-              <a:t>20/01/2015</a:t>
+              <a:t>11/24/19</a:t>
             </a:fld>
             <a:endParaRPr lang="en-US"/>
           </a:p>
@@ -4755,7 +4726,7 @@
           <a:lstStyle/>
           <a:p>
             <a:r>
-              <a:rPr lang="en-US" sz="3200" dirty="0" err="1" smtClean="0">
+              <a:rPr lang="en-US" sz="3200" b="1" dirty="0" err="1">
                 <a:ln w="18415" cmpd="sng">
                   <a:solidFill>
                     <a:srgbClr val="FFFFFF"/>
@@ -4775,12 +4746,12 @@
                     </a:srgbClr>
                   </a:outerShdw>
                 </a:effectLst>
-                <a:latin typeface="VNI-Cooper" pitchFamily="2" charset="0"/>
+                <a:latin typeface="VNI-Times" pitchFamily="2" charset="0"/>
               </a:rPr>
               <a:t>Toân</a:t>
             </a:r>
             <a:r>
-              <a:rPr lang="en-US" sz="3200" dirty="0" smtClean="0">
+              <a:rPr lang="en-US" sz="3200" b="1" dirty="0">
                 <a:ln w="18415" cmpd="sng">
                   <a:solidFill>
                     <a:srgbClr val="FFFFFF"/>
@@ -4800,12 +4771,12 @@
                     </a:srgbClr>
                   </a:outerShdw>
                 </a:effectLst>
-                <a:latin typeface="VNI-Cooper" pitchFamily="2" charset="0"/>
-              </a:rPr>
-              <a:t> </a:t>
-            </a:r>
-            <a:r>
-              <a:rPr lang="en-US" sz="3200" dirty="0" err="1" smtClean="0">
+                <a:latin typeface="VNI-Times" pitchFamily="2" charset="0"/>
+              </a:rPr>
+              <a:t> </a:t>
+            </a:r>
+            <a:r>
+              <a:rPr lang="en-US" sz="3200" b="1" dirty="0" err="1">
                 <a:ln w="18415" cmpd="sng">
                   <a:solidFill>
                     <a:srgbClr val="FFFFFF"/>
@@ -4825,12 +4796,12 @@
                     </a:srgbClr>
                   </a:outerShdw>
                 </a:effectLst>
-                <a:latin typeface="VNI-Cooper" pitchFamily="2" charset="0"/>
+                <a:latin typeface="VNI-Times" pitchFamily="2" charset="0"/>
               </a:rPr>
               <a:t>vinh</a:t>
             </a:r>
             <a:r>
-              <a:rPr lang="en-US" sz="3200" dirty="0" smtClean="0">
+              <a:rPr lang="en-US" sz="3200" b="1" dirty="0">
                 <a:ln w="18415" cmpd="sng">
                   <a:solidFill>
                     <a:srgbClr val="FFFFFF"/>
@@ -4850,12 +4821,12 @@
                     </a:srgbClr>
                   </a:outerShdw>
                 </a:effectLst>
-                <a:latin typeface="VNI-Cooper" pitchFamily="2" charset="0"/>
-              </a:rPr>
-              <a:t> </a:t>
-            </a:r>
-            <a:r>
-              <a:rPr lang="en-US" sz="3200" dirty="0" err="1" smtClean="0">
+                <a:latin typeface="VNI-Times" pitchFamily="2" charset="0"/>
+              </a:rPr>
+              <a:t> </a:t>
+            </a:r>
+            <a:r>
+              <a:rPr lang="en-US" sz="3200" b="1" dirty="0" err="1">
                 <a:ln w="18415" cmpd="sng">
                   <a:solidFill>
                     <a:srgbClr val="FFFFFF"/>
@@ -4875,12 +4846,12 @@
                     </a:srgbClr>
                   </a:outerShdw>
                 </a:effectLst>
-                <a:latin typeface="VNI-Cooper" pitchFamily="2" charset="0"/>
+                <a:latin typeface="VNI-Times" pitchFamily="2" charset="0"/>
               </a:rPr>
               <a:t>Chuùa</a:t>
             </a:r>
             <a:r>
-              <a:rPr lang="en-US" sz="3200" dirty="0" smtClean="0">
+              <a:rPr lang="en-US" sz="3200" b="1" dirty="0">
                 <a:ln w="18415" cmpd="sng">
                   <a:solidFill>
                     <a:srgbClr val="FFFFFF"/>
@@ -4900,12 +4871,12 @@
                     </a:srgbClr>
                   </a:outerShdw>
                 </a:effectLst>
-                <a:latin typeface="VNI-Cooper" pitchFamily="2" charset="0"/>
+                <a:latin typeface="VNI-Times" pitchFamily="2" charset="0"/>
               </a:rPr>
               <a:t> – </a:t>
             </a:r>
             <a:r>
-              <a:rPr lang="en-US" sz="3200" dirty="0" err="1" smtClean="0">
+              <a:rPr lang="en-US" sz="3200" b="1" dirty="0" err="1">
                 <a:ln w="18415" cmpd="sng">
                   <a:solidFill>
                     <a:srgbClr val="FFFFFF"/>
@@ -4925,12 +4896,12 @@
                     </a:srgbClr>
                   </a:outerShdw>
                 </a:effectLst>
-                <a:latin typeface="VNI-Cooper" pitchFamily="2" charset="0"/>
+                <a:latin typeface="VNI-Times" pitchFamily="2" charset="0"/>
               </a:rPr>
               <a:t>Bieät</a:t>
             </a:r>
             <a:r>
-              <a:rPr lang="en-US" sz="3200" dirty="0" smtClean="0">
+              <a:rPr lang="en-US" sz="3200" b="1" dirty="0">
                 <a:ln w="18415" cmpd="sng">
                   <a:solidFill>
                     <a:srgbClr val="FFFFFF"/>
@@ -4950,12 +4921,12 @@
                     </a:srgbClr>
                   </a:outerShdw>
                 </a:effectLst>
-                <a:latin typeface="VNI-Cooper" pitchFamily="2" charset="0"/>
-              </a:rPr>
-              <a:t> </a:t>
-            </a:r>
-            <a:r>
-              <a:rPr lang="en-US" sz="3200" dirty="0" err="1" smtClean="0">
+                <a:latin typeface="VNI-Times" pitchFamily="2" charset="0"/>
+              </a:rPr>
+              <a:t> </a:t>
+            </a:r>
+            <a:r>
+              <a:rPr lang="en-US" sz="3200" b="1" dirty="0" err="1">
                 <a:ln w="18415" cmpd="sng">
                   <a:solidFill>
                     <a:srgbClr val="FFFFFF"/>
@@ -4975,12 +4946,12 @@
                     </a:srgbClr>
                   </a:outerShdw>
                 </a:effectLst>
-                <a:latin typeface="VNI-Cooper" pitchFamily="2" charset="0"/>
+                <a:latin typeface="VNI-Times" pitchFamily="2" charset="0"/>
               </a:rPr>
               <a:t>Thaùnh</a:t>
             </a:r>
             <a:r>
-              <a:rPr lang="en-US" sz="3200" dirty="0" smtClean="0">
+              <a:rPr lang="en-US" sz="3200" b="1" dirty="0">
                 <a:ln w="18415" cmpd="sng">
                   <a:solidFill>
                     <a:srgbClr val="FFFFFF"/>
@@ -5000,32 +4971,10 @@
                     </a:srgbClr>
                   </a:outerShdw>
                 </a:effectLst>
-                <a:latin typeface="VNI-Cooper" pitchFamily="2" charset="0"/>
+                <a:latin typeface="VNI-Times" pitchFamily="2" charset="0"/>
               </a:rPr>
               <a:t> ca</a:t>
             </a:r>
-            <a:endParaRPr lang="en-US" sz="3200" dirty="0">
-              <a:ln w="18415" cmpd="sng">
-                <a:solidFill>
-                  <a:srgbClr val="FFFFFF"/>
-                </a:solidFill>
-                <a:prstDash val="solid"/>
-              </a:ln>
-              <a:solidFill>
-                <a:srgbClr val="C00000"/>
-              </a:solidFill>
-              <a:effectLst>
-                <a:glow rad="139700">
-                  <a:srgbClr val="FFFFFF"/>
-                </a:glow>
-                <a:outerShdw blurRad="63500" dir="3600000" algn="tl" rotWithShape="0">
-                  <a:srgbClr val="000000">
-                    <a:alpha val="70000"/>
-                  </a:srgbClr>
-                </a:outerShdw>
-              </a:effectLst>
-              <a:latin typeface="VNI-Cooper" pitchFamily="2" charset="0"/>
-            </a:endParaRPr>
           </a:p>
         </p:txBody>
       </p:sp>
@@ -5053,7 +5002,7 @@
           <a:p>
             <a:pPr algn="ctr"/>
             <a:r>
-              <a:rPr lang="en-US" sz="7200" b="1" spc="100" dirty="0" err="1" smtClean="0">
+              <a:rPr lang="en-US" sz="7200" b="1" spc="100" dirty="0" err="1">
                 <a:ln w="18000">
                   <a:solidFill>
                     <a:schemeClr val="accent1">
@@ -5078,12 +5027,12 @@
                     </a:schemeClr>
                   </a:outerShdw>
                 </a:effectLst>
-                <a:latin typeface="VNI-Enview" pitchFamily="34" charset="0"/>
+                <a:latin typeface="VNI-Times" pitchFamily="2" charset="0"/>
               </a:rPr>
               <a:t>Moùn</a:t>
             </a:r>
             <a:r>
-              <a:rPr lang="en-US" sz="7200" b="1" spc="100" dirty="0" smtClean="0">
+              <a:rPr lang="en-US" sz="7200" b="1" spc="100" dirty="0">
                 <a:ln w="18000">
                   <a:solidFill>
                     <a:schemeClr val="accent1">
@@ -5108,12 +5057,12 @@
                     </a:schemeClr>
                   </a:outerShdw>
                 </a:effectLst>
-                <a:latin typeface="VNI-Enview" pitchFamily="34" charset="0"/>
-              </a:rPr>
-              <a:t> </a:t>
-            </a:r>
-            <a:r>
-              <a:rPr lang="en-US" sz="7200" b="1" spc="100" dirty="0" err="1" smtClean="0">
+                <a:latin typeface="VNI-Times" pitchFamily="2" charset="0"/>
+              </a:rPr>
+              <a:t> </a:t>
+            </a:r>
+            <a:r>
+              <a:rPr lang="en-US" sz="7200" b="1" spc="100" dirty="0" err="1">
                 <a:ln w="18000">
                   <a:solidFill>
                     <a:schemeClr val="accent1">
@@ -5138,12 +5087,12 @@
                     </a:schemeClr>
                   </a:outerShdw>
                 </a:effectLst>
-                <a:latin typeface="VNI-Enview" pitchFamily="34" charset="0"/>
+                <a:latin typeface="VNI-Times" pitchFamily="2" charset="0"/>
               </a:rPr>
               <a:t>quaø</a:t>
             </a:r>
             <a:r>
-              <a:rPr lang="en-US" sz="7200" b="1" spc="100" dirty="0" smtClean="0">
+              <a:rPr lang="en-US" sz="7200" b="1" spc="100" dirty="0">
                 <a:ln w="18000">
                   <a:solidFill>
                     <a:schemeClr val="accent1">
@@ -5168,12 +5117,12 @@
                     </a:schemeClr>
                   </a:outerShdw>
                 </a:effectLst>
-                <a:latin typeface="VNI-Enview" pitchFamily="34" charset="0"/>
+                <a:latin typeface="VNI-Times" pitchFamily="2" charset="0"/>
               </a:rPr>
               <a:t> </a:t>
             </a:r>
             <a:br>
-              <a:rPr lang="en-US" sz="7200" b="1" spc="100" dirty="0" smtClean="0">
+              <a:rPr lang="en-US" sz="7200" b="1" spc="100" dirty="0">
                 <a:ln w="18000">
                   <a:solidFill>
                     <a:schemeClr val="accent1">
@@ -5198,11 +5147,11 @@
                     </a:schemeClr>
                   </a:outerShdw>
                 </a:effectLst>
-                <a:latin typeface="VNI-Enview" pitchFamily="34" charset="0"/>
+                <a:latin typeface="VNI-Times" pitchFamily="2" charset="0"/>
               </a:rPr>
             </a:br>
             <a:r>
-              <a:rPr lang="en-US" sz="7200" b="1" spc="100" dirty="0" err="1" smtClean="0">
+              <a:rPr lang="en-US" sz="7200" b="1" spc="100" dirty="0" err="1">
                 <a:ln w="18000">
                   <a:solidFill>
                     <a:schemeClr val="accent1">
@@ -5227,12 +5176,12 @@
                     </a:schemeClr>
                   </a:outerShdw>
                 </a:effectLst>
-                <a:latin typeface="VNI-Enview" pitchFamily="34" charset="0"/>
+                <a:latin typeface="VNI-Times" pitchFamily="2" charset="0"/>
               </a:rPr>
               <a:t>voâ</a:t>
             </a:r>
             <a:r>
-              <a:rPr lang="en-US" sz="7200" b="1" spc="100" dirty="0" smtClean="0">
+              <a:rPr lang="en-US" sz="7200" b="1" spc="100" dirty="0">
                 <a:ln w="18000">
                   <a:solidFill>
                     <a:schemeClr val="accent1">
@@ -5257,12 +5206,12 @@
                     </a:schemeClr>
                   </a:outerShdw>
                 </a:effectLst>
-                <a:latin typeface="VNI-Enview" pitchFamily="34" charset="0"/>
-              </a:rPr>
-              <a:t> </a:t>
-            </a:r>
-            <a:r>
-              <a:rPr lang="en-US" sz="7200" b="1" spc="100" dirty="0" err="1" smtClean="0">
+                <a:latin typeface="VNI-Times" pitchFamily="2" charset="0"/>
+              </a:rPr>
+              <a:t> </a:t>
+            </a:r>
+            <a:r>
+              <a:rPr lang="en-US" sz="7200" b="1" spc="100" dirty="0" err="1">
                 <a:ln w="18000">
                   <a:solidFill>
                     <a:schemeClr val="accent1">
@@ -5287,7 +5236,7 @@
                     </a:schemeClr>
                   </a:outerShdw>
                 </a:effectLst>
-                <a:latin typeface="VNI-Enview" pitchFamily="34" charset="0"/>
+                <a:latin typeface="VNI-Times" pitchFamily="2" charset="0"/>
               </a:rPr>
               <a:t>giaù</a:t>
             </a:r>
@@ -5316,7 +5265,7 @@
                   </a:schemeClr>
                 </a:outerShdw>
               </a:effectLst>
-              <a:latin typeface="VNI-Enview" pitchFamily="34" charset="0"/>
+              <a:latin typeface="VNI-Times" pitchFamily="2" charset="0"/>
             </a:endParaRPr>
           </a:p>
         </p:txBody>
@@ -5338,13 +5287,6 @@
       </p:transition>
     </mc:Fallback>
   </mc:AlternateContent>
-  <p:timing>
-    <p:tnLst>
-      <p:par>
-        <p:cTn id="1" dur="indefinite" restart="never" nodeType="tmRoot"/>
-      </p:par>
-    </p:tnLst>
-  </p:timing>
 </p:sld>
 </file>
 
@@ -5394,232 +5336,232 @@
               </a:spcBef>
             </a:pPr>
             <a:r>
-              <a:rPr lang="en-US" sz="4800" b="1" dirty="0" smtClean="0">
-                <a:latin typeface="VNI-Times-Thin" pitchFamily="2" charset="0"/>
+              <a:rPr lang="en-US" sz="4800" b="1" dirty="0">
+                <a:latin typeface="VNI-Times" pitchFamily="2" charset="0"/>
                 <a:ea typeface="+mj-ea"/>
                 <a:cs typeface="+mj-cs"/>
               </a:rPr>
               <a:t>3.  </a:t>
             </a:r>
             <a:r>
-              <a:rPr lang="en-US" sz="7200" b="1" dirty="0" err="1" smtClean="0">
-                <a:latin typeface="VNI-Times-Thin" pitchFamily="2" charset="0"/>
+              <a:rPr lang="en-US" sz="7200" b="1" dirty="0" err="1">
+                <a:latin typeface="VNI-Times" pitchFamily="2" charset="0"/>
                 <a:ea typeface="+mj-ea"/>
                 <a:cs typeface="+mj-cs"/>
               </a:rPr>
               <a:t>Traàn</a:t>
             </a:r>
             <a:r>
-              <a:rPr lang="en-US" sz="7200" b="1" dirty="0" smtClean="0">
-                <a:latin typeface="VNI-Times-Thin" pitchFamily="2" charset="0"/>
-                <a:ea typeface="+mj-ea"/>
-                <a:cs typeface="+mj-cs"/>
-              </a:rPr>
-              <a:t> </a:t>
-            </a:r>
-            <a:r>
-              <a:rPr lang="en-US" sz="7200" b="1" dirty="0" err="1" smtClean="0">
-                <a:latin typeface="VNI-Times-Thin" pitchFamily="2" charset="0"/>
+              <a:rPr lang="en-US" sz="7200" b="1" dirty="0">
+                <a:latin typeface="VNI-Times" pitchFamily="2" charset="0"/>
+                <a:ea typeface="+mj-ea"/>
+                <a:cs typeface="+mj-cs"/>
+              </a:rPr>
+              <a:t> </a:t>
+            </a:r>
+            <a:r>
+              <a:rPr lang="en-US" sz="7200" b="1" dirty="0" err="1">
+                <a:latin typeface="VNI-Times" pitchFamily="2" charset="0"/>
                 <a:ea typeface="+mj-ea"/>
                 <a:cs typeface="+mj-cs"/>
               </a:rPr>
               <a:t>theá</a:t>
             </a:r>
             <a:r>
-              <a:rPr lang="en-US" sz="7200" b="1" dirty="0" smtClean="0">
-                <a:latin typeface="VNI-Times-Thin" pitchFamily="2" charset="0"/>
-                <a:ea typeface="+mj-ea"/>
-                <a:cs typeface="+mj-cs"/>
-              </a:rPr>
-              <a:t> </a:t>
-            </a:r>
-            <a:r>
-              <a:rPr lang="en-US" sz="7200" b="1" dirty="0" err="1" smtClean="0">
-                <a:latin typeface="VNI-Times-Thin" pitchFamily="2" charset="0"/>
+              <a:rPr lang="en-US" sz="7200" b="1" dirty="0">
+                <a:latin typeface="VNI-Times" pitchFamily="2" charset="0"/>
+                <a:ea typeface="+mj-ea"/>
+                <a:cs typeface="+mj-cs"/>
+              </a:rPr>
+              <a:t> </a:t>
+            </a:r>
+            <a:r>
+              <a:rPr lang="en-US" sz="7200" b="1" dirty="0" err="1">
+                <a:latin typeface="VNI-Times" pitchFamily="2" charset="0"/>
                 <a:ea typeface="+mj-ea"/>
                 <a:cs typeface="+mj-cs"/>
               </a:rPr>
               <a:t>ñang</a:t>
             </a:r>
             <a:r>
-              <a:rPr lang="en-US" sz="7200" b="1" dirty="0" smtClean="0">
-                <a:latin typeface="VNI-Times-Thin" pitchFamily="2" charset="0"/>
-                <a:ea typeface="+mj-ea"/>
-                <a:cs typeface="+mj-cs"/>
-              </a:rPr>
-              <a:t> </a:t>
-            </a:r>
-            <a:r>
-              <a:rPr lang="en-US" sz="7200" b="1" dirty="0" err="1" smtClean="0">
-                <a:latin typeface="VNI-Times-Thin" pitchFamily="2" charset="0"/>
+              <a:rPr lang="en-US" sz="7200" b="1" dirty="0">
+                <a:latin typeface="VNI-Times" pitchFamily="2" charset="0"/>
+                <a:ea typeface="+mj-ea"/>
+                <a:cs typeface="+mj-cs"/>
+              </a:rPr>
+              <a:t> </a:t>
+            </a:r>
+            <a:r>
+              <a:rPr lang="en-US" sz="7200" b="1" dirty="0" err="1">
+                <a:latin typeface="VNI-Times" pitchFamily="2" charset="0"/>
                 <a:ea typeface="+mj-ea"/>
                 <a:cs typeface="+mj-cs"/>
               </a:rPr>
               <a:t>voâ</a:t>
             </a:r>
             <a:r>
-              <a:rPr lang="en-US" sz="7200" b="1" dirty="0" smtClean="0">
-                <a:latin typeface="VNI-Times-Thin" pitchFamily="2" charset="0"/>
-                <a:ea typeface="+mj-ea"/>
-                <a:cs typeface="+mj-cs"/>
-              </a:rPr>
-              <a:t> </a:t>
-            </a:r>
-            <a:r>
-              <a:rPr lang="en-US" sz="7200" b="1" dirty="0" err="1" smtClean="0">
-                <a:latin typeface="VNI-Times-Thin" pitchFamily="2" charset="0"/>
+              <a:rPr lang="en-US" sz="7200" b="1" dirty="0">
+                <a:latin typeface="VNI-Times" pitchFamily="2" charset="0"/>
+                <a:ea typeface="+mj-ea"/>
+                <a:cs typeface="+mj-cs"/>
+              </a:rPr>
+              <a:t> </a:t>
+            </a:r>
+            <a:r>
+              <a:rPr lang="en-US" sz="7200" b="1" dirty="0" err="1">
+                <a:latin typeface="VNI-Times" pitchFamily="2" charset="0"/>
                 <a:ea typeface="+mj-ea"/>
                 <a:cs typeface="+mj-cs"/>
               </a:rPr>
               <a:t>voïng</a:t>
             </a:r>
             <a:r>
-              <a:rPr lang="en-US" sz="7200" b="1" dirty="0" smtClean="0">
-                <a:latin typeface="VNI-Times-Thin" pitchFamily="2" charset="0"/>
-                <a:ea typeface="+mj-ea"/>
-                <a:cs typeface="+mj-cs"/>
-              </a:rPr>
-              <a:t> </a:t>
-            </a:r>
-            <a:r>
-              <a:rPr lang="en-US" sz="7200" b="1" dirty="0" err="1" smtClean="0">
-                <a:latin typeface="VNI-Times-Thin" pitchFamily="2" charset="0"/>
+              <a:rPr lang="en-US" sz="7200" b="1" dirty="0">
+                <a:latin typeface="VNI-Times" pitchFamily="2" charset="0"/>
+                <a:ea typeface="+mj-ea"/>
+                <a:cs typeface="+mj-cs"/>
+              </a:rPr>
+              <a:t> </a:t>
+            </a:r>
+            <a:r>
+              <a:rPr lang="en-US" sz="7200" b="1" dirty="0" err="1">
+                <a:latin typeface="VNI-Times" pitchFamily="2" charset="0"/>
                 <a:ea typeface="+mj-ea"/>
                 <a:cs typeface="+mj-cs"/>
               </a:rPr>
               <a:t>soáng</a:t>
             </a:r>
             <a:r>
-              <a:rPr lang="en-US" sz="7200" b="1" dirty="0" smtClean="0">
-                <a:latin typeface="VNI-Times-Thin" pitchFamily="2" charset="0"/>
-                <a:ea typeface="+mj-ea"/>
-                <a:cs typeface="+mj-cs"/>
-              </a:rPr>
-              <a:t> </a:t>
-            </a:r>
-            <a:r>
-              <a:rPr lang="en-US" sz="7200" b="1" dirty="0" err="1" smtClean="0">
-                <a:latin typeface="VNI-Times-Thin" pitchFamily="2" charset="0"/>
+              <a:rPr lang="en-US" sz="7200" b="1" dirty="0">
+                <a:latin typeface="VNI-Times" pitchFamily="2" charset="0"/>
+                <a:ea typeface="+mj-ea"/>
+                <a:cs typeface="+mj-cs"/>
+              </a:rPr>
+              <a:t> </a:t>
+            </a:r>
+            <a:r>
+              <a:rPr lang="en-US" sz="7200" b="1" dirty="0" err="1">
+                <a:latin typeface="VNI-Times" pitchFamily="2" charset="0"/>
                 <a:ea typeface="+mj-ea"/>
                 <a:cs typeface="+mj-cs"/>
               </a:rPr>
               <a:t>trong</a:t>
             </a:r>
             <a:r>
-              <a:rPr lang="en-US" sz="7200" b="1" dirty="0" smtClean="0">
-                <a:latin typeface="VNI-Times-Thin" pitchFamily="2" charset="0"/>
-                <a:ea typeface="+mj-ea"/>
-                <a:cs typeface="+mj-cs"/>
-              </a:rPr>
-              <a:t> </a:t>
-            </a:r>
-            <a:r>
-              <a:rPr lang="en-US" sz="7200" b="1" dirty="0" err="1" smtClean="0">
-                <a:latin typeface="VNI-Times-Thin" pitchFamily="2" charset="0"/>
+              <a:rPr lang="en-US" sz="7200" b="1" dirty="0">
+                <a:latin typeface="VNI-Times" pitchFamily="2" charset="0"/>
+                <a:ea typeface="+mj-ea"/>
+                <a:cs typeface="+mj-cs"/>
+              </a:rPr>
+              <a:t> </a:t>
+            </a:r>
+            <a:r>
+              <a:rPr lang="en-US" sz="7200" b="1" dirty="0" err="1">
+                <a:latin typeface="VNI-Times" pitchFamily="2" charset="0"/>
                 <a:ea typeface="+mj-ea"/>
                 <a:cs typeface="+mj-cs"/>
               </a:rPr>
               <a:t>nhöõng</a:t>
             </a:r>
             <a:r>
-              <a:rPr lang="en-US" sz="7200" b="1" dirty="0" smtClean="0">
-                <a:latin typeface="VNI-Times-Thin" pitchFamily="2" charset="0"/>
-                <a:ea typeface="+mj-ea"/>
-                <a:cs typeface="+mj-cs"/>
-              </a:rPr>
-              <a:t> </a:t>
-            </a:r>
-            <a:r>
-              <a:rPr lang="en-US" sz="7200" b="1" dirty="0" err="1" smtClean="0">
-                <a:latin typeface="VNI-Times-Thin" pitchFamily="2" charset="0"/>
+              <a:rPr lang="en-US" sz="7200" b="1" dirty="0">
+                <a:latin typeface="VNI-Times" pitchFamily="2" charset="0"/>
+                <a:ea typeface="+mj-ea"/>
+                <a:cs typeface="+mj-cs"/>
+              </a:rPr>
+              <a:t> </a:t>
+            </a:r>
+            <a:r>
+              <a:rPr lang="en-US" sz="7200" b="1" dirty="0" err="1">
+                <a:latin typeface="VNI-Times" pitchFamily="2" charset="0"/>
                 <a:ea typeface="+mj-ea"/>
                 <a:cs typeface="+mj-cs"/>
               </a:rPr>
               <a:t>ngaøy</a:t>
             </a:r>
             <a:r>
-              <a:rPr lang="en-US" sz="7200" b="1" dirty="0" smtClean="0">
-                <a:latin typeface="VNI-Times-Thin" pitchFamily="2" charset="0"/>
+              <a:rPr lang="en-US" sz="7200" b="1" dirty="0">
+                <a:latin typeface="VNI-Times" pitchFamily="2" charset="0"/>
                 <a:ea typeface="+mj-ea"/>
                 <a:cs typeface="+mj-cs"/>
               </a:rPr>
               <a:t> </a:t>
             </a:r>
             <a:br>
-              <a:rPr lang="en-US" sz="7200" b="1" dirty="0" smtClean="0">
-                <a:latin typeface="VNI-Times-Thin" pitchFamily="2" charset="0"/>
+              <a:rPr lang="en-US" sz="7200" b="1" dirty="0">
+                <a:latin typeface="VNI-Times" pitchFamily="2" charset="0"/>
                 <a:ea typeface="+mj-ea"/>
                 <a:cs typeface="+mj-cs"/>
               </a:rPr>
             </a:br>
             <a:r>
-              <a:rPr lang="en-US" sz="7200" b="1" dirty="0" err="1" smtClean="0">
-                <a:latin typeface="VNI-Times-Thin" pitchFamily="2" charset="0"/>
+              <a:rPr lang="en-US" sz="7200" b="1" dirty="0" err="1">
+                <a:latin typeface="VNI-Times" pitchFamily="2" charset="0"/>
                 <a:ea typeface="+mj-ea"/>
                 <a:cs typeface="+mj-cs"/>
               </a:rPr>
               <a:t>ñau</a:t>
             </a:r>
             <a:r>
-              <a:rPr lang="en-US" sz="7200" b="1" dirty="0" smtClean="0">
-                <a:latin typeface="VNI-Times-Thin" pitchFamily="2" charset="0"/>
-                <a:ea typeface="+mj-ea"/>
-                <a:cs typeface="+mj-cs"/>
-              </a:rPr>
-              <a:t> </a:t>
-            </a:r>
-            <a:r>
-              <a:rPr lang="en-US" sz="7200" b="1" dirty="0" err="1" smtClean="0">
-                <a:latin typeface="VNI-Times-Thin" pitchFamily="2" charset="0"/>
+              <a:rPr lang="en-US" sz="7200" b="1" dirty="0">
+                <a:latin typeface="VNI-Times" pitchFamily="2" charset="0"/>
+                <a:ea typeface="+mj-ea"/>
+                <a:cs typeface="+mj-cs"/>
+              </a:rPr>
+              <a:t> </a:t>
+            </a:r>
+            <a:r>
+              <a:rPr lang="en-US" sz="7200" b="1" dirty="0" err="1">
+                <a:latin typeface="VNI-Times" pitchFamily="2" charset="0"/>
                 <a:ea typeface="+mj-ea"/>
                 <a:cs typeface="+mj-cs"/>
               </a:rPr>
               <a:t>thöông</a:t>
             </a:r>
             <a:r>
-              <a:rPr lang="en-US" sz="7200" b="1" dirty="0" smtClean="0">
-                <a:latin typeface="VNI-Times-Thin" pitchFamily="2" charset="0"/>
-                <a:ea typeface="+mj-ea"/>
-                <a:cs typeface="+mj-cs"/>
-              </a:rPr>
-              <a:t> </a:t>
-            </a:r>
-            <a:r>
-              <a:rPr lang="en-US" sz="7200" b="1" dirty="0" err="1" smtClean="0">
-                <a:latin typeface="VNI-Times-Thin" pitchFamily="2" charset="0"/>
+              <a:rPr lang="en-US" sz="7200" b="1" dirty="0">
+                <a:latin typeface="VNI-Times" pitchFamily="2" charset="0"/>
+                <a:ea typeface="+mj-ea"/>
+                <a:cs typeface="+mj-cs"/>
+              </a:rPr>
+              <a:t> </a:t>
+            </a:r>
+            <a:r>
+              <a:rPr lang="en-US" sz="7200" b="1" dirty="0" err="1">
+                <a:latin typeface="VNI-Times" pitchFamily="2" charset="0"/>
                 <a:ea typeface="+mj-ea"/>
                 <a:cs typeface="+mj-cs"/>
               </a:rPr>
               <a:t>trieàn</a:t>
             </a:r>
             <a:r>
-              <a:rPr lang="en-US" sz="7200" b="1" dirty="0" smtClean="0">
-                <a:latin typeface="VNI-Times-Thin" pitchFamily="2" charset="0"/>
-                <a:ea typeface="+mj-ea"/>
-                <a:cs typeface="+mj-cs"/>
-              </a:rPr>
-              <a:t> </a:t>
-            </a:r>
-            <a:r>
-              <a:rPr lang="en-US" sz="7200" b="1" dirty="0" err="1" smtClean="0">
-                <a:latin typeface="VNI-Times-Thin" pitchFamily="2" charset="0"/>
+              <a:rPr lang="en-US" sz="7200" b="1" dirty="0">
+                <a:latin typeface="VNI-Times" pitchFamily="2" charset="0"/>
+                <a:ea typeface="+mj-ea"/>
+                <a:cs typeface="+mj-cs"/>
+              </a:rPr>
+              <a:t> </a:t>
+            </a:r>
+            <a:r>
+              <a:rPr lang="en-US" sz="7200" b="1" dirty="0" err="1">
+                <a:latin typeface="VNI-Times" pitchFamily="2" charset="0"/>
                 <a:ea typeface="+mj-ea"/>
                 <a:cs typeface="+mj-cs"/>
               </a:rPr>
               <a:t>mieân</a:t>
             </a:r>
             <a:r>
-              <a:rPr lang="en-US" sz="7200" b="1" dirty="0" smtClean="0">
-                <a:latin typeface="VNI-Times-Thin" pitchFamily="2" charset="0"/>
+              <a:rPr lang="en-US" sz="7200" b="1" dirty="0">
+                <a:latin typeface="VNI-Times" pitchFamily="2" charset="0"/>
                 <a:ea typeface="+mj-ea"/>
                 <a:cs typeface="+mj-cs"/>
               </a:rPr>
               <a:t>.</a:t>
             </a:r>
-            <a:endParaRPr kumimoji="0" lang="en-US" sz="7200" b="1" i="0" u="none" strike="noStrike" kern="1200" normalizeH="0" baseline="0" noProof="0" dirty="0" smtClean="0">
+            <a:endParaRPr kumimoji="0" lang="en-US" sz="7200" b="1" u="none" strike="noStrike" kern="1200" normalizeH="0" baseline="0" noProof="0" dirty="0">
               <a:uLnTx/>
               <a:uFillTx/>
-              <a:latin typeface="VNI-Times-Thin" pitchFamily="2" charset="0"/>
+              <a:latin typeface="VNI-Times" pitchFamily="2" charset="0"/>
               <a:ea typeface="+mj-ea"/>
               <a:cs typeface="+mj-cs"/>
             </a:endParaRPr>
@@ -5650,7 +5592,7 @@
           <a:p>
             <a:pPr algn="ctr"/>
             <a:r>
-              <a:rPr lang="en-US" sz="3200" smtClean="0">
+              <a:rPr lang="en-US" sz="3200" b="1" dirty="0">
                 <a:ln w="18415" cmpd="sng">
                   <a:solidFill>
                     <a:srgbClr val="FFFFFF"/>
@@ -5670,57 +5612,10 @@
                     </a:srgbClr>
                   </a:outerShdw>
                 </a:effectLst>
-                <a:latin typeface="VNI-Cooper" pitchFamily="2" charset="0"/>
-              </a:rPr>
-              <a:t>MOÙN </a:t>
-            </a:r>
-            <a:r>
-              <a:rPr lang="en-US" sz="3200" dirty="0" smtClean="0">
-                <a:ln w="18415" cmpd="sng">
-                  <a:solidFill>
-                    <a:srgbClr val="FFFFFF"/>
-                  </a:solidFill>
-                  <a:prstDash val="solid"/>
-                </a:ln>
-                <a:solidFill>
-                  <a:srgbClr val="C00000"/>
-                </a:solidFill>
-                <a:effectLst>
-                  <a:glow rad="139700">
-                    <a:srgbClr val="FFFFFF"/>
-                  </a:glow>
-                  <a:outerShdw blurRad="63500" dir="3600000" algn="tl" rotWithShape="0">
-                    <a:srgbClr val="000000">
-                      <a:alpha val="70000"/>
-                    </a:srgbClr>
-                  </a:outerShdw>
-                </a:effectLst>
-                <a:latin typeface="VNI-Cooper" pitchFamily="2" charset="0"/>
-              </a:rPr>
-              <a:t>QUAØ VOÂ GIAÙ</a:t>
-            </a:r>
-            <a:endParaRPr lang="en-US" sz="3200" dirty="0">
-              <a:ln w="18415" cmpd="sng">
-                <a:solidFill>
-                  <a:srgbClr val="FFFFFF"/>
-                </a:solidFill>
-                <a:prstDash val="solid"/>
-              </a:ln>
-              <a:solidFill>
-                <a:srgbClr val="C00000"/>
-              </a:solidFill>
-              <a:effectLst>
-                <a:glow rad="139700">
-                  <a:srgbClr val="FFFFFF"/>
-                </a:glow>
-                <a:outerShdw blurRad="63500" dir="3600000" algn="tl" rotWithShape="0">
-                  <a:srgbClr val="000000">
-                    <a:alpha val="70000"/>
-                  </a:srgbClr>
-                </a:outerShdw>
-              </a:effectLst>
-              <a:latin typeface="VNI-Cooper" pitchFamily="2" charset="0"/>
-            </a:endParaRPr>
+                <a:latin typeface="VNI-Times" pitchFamily="2" charset="0"/>
+              </a:rPr>
+              <a:t>MOÙN QUAØ VOÂ GIAÙ</a:t>
+            </a:r>
           </a:p>
         </p:txBody>
       </p:sp>
@@ -5729,13 +5624,6 @@
   <p:clrMapOvr>
     <a:masterClrMapping/>
   </p:clrMapOvr>
-  <p:timing>
-    <p:tnLst>
-      <p:par>
-        <p:cTn id="1" dur="indefinite" restart="never" nodeType="tmRoot"/>
-      </p:par>
-    </p:tnLst>
-  </p:timing>
 </p:sld>
 </file>
 
@@ -5785,215 +5673,215 @@
               </a:spcBef>
             </a:pPr>
             <a:r>
-              <a:rPr lang="en-US" sz="7200" b="1" dirty="0" err="1" smtClean="0">
-                <a:latin typeface="VNI-Times-Thin" pitchFamily="2" charset="0"/>
+              <a:rPr lang="en-US" sz="7200" b="1" dirty="0" err="1">
+                <a:latin typeface="VNI-Times" pitchFamily="2" charset="0"/>
                 <a:ea typeface="+mj-ea"/>
                 <a:cs typeface="+mj-cs"/>
               </a:rPr>
               <a:t>Thaät</a:t>
             </a:r>
             <a:r>
-              <a:rPr lang="en-US" sz="7200" b="1" dirty="0" smtClean="0">
-                <a:latin typeface="VNI-Times-Thin" pitchFamily="2" charset="0"/>
-                <a:ea typeface="+mj-ea"/>
-                <a:cs typeface="+mj-cs"/>
-              </a:rPr>
-              <a:t> </a:t>
-            </a:r>
-            <a:r>
-              <a:rPr lang="en-US" sz="7200" b="1" dirty="0" err="1" smtClean="0">
-                <a:latin typeface="VNI-Times-Thin" pitchFamily="2" charset="0"/>
+              <a:rPr lang="en-US" sz="7200" b="1" dirty="0">
+                <a:latin typeface="VNI-Times" pitchFamily="2" charset="0"/>
+                <a:ea typeface="+mj-ea"/>
+                <a:cs typeface="+mj-cs"/>
+              </a:rPr>
+              <a:t> </a:t>
+            </a:r>
+            <a:r>
+              <a:rPr lang="en-US" sz="7200" b="1" dirty="0" err="1">
+                <a:latin typeface="VNI-Times" pitchFamily="2" charset="0"/>
                 <a:ea typeface="+mj-ea"/>
                 <a:cs typeface="+mj-cs"/>
               </a:rPr>
               <a:t>khaùt</a:t>
             </a:r>
             <a:r>
-              <a:rPr lang="en-US" sz="7200" b="1" dirty="0" smtClean="0">
-                <a:latin typeface="VNI-Times-Thin" pitchFamily="2" charset="0"/>
-                <a:ea typeface="+mj-ea"/>
-                <a:cs typeface="+mj-cs"/>
-              </a:rPr>
-              <a:t> </a:t>
-            </a:r>
-            <a:r>
-              <a:rPr lang="en-US" sz="7200" b="1" dirty="0" err="1" smtClean="0">
-                <a:latin typeface="VNI-Times-Thin" pitchFamily="2" charset="0"/>
+              <a:rPr lang="en-US" sz="7200" b="1" dirty="0">
+                <a:latin typeface="VNI-Times" pitchFamily="2" charset="0"/>
+                <a:ea typeface="+mj-ea"/>
+                <a:cs typeface="+mj-cs"/>
+              </a:rPr>
+              <a:t> </a:t>
+            </a:r>
+            <a:r>
+              <a:rPr lang="en-US" sz="7200" b="1" dirty="0" err="1">
+                <a:latin typeface="VNI-Times" pitchFamily="2" charset="0"/>
                 <a:ea typeface="+mj-ea"/>
                 <a:cs typeface="+mj-cs"/>
               </a:rPr>
               <a:t>khao</a:t>
             </a:r>
             <a:r>
-              <a:rPr lang="en-US" sz="7200" b="1" dirty="0" smtClean="0">
-                <a:latin typeface="VNI-Times-Thin" pitchFamily="2" charset="0"/>
-                <a:ea typeface="+mj-ea"/>
-                <a:cs typeface="+mj-cs"/>
-              </a:rPr>
-              <a:t> </a:t>
-            </a:r>
-            <a:r>
-              <a:rPr lang="en-US" sz="7200" b="1" dirty="0" err="1" smtClean="0">
-                <a:latin typeface="VNI-Times-Thin" pitchFamily="2" charset="0"/>
+              <a:rPr lang="en-US" sz="7200" b="1" dirty="0">
+                <a:latin typeface="VNI-Times" pitchFamily="2" charset="0"/>
+                <a:ea typeface="+mj-ea"/>
+                <a:cs typeface="+mj-cs"/>
+              </a:rPr>
+              <a:t> </a:t>
+            </a:r>
+            <a:r>
+              <a:rPr lang="en-US" sz="7200" b="1" dirty="0" err="1">
+                <a:latin typeface="VNI-Times" pitchFamily="2" charset="0"/>
                 <a:ea typeface="+mj-ea"/>
                 <a:cs typeface="+mj-cs"/>
               </a:rPr>
               <a:t>mong</a:t>
             </a:r>
             <a:r>
-              <a:rPr lang="en-US" sz="7200" b="1" dirty="0" smtClean="0">
-                <a:latin typeface="VNI-Times-Thin" pitchFamily="2" charset="0"/>
+              <a:rPr lang="en-US" sz="7200" b="1" dirty="0">
+                <a:latin typeface="VNI-Times" pitchFamily="2" charset="0"/>
                 <a:ea typeface="+mj-ea"/>
                 <a:cs typeface="+mj-cs"/>
               </a:rPr>
               <a:t> </a:t>
             </a:r>
             <a:br>
-              <a:rPr lang="en-US" sz="7200" b="1" dirty="0" smtClean="0">
-                <a:latin typeface="VNI-Times-Thin" pitchFamily="2" charset="0"/>
+              <a:rPr lang="en-US" sz="7200" b="1" dirty="0">
+                <a:latin typeface="VNI-Times" pitchFamily="2" charset="0"/>
                 <a:ea typeface="+mj-ea"/>
                 <a:cs typeface="+mj-cs"/>
               </a:rPr>
             </a:br>
             <a:r>
-              <a:rPr lang="en-US" sz="7200" b="1" dirty="0" err="1" smtClean="0">
-                <a:latin typeface="VNI-Times-Thin" pitchFamily="2" charset="0"/>
+              <a:rPr lang="en-US" sz="7200" b="1" dirty="0" err="1">
+                <a:latin typeface="VNI-Times" pitchFamily="2" charset="0"/>
                 <a:ea typeface="+mj-ea"/>
                 <a:cs typeface="+mj-cs"/>
               </a:rPr>
               <a:t>chôø</a:t>
             </a:r>
             <a:r>
-              <a:rPr lang="en-US" sz="7200" b="1" dirty="0" smtClean="0">
-                <a:latin typeface="VNI-Times-Thin" pitchFamily="2" charset="0"/>
-                <a:ea typeface="+mj-ea"/>
-                <a:cs typeface="+mj-cs"/>
-              </a:rPr>
-              <a:t> </a:t>
-            </a:r>
-            <a:r>
-              <a:rPr lang="en-US" sz="7200" b="1" dirty="0" err="1" smtClean="0">
-                <a:latin typeface="VNI-Times-Thin" pitchFamily="2" charset="0"/>
+              <a:rPr lang="en-US" sz="7200" b="1" dirty="0">
+                <a:latin typeface="VNI-Times" pitchFamily="2" charset="0"/>
+                <a:ea typeface="+mj-ea"/>
+                <a:cs typeface="+mj-cs"/>
+              </a:rPr>
+              <a:t> </a:t>
+            </a:r>
+            <a:r>
+              <a:rPr lang="en-US" sz="7200" b="1" dirty="0" err="1">
+                <a:latin typeface="VNI-Times" pitchFamily="2" charset="0"/>
                 <a:ea typeface="+mj-ea"/>
                 <a:cs typeface="+mj-cs"/>
               </a:rPr>
               <a:t>Ñaáng</a:t>
             </a:r>
             <a:r>
-              <a:rPr lang="en-US" sz="7200" b="1" dirty="0" smtClean="0">
-                <a:latin typeface="VNI-Times-Thin" pitchFamily="2" charset="0"/>
-                <a:ea typeface="+mj-ea"/>
-                <a:cs typeface="+mj-cs"/>
-              </a:rPr>
-              <a:t> </a:t>
-            </a:r>
-            <a:r>
-              <a:rPr lang="en-US" sz="7200" b="1" dirty="0" err="1" smtClean="0">
-                <a:latin typeface="VNI-Times-Thin" pitchFamily="2" charset="0"/>
+              <a:rPr lang="en-US" sz="7200" b="1" dirty="0">
+                <a:latin typeface="VNI-Times" pitchFamily="2" charset="0"/>
+                <a:ea typeface="+mj-ea"/>
+                <a:cs typeface="+mj-cs"/>
+              </a:rPr>
+              <a:t> </a:t>
+            </a:r>
+            <a:r>
+              <a:rPr lang="en-US" sz="7200" b="1" dirty="0" err="1">
+                <a:latin typeface="VNI-Times" pitchFamily="2" charset="0"/>
                 <a:ea typeface="+mj-ea"/>
                 <a:cs typeface="+mj-cs"/>
               </a:rPr>
               <a:t>Meâ-si</a:t>
             </a:r>
             <a:r>
-              <a:rPr lang="en-US" sz="7200" b="1" dirty="0" smtClean="0">
-                <a:latin typeface="VNI-Times-Thin" pitchFamily="2" charset="0"/>
-                <a:ea typeface="+mj-ea"/>
-                <a:cs typeface="+mj-cs"/>
-              </a:rPr>
-              <a:t> </a:t>
-            </a:r>
-            <a:r>
-              <a:rPr lang="en-US" sz="7200" b="1" dirty="0" err="1" smtClean="0">
-                <a:latin typeface="VNI-Times-Thin" pitchFamily="2" charset="0"/>
+              <a:rPr lang="en-US" sz="7200" b="1" dirty="0">
+                <a:latin typeface="VNI-Times" pitchFamily="2" charset="0"/>
+                <a:ea typeface="+mj-ea"/>
+                <a:cs typeface="+mj-cs"/>
+              </a:rPr>
+              <a:t> </a:t>
+            </a:r>
+            <a:r>
+              <a:rPr lang="en-US" sz="7200" b="1" dirty="0" err="1">
+                <a:latin typeface="VNI-Times" pitchFamily="2" charset="0"/>
                 <a:ea typeface="+mj-ea"/>
                 <a:cs typeface="+mj-cs"/>
               </a:rPr>
               <a:t>vaøo</a:t>
             </a:r>
             <a:r>
-              <a:rPr lang="en-US" sz="7200" b="1" dirty="0" smtClean="0">
-                <a:latin typeface="VNI-Times-Thin" pitchFamily="2" charset="0"/>
+              <a:rPr lang="en-US" sz="7200" b="1" dirty="0">
+                <a:latin typeface="VNI-Times" pitchFamily="2" charset="0"/>
                 <a:ea typeface="+mj-ea"/>
                 <a:cs typeface="+mj-cs"/>
               </a:rPr>
               <a:t> </a:t>
             </a:r>
             <a:br>
-              <a:rPr lang="en-US" sz="7200" b="1" dirty="0" smtClean="0">
-                <a:latin typeface="VNI-Times-Thin" pitchFamily="2" charset="0"/>
+              <a:rPr lang="en-US" sz="7200" b="1" dirty="0">
+                <a:latin typeface="VNI-Times" pitchFamily="2" charset="0"/>
                 <a:ea typeface="+mj-ea"/>
                 <a:cs typeface="+mj-cs"/>
               </a:rPr>
             </a:br>
             <a:r>
-              <a:rPr lang="en-US" sz="7200" b="1" dirty="0" err="1" smtClean="0">
-                <a:latin typeface="VNI-Times-Thin" pitchFamily="2" charset="0"/>
+              <a:rPr lang="en-US" sz="7200" b="1" dirty="0" err="1">
+                <a:latin typeface="VNI-Times" pitchFamily="2" charset="0"/>
                 <a:ea typeface="+mj-ea"/>
                 <a:cs typeface="+mj-cs"/>
               </a:rPr>
               <a:t>döông</a:t>
             </a:r>
             <a:r>
-              <a:rPr lang="en-US" sz="7200" b="1" dirty="0" smtClean="0">
-                <a:latin typeface="VNI-Times-Thin" pitchFamily="2" charset="0"/>
-                <a:ea typeface="+mj-ea"/>
-                <a:cs typeface="+mj-cs"/>
-              </a:rPr>
-              <a:t> </a:t>
-            </a:r>
-            <a:r>
-              <a:rPr lang="en-US" sz="7200" b="1" dirty="0" err="1" smtClean="0">
-                <a:latin typeface="VNI-Times-Thin" pitchFamily="2" charset="0"/>
+              <a:rPr lang="en-US" sz="7200" b="1" dirty="0">
+                <a:latin typeface="VNI-Times" pitchFamily="2" charset="0"/>
+                <a:ea typeface="+mj-ea"/>
+                <a:cs typeface="+mj-cs"/>
+              </a:rPr>
+              <a:t> </a:t>
+            </a:r>
+            <a:r>
+              <a:rPr lang="en-US" sz="7200" b="1" dirty="0" err="1">
+                <a:latin typeface="VNI-Times" pitchFamily="2" charset="0"/>
                 <a:ea typeface="+mj-ea"/>
                 <a:cs typeface="+mj-cs"/>
               </a:rPr>
               <a:t>gian</a:t>
             </a:r>
             <a:r>
-              <a:rPr lang="en-US" sz="7200" b="1" dirty="0" smtClean="0">
-                <a:latin typeface="VNI-Times-Thin" pitchFamily="2" charset="0"/>
-                <a:ea typeface="+mj-ea"/>
-                <a:cs typeface="+mj-cs"/>
-              </a:rPr>
-              <a:t> </a:t>
-            </a:r>
-            <a:r>
-              <a:rPr lang="en-US" sz="7200" b="1" dirty="0" err="1" smtClean="0">
-                <a:latin typeface="VNI-Times-Thin" pitchFamily="2" charset="0"/>
+              <a:rPr lang="en-US" sz="7200" b="1" dirty="0">
+                <a:latin typeface="VNI-Times" pitchFamily="2" charset="0"/>
+                <a:ea typeface="+mj-ea"/>
+                <a:cs typeface="+mj-cs"/>
+              </a:rPr>
+              <a:t> </a:t>
+            </a:r>
+            <a:r>
+              <a:rPr lang="en-US" sz="7200" b="1" dirty="0" err="1">
+                <a:latin typeface="VNI-Times" pitchFamily="2" charset="0"/>
                 <a:ea typeface="+mj-ea"/>
                 <a:cs typeface="+mj-cs"/>
               </a:rPr>
               <a:t>laøm</a:t>
             </a:r>
             <a:r>
-              <a:rPr lang="en-US" sz="7200" b="1" dirty="0" smtClean="0">
-                <a:latin typeface="VNI-Times-Thin" pitchFamily="2" charset="0"/>
-                <a:ea typeface="+mj-ea"/>
-                <a:cs typeface="+mj-cs"/>
-              </a:rPr>
-              <a:t> </a:t>
-            </a:r>
-            <a:r>
-              <a:rPr lang="en-US" sz="7200" b="1" dirty="0" err="1" smtClean="0">
-                <a:latin typeface="VNI-Times-Thin" pitchFamily="2" charset="0"/>
+              <a:rPr lang="en-US" sz="7200" b="1" dirty="0">
+                <a:latin typeface="VNI-Times" pitchFamily="2" charset="0"/>
+                <a:ea typeface="+mj-ea"/>
+                <a:cs typeface="+mj-cs"/>
+              </a:rPr>
+              <a:t> </a:t>
+            </a:r>
+            <a:r>
+              <a:rPr lang="en-US" sz="7200" b="1" dirty="0" err="1">
+                <a:latin typeface="VNI-Times" pitchFamily="2" charset="0"/>
                 <a:ea typeface="+mj-ea"/>
                 <a:cs typeface="+mj-cs"/>
               </a:rPr>
               <a:t>Vua</a:t>
             </a:r>
             <a:r>
-              <a:rPr lang="en-US" sz="7200" b="1" dirty="0" smtClean="0">
-                <a:latin typeface="VNI-Times-Thin" pitchFamily="2" charset="0"/>
+              <a:rPr lang="en-US" sz="7200" b="1" dirty="0">
+                <a:latin typeface="VNI-Times" pitchFamily="2" charset="0"/>
                 <a:ea typeface="+mj-ea"/>
                 <a:cs typeface="+mj-cs"/>
               </a:rPr>
               <a:t>.</a:t>
             </a:r>
-            <a:endParaRPr kumimoji="0" lang="en-US" sz="7200" b="1" i="0" u="none" strike="noStrike" kern="1200" normalizeH="0" baseline="0" noProof="0" dirty="0" smtClean="0">
+            <a:endParaRPr kumimoji="0" lang="en-US" sz="7200" b="1" u="none" strike="noStrike" kern="1200" normalizeH="0" baseline="0" noProof="0" dirty="0">
               <a:uLnTx/>
               <a:uFillTx/>
-              <a:latin typeface="VNI-Times-Thin" pitchFamily="2" charset="0"/>
+              <a:latin typeface="VNI-Times" pitchFamily="2" charset="0"/>
               <a:ea typeface="+mj-ea"/>
               <a:cs typeface="+mj-cs"/>
             </a:endParaRPr>
@@ -6024,7 +5912,7 @@
           <a:p>
             <a:pPr algn="ctr"/>
             <a:r>
-              <a:rPr lang="en-US" sz="3200" smtClean="0">
+              <a:rPr lang="en-US" sz="3200" b="1" dirty="0">
                 <a:ln w="18415" cmpd="sng">
                   <a:solidFill>
                     <a:srgbClr val="FFFFFF"/>
@@ -6044,57 +5932,10 @@
                     </a:srgbClr>
                   </a:outerShdw>
                 </a:effectLst>
-                <a:latin typeface="VNI-Cooper" pitchFamily="2" charset="0"/>
-              </a:rPr>
-              <a:t>MOÙN </a:t>
-            </a:r>
-            <a:r>
-              <a:rPr lang="en-US" sz="3200" dirty="0" smtClean="0">
-                <a:ln w="18415" cmpd="sng">
-                  <a:solidFill>
-                    <a:srgbClr val="FFFFFF"/>
-                  </a:solidFill>
-                  <a:prstDash val="solid"/>
-                </a:ln>
-                <a:solidFill>
-                  <a:srgbClr val="C00000"/>
-                </a:solidFill>
-                <a:effectLst>
-                  <a:glow rad="139700">
-                    <a:srgbClr val="FFFFFF"/>
-                  </a:glow>
-                  <a:outerShdw blurRad="63500" dir="3600000" algn="tl" rotWithShape="0">
-                    <a:srgbClr val="000000">
-                      <a:alpha val="70000"/>
-                    </a:srgbClr>
-                  </a:outerShdw>
-                </a:effectLst>
-                <a:latin typeface="VNI-Cooper" pitchFamily="2" charset="0"/>
-              </a:rPr>
-              <a:t>QUAØ VOÂ GIAÙ</a:t>
-            </a:r>
-            <a:endParaRPr lang="en-US" sz="3200" dirty="0">
-              <a:ln w="18415" cmpd="sng">
-                <a:solidFill>
-                  <a:srgbClr val="FFFFFF"/>
-                </a:solidFill>
-                <a:prstDash val="solid"/>
-              </a:ln>
-              <a:solidFill>
-                <a:srgbClr val="C00000"/>
-              </a:solidFill>
-              <a:effectLst>
-                <a:glow rad="139700">
-                  <a:srgbClr val="FFFFFF"/>
-                </a:glow>
-                <a:outerShdw blurRad="63500" dir="3600000" algn="tl" rotWithShape="0">
-                  <a:srgbClr val="000000">
-                    <a:alpha val="70000"/>
-                  </a:srgbClr>
-                </a:outerShdw>
-              </a:effectLst>
-              <a:latin typeface="VNI-Cooper" pitchFamily="2" charset="0"/>
-            </a:endParaRPr>
+                <a:latin typeface="VNI-Times" pitchFamily="2" charset="0"/>
+              </a:rPr>
+              <a:t>MOÙN QUAØ VOÂ GIAÙ</a:t>
+            </a:r>
           </a:p>
         </p:txBody>
       </p:sp>
@@ -6103,13 +5944,6 @@
   <p:clrMapOvr>
     <a:masterClrMapping/>
   </p:clrMapOvr>
-  <p:timing>
-    <p:tnLst>
-      <p:par>
-        <p:cTn id="1" dur="indefinite" restart="never" nodeType="tmRoot"/>
-      </p:par>
-    </p:tnLst>
-  </p:timing>
 </p:sld>
 </file>
 
@@ -6159,200 +5993,224 @@
               </a:spcBef>
             </a:pPr>
             <a:r>
-              <a:rPr lang="en-US" sz="4400" i="1" u="sng" dirty="0" smtClean="0">
-                <a:latin typeface="VNI-Times-Thin" pitchFamily="2" charset="0"/>
+              <a:rPr lang="en-US" sz="4400" b="1" u="sng" dirty="0">
+                <a:latin typeface="VNI-Times" pitchFamily="2" charset="0"/>
                 <a:ea typeface="+mj-ea"/>
                 <a:cs typeface="+mj-cs"/>
               </a:rPr>
               <a:t>ÑK:</a:t>
             </a:r>
             <a:r>
-              <a:rPr lang="en-US" sz="6600" i="1" dirty="0" smtClean="0">
-                <a:latin typeface="VNI-Times-Thin" pitchFamily="2" charset="0"/>
+              <a:rPr lang="en-US" sz="6600" b="1" dirty="0">
+                <a:latin typeface="VNI-Times" pitchFamily="2" charset="0"/>
                 <a:ea typeface="+mj-ea"/>
                 <a:cs typeface="+mj-cs"/>
               </a:rPr>
               <a:t>  </a:t>
             </a:r>
             <a:r>
-              <a:rPr lang="en-US" sz="7200" b="1" dirty="0" err="1" smtClean="0">
-                <a:latin typeface="VNI-Times-Thin" pitchFamily="2" charset="0"/>
+              <a:rPr lang="en-US" sz="7200" b="1" dirty="0" err="1">
+                <a:latin typeface="VNI-Times" pitchFamily="2" charset="0"/>
                 <a:ea typeface="+mj-ea"/>
                 <a:cs typeface="+mj-cs"/>
               </a:rPr>
               <a:t>Ôn</a:t>
             </a:r>
             <a:r>
-              <a:rPr lang="en-US" sz="7200" b="1" dirty="0" smtClean="0">
-                <a:latin typeface="VNI-Times-Thin" pitchFamily="2" charset="0"/>
-                <a:ea typeface="+mj-ea"/>
-                <a:cs typeface="+mj-cs"/>
-              </a:rPr>
-              <a:t> </a:t>
-            </a:r>
-            <a:r>
-              <a:rPr lang="en-US" sz="7200" b="1" dirty="0" err="1" smtClean="0">
-                <a:latin typeface="VNI-Times-Thin" pitchFamily="2" charset="0"/>
+              <a:rPr lang="en-US" sz="7200" b="1" dirty="0">
+                <a:latin typeface="VNI-Times" pitchFamily="2" charset="0"/>
+                <a:ea typeface="+mj-ea"/>
+                <a:cs typeface="+mj-cs"/>
+              </a:rPr>
+              <a:t> </a:t>
+            </a:r>
+            <a:r>
+              <a:rPr lang="en-US" sz="7200" b="1" dirty="0" err="1">
+                <a:latin typeface="VNI-Times" pitchFamily="2" charset="0"/>
                 <a:ea typeface="+mj-ea"/>
                 <a:cs typeface="+mj-cs"/>
               </a:rPr>
               <a:t>phöôùc</a:t>
             </a:r>
             <a:r>
-              <a:rPr lang="en-US" sz="7200" b="1" dirty="0" smtClean="0">
-                <a:latin typeface="VNI-Times-Thin" pitchFamily="2" charset="0"/>
-                <a:ea typeface="+mj-ea"/>
-                <a:cs typeface="+mj-cs"/>
-              </a:rPr>
-              <a:t> </a:t>
-            </a:r>
-            <a:r>
-              <a:rPr lang="en-US" sz="7200" b="1" err="1" smtClean="0">
-                <a:latin typeface="VNI-Times-Thin" pitchFamily="2" charset="0"/>
+              <a:rPr lang="en-US" sz="7200" b="1" dirty="0">
+                <a:latin typeface="VNI-Times" pitchFamily="2" charset="0"/>
+                <a:ea typeface="+mj-ea"/>
+                <a:cs typeface="+mj-cs"/>
+              </a:rPr>
+              <a:t> </a:t>
+            </a:r>
+            <a:r>
+              <a:rPr lang="en-US" sz="7200" b="1" dirty="0" err="1">
+                <a:latin typeface="VNI-Times" pitchFamily="2" charset="0"/>
                 <a:ea typeface="+mj-ea"/>
                 <a:cs typeface="+mj-cs"/>
               </a:rPr>
               <a:t>lôùn</a:t>
             </a:r>
             <a:r>
-              <a:rPr lang="en-US" sz="7200" b="1" smtClean="0">
-                <a:latin typeface="VNI-Times-Thin" pitchFamily="2" charset="0"/>
-                <a:ea typeface="+mj-ea"/>
-                <a:cs typeface="+mj-cs"/>
-              </a:rPr>
-              <a:t> </a:t>
-            </a:r>
-            <a:r>
-              <a:rPr lang="en-US" sz="7200" b="1" smtClean="0">
-                <a:latin typeface="VNI-Times-Thin" pitchFamily="2" charset="0"/>
-                <a:ea typeface="+mj-ea"/>
-                <a:cs typeface="+mj-cs"/>
-              </a:rPr>
-              <a:t>nôi </a:t>
-            </a:r>
-            <a:r>
-              <a:rPr lang="en-US" sz="7200" b="1" dirty="0" err="1" smtClean="0">
-                <a:latin typeface="VNI-Times-Thin" pitchFamily="2" charset="0"/>
+              <a:rPr lang="en-US" sz="7200" b="1" dirty="0">
+                <a:latin typeface="VNI-Times" pitchFamily="2" charset="0"/>
+                <a:ea typeface="+mj-ea"/>
+                <a:cs typeface="+mj-cs"/>
+              </a:rPr>
+              <a:t> </a:t>
+            </a:r>
+            <a:r>
+              <a:rPr lang="en-US" sz="7200" b="1" dirty="0" err="1">
+                <a:latin typeface="VNI-Times" pitchFamily="2" charset="0"/>
+                <a:ea typeface="+mj-ea"/>
+                <a:cs typeface="+mj-cs"/>
+              </a:rPr>
+              <a:t>nôi</a:t>
+            </a:r>
+            <a:r>
+              <a:rPr lang="en-US" sz="7200" b="1" dirty="0">
+                <a:latin typeface="VNI-Times" pitchFamily="2" charset="0"/>
+                <a:ea typeface="+mj-ea"/>
+                <a:cs typeface="+mj-cs"/>
+              </a:rPr>
+              <a:t> </a:t>
+            </a:r>
+            <a:r>
+              <a:rPr lang="en-US" sz="7200" b="1" dirty="0" err="1">
+                <a:latin typeface="VNI-Times" pitchFamily="2" charset="0"/>
                 <a:ea typeface="+mj-ea"/>
                 <a:cs typeface="+mj-cs"/>
               </a:rPr>
               <a:t>Thöôïng</a:t>
             </a:r>
             <a:r>
-              <a:rPr lang="en-US" sz="7200" b="1" dirty="0" smtClean="0">
-                <a:latin typeface="VNI-Times-Thin" pitchFamily="2" charset="0"/>
-                <a:ea typeface="+mj-ea"/>
-                <a:cs typeface="+mj-cs"/>
-              </a:rPr>
-              <a:t> </a:t>
-            </a:r>
-            <a:r>
-              <a:rPr lang="en-US" sz="7200" b="1" dirty="0" err="1" smtClean="0">
-                <a:latin typeface="VNI-Times-Thin" pitchFamily="2" charset="0"/>
+              <a:rPr lang="en-US" sz="7200" b="1" dirty="0">
+                <a:latin typeface="VNI-Times" pitchFamily="2" charset="0"/>
+                <a:ea typeface="+mj-ea"/>
+                <a:cs typeface="+mj-cs"/>
+              </a:rPr>
+              <a:t> </a:t>
+            </a:r>
+            <a:r>
+              <a:rPr lang="en-US" sz="7200" b="1" dirty="0" err="1">
+                <a:latin typeface="VNI-Times" pitchFamily="2" charset="0"/>
                 <a:ea typeface="+mj-ea"/>
                 <a:cs typeface="+mj-cs"/>
               </a:rPr>
               <a:t>Ñeá</a:t>
             </a:r>
             <a:r>
-              <a:rPr lang="en-US" sz="7200" b="1" dirty="0" smtClean="0">
-                <a:latin typeface="VNI-Times-Thin" pitchFamily="2" charset="0"/>
+              <a:rPr lang="en-US" sz="7200" b="1" dirty="0">
+                <a:latin typeface="VNI-Times" pitchFamily="2" charset="0"/>
                 <a:ea typeface="+mj-ea"/>
                 <a:cs typeface="+mj-cs"/>
               </a:rPr>
               <a:t> ban </a:t>
             </a:r>
             <a:r>
-              <a:rPr lang="en-US" sz="7200" b="1" err="1" smtClean="0">
-                <a:latin typeface="VNI-Times-Thin" pitchFamily="2" charset="0"/>
+              <a:rPr lang="en-US" sz="7200" b="1" dirty="0" err="1">
+                <a:latin typeface="VNI-Times" pitchFamily="2" charset="0"/>
                 <a:ea typeface="+mj-ea"/>
                 <a:cs typeface="+mj-cs"/>
               </a:rPr>
               <a:t>cho</a:t>
             </a:r>
             <a:r>
-              <a:rPr lang="en-US" sz="7200" b="1" smtClean="0">
-                <a:latin typeface="VNI-Times-Thin" pitchFamily="2" charset="0"/>
-                <a:ea typeface="+mj-ea"/>
-                <a:cs typeface="+mj-cs"/>
-              </a:rPr>
-              <a:t> </a:t>
-            </a:r>
-            <a:r>
-              <a:rPr lang="en-US" sz="7200" b="1" smtClean="0">
-                <a:latin typeface="VNI-Times-Thin" pitchFamily="2" charset="0"/>
-                <a:ea typeface="+mj-ea"/>
-                <a:cs typeface="+mj-cs"/>
-              </a:rPr>
-              <a:t>ngöôøi </a:t>
-            </a:r>
-            <a:r>
-              <a:rPr lang="en-US" sz="7200" b="1" dirty="0" smtClean="0">
-                <a:latin typeface="VNI-Times-Thin" pitchFamily="2" charset="0"/>
-                <a:ea typeface="+mj-ea"/>
-                <a:cs typeface="+mj-cs"/>
-              </a:rPr>
-              <a:t/>
+              <a:rPr lang="en-US" sz="7200" b="1" dirty="0">
+                <a:latin typeface="VNI-Times" pitchFamily="2" charset="0"/>
+                <a:ea typeface="+mj-ea"/>
+                <a:cs typeface="+mj-cs"/>
+              </a:rPr>
+              <a:t> </a:t>
+            </a:r>
+            <a:r>
+              <a:rPr lang="en-US" sz="7200" b="1" dirty="0" err="1">
+                <a:latin typeface="VNI-Times" pitchFamily="2" charset="0"/>
+                <a:ea typeface="+mj-ea"/>
+                <a:cs typeface="+mj-cs"/>
+              </a:rPr>
+              <a:t>ngöôøi</a:t>
+            </a:r>
+            <a:r>
+              <a:rPr lang="en-US" sz="7200" b="1" dirty="0">
+                <a:latin typeface="VNI-Times" pitchFamily="2" charset="0"/>
+                <a:ea typeface="+mj-ea"/>
+                <a:cs typeface="+mj-cs"/>
+              </a:rPr>
+              <a:t> </a:t>
             </a:r>
             <a:br>
-              <a:rPr lang="en-US" sz="7200" b="1" dirty="0" smtClean="0">
-                <a:latin typeface="VNI-Times-Thin" pitchFamily="2" charset="0"/>
+              <a:rPr lang="en-US" sz="7200" b="1" dirty="0">
+                <a:latin typeface="VNI-Times" pitchFamily="2" charset="0"/>
                 <a:ea typeface="+mj-ea"/>
                 <a:cs typeface="+mj-cs"/>
               </a:rPr>
             </a:br>
             <a:r>
-              <a:rPr lang="en-US" sz="7200" b="1" dirty="0" err="1" smtClean="0">
-                <a:latin typeface="VNI-Times-Thin" pitchFamily="2" charset="0"/>
+              <a:rPr lang="en-US" sz="7200" b="1" dirty="0" err="1">
+                <a:latin typeface="VNI-Times" pitchFamily="2" charset="0"/>
                 <a:ea typeface="+mj-ea"/>
                 <a:cs typeface="+mj-cs"/>
               </a:rPr>
               <a:t>laø</a:t>
             </a:r>
             <a:r>
-              <a:rPr lang="en-US" sz="7200" b="1" dirty="0" smtClean="0">
-                <a:latin typeface="VNI-Times-Thin" pitchFamily="2" charset="0"/>
-                <a:ea typeface="+mj-ea"/>
-                <a:cs typeface="+mj-cs"/>
-              </a:rPr>
-              <a:t> </a:t>
-            </a:r>
-            <a:r>
-              <a:rPr lang="en-US" sz="7200" b="1" dirty="0" err="1" smtClean="0">
-                <a:latin typeface="VNI-Times-Thin" pitchFamily="2" charset="0"/>
+              <a:rPr lang="en-US" sz="7200" b="1" dirty="0">
+                <a:latin typeface="VNI-Times" pitchFamily="2" charset="0"/>
+                <a:ea typeface="+mj-ea"/>
+                <a:cs typeface="+mj-cs"/>
+              </a:rPr>
+              <a:t> </a:t>
+            </a:r>
+            <a:r>
+              <a:rPr lang="en-US" sz="7200" b="1" dirty="0" err="1">
+                <a:latin typeface="VNI-Times" pitchFamily="2" charset="0"/>
                 <a:ea typeface="+mj-ea"/>
                 <a:cs typeface="+mj-cs"/>
               </a:rPr>
               <a:t>chính</a:t>
             </a:r>
             <a:r>
-              <a:rPr lang="en-US" sz="7200" b="1" dirty="0" smtClean="0">
-                <a:latin typeface="VNI-Times-Thin" pitchFamily="2" charset="0"/>
-                <a:ea typeface="+mj-ea"/>
-                <a:cs typeface="+mj-cs"/>
-              </a:rPr>
-              <a:t> </a:t>
-            </a:r>
-            <a:r>
-              <a:rPr lang="en-US" sz="7200" b="1" err="1" smtClean="0">
-                <a:latin typeface="VNI-Times-Thin" pitchFamily="2" charset="0"/>
+              <a:rPr lang="en-US" sz="7200" b="1" dirty="0">
+                <a:latin typeface="VNI-Times" pitchFamily="2" charset="0"/>
+                <a:ea typeface="+mj-ea"/>
+                <a:cs typeface="+mj-cs"/>
+              </a:rPr>
+              <a:t> </a:t>
+            </a:r>
+            <a:r>
+              <a:rPr lang="en-US" sz="7200" b="1" dirty="0" err="1">
+                <a:latin typeface="VNI-Times" pitchFamily="2" charset="0"/>
                 <a:ea typeface="+mj-ea"/>
                 <a:cs typeface="+mj-cs"/>
               </a:rPr>
               <a:t>Chuùa</a:t>
             </a:r>
             <a:r>
-              <a:rPr lang="en-US" sz="7200" b="1" smtClean="0">
-                <a:latin typeface="VNI-Times-Thin" pitchFamily="2" charset="0"/>
-                <a:ea typeface="+mj-ea"/>
-                <a:cs typeface="+mj-cs"/>
-              </a:rPr>
-              <a:t> Jeâsus.</a:t>
-            </a:r>
-            <a:endParaRPr kumimoji="0" lang="en-US" sz="7200" b="1" i="0" u="none" strike="noStrike" kern="1200" normalizeH="0" baseline="0" noProof="0" dirty="0" smtClean="0">
+              <a:rPr lang="en-US" sz="7200" b="1" dirty="0">
+                <a:latin typeface="VNI-Times" pitchFamily="2" charset="0"/>
+                <a:ea typeface="+mj-ea"/>
+                <a:cs typeface="+mj-cs"/>
+              </a:rPr>
+              <a:t> </a:t>
+            </a:r>
+            <a:r>
+              <a:rPr lang="en-US" sz="7200" b="1" dirty="0" err="1">
+                <a:latin typeface="VNI-Times" pitchFamily="2" charset="0"/>
+                <a:ea typeface="+mj-ea"/>
+                <a:cs typeface="+mj-cs"/>
+              </a:rPr>
+              <a:t>Jeâsus</a:t>
+            </a:r>
+            <a:r>
+              <a:rPr lang="en-US" sz="7200" b="1" dirty="0">
+                <a:latin typeface="VNI-Times" pitchFamily="2" charset="0"/>
+                <a:ea typeface="+mj-ea"/>
+                <a:cs typeface="+mj-cs"/>
+              </a:rPr>
+              <a:t>.</a:t>
+            </a:r>
+            <a:endParaRPr kumimoji="0" lang="en-US" sz="7200" b="1" u="none" strike="noStrike" kern="1200" normalizeH="0" baseline="0" noProof="0" dirty="0">
               <a:uLnTx/>
               <a:uFillTx/>
-              <a:latin typeface="VNI-Times-Thin" pitchFamily="2" charset="0"/>
+              <a:latin typeface="VNI-Times" pitchFamily="2" charset="0"/>
               <a:ea typeface="+mj-ea"/>
               <a:cs typeface="+mj-cs"/>
             </a:endParaRPr>
@@ -6383,7 +6241,7 @@
           <a:p>
             <a:pPr algn="ctr"/>
             <a:r>
-              <a:rPr lang="en-US" sz="3200" smtClean="0">
+              <a:rPr lang="en-US" sz="3200" b="1" dirty="0">
                 <a:ln w="18415" cmpd="sng">
                   <a:solidFill>
                     <a:srgbClr val="FFFFFF"/>
@@ -6403,57 +6261,10 @@
                     </a:srgbClr>
                   </a:outerShdw>
                 </a:effectLst>
-                <a:latin typeface="VNI-Cooper" pitchFamily="2" charset="0"/>
-              </a:rPr>
-              <a:t>MOÙN </a:t>
-            </a:r>
-            <a:r>
-              <a:rPr lang="en-US" sz="3200" dirty="0" smtClean="0">
-                <a:ln w="18415" cmpd="sng">
-                  <a:solidFill>
-                    <a:srgbClr val="FFFFFF"/>
-                  </a:solidFill>
-                  <a:prstDash val="solid"/>
-                </a:ln>
-                <a:solidFill>
-                  <a:srgbClr val="C00000"/>
-                </a:solidFill>
-                <a:effectLst>
-                  <a:glow rad="139700">
-                    <a:srgbClr val="FFFFFF"/>
-                  </a:glow>
-                  <a:outerShdw blurRad="63500" dir="3600000" algn="tl" rotWithShape="0">
-                    <a:srgbClr val="000000">
-                      <a:alpha val="70000"/>
-                    </a:srgbClr>
-                  </a:outerShdw>
-                </a:effectLst>
-                <a:latin typeface="VNI-Cooper" pitchFamily="2" charset="0"/>
-              </a:rPr>
-              <a:t>QUAØ VOÂ GIAÙ</a:t>
-            </a:r>
-            <a:endParaRPr lang="en-US" sz="3200" dirty="0">
-              <a:ln w="18415" cmpd="sng">
-                <a:solidFill>
-                  <a:srgbClr val="FFFFFF"/>
-                </a:solidFill>
-                <a:prstDash val="solid"/>
-              </a:ln>
-              <a:solidFill>
-                <a:srgbClr val="C00000"/>
-              </a:solidFill>
-              <a:effectLst>
-                <a:glow rad="139700">
-                  <a:srgbClr val="FFFFFF"/>
-                </a:glow>
-                <a:outerShdw blurRad="63500" dir="3600000" algn="tl" rotWithShape="0">
-                  <a:srgbClr val="000000">
-                    <a:alpha val="70000"/>
-                  </a:srgbClr>
-                </a:outerShdw>
-              </a:effectLst>
-              <a:latin typeface="VNI-Cooper" pitchFamily="2" charset="0"/>
-            </a:endParaRPr>
+                <a:latin typeface="VNI-Times" pitchFamily="2" charset="0"/>
+              </a:rPr>
+              <a:t>MOÙN QUAØ VOÂ GIAÙ</a:t>
+            </a:r>
           </a:p>
         </p:txBody>
       </p:sp>
@@ -6467,13 +6278,6 @@
   <p:clrMapOvr>
     <a:masterClrMapping/>
   </p:clrMapOvr>
-  <p:timing>
-    <p:tnLst>
-      <p:par>
-        <p:cTn id="1" dur="indefinite" restart="never" nodeType="tmRoot"/>
-      </p:par>
-    </p:tnLst>
-  </p:timing>
 </p:sld>
 </file>
 
@@ -6523,223 +6327,231 @@
               </a:spcBef>
             </a:pPr>
             <a:r>
-              <a:rPr lang="en-US" sz="7200" b="1" dirty="0" err="1" smtClean="0">
-                <a:latin typeface="VNI-Times-Thin" pitchFamily="2" charset="0"/>
+              <a:rPr lang="en-US" sz="7200" b="1" dirty="0" err="1">
+                <a:latin typeface="VNI-Times" pitchFamily="2" charset="0"/>
                 <a:ea typeface="+mj-ea"/>
                 <a:cs typeface="+mj-cs"/>
               </a:rPr>
               <a:t>Vui</a:t>
             </a:r>
             <a:r>
-              <a:rPr lang="en-US" sz="7200" b="1" dirty="0" smtClean="0">
-                <a:latin typeface="VNI-Times-Thin" pitchFamily="2" charset="0"/>
-                <a:ea typeface="+mj-ea"/>
-                <a:cs typeface="+mj-cs"/>
-              </a:rPr>
-              <a:t> </a:t>
-            </a:r>
-            <a:r>
-              <a:rPr lang="en-US" sz="7200" b="1" dirty="0" err="1" smtClean="0">
-                <a:latin typeface="VNI-Times-Thin" pitchFamily="2" charset="0"/>
+              <a:rPr lang="en-US" sz="7200" b="1" dirty="0">
+                <a:latin typeface="VNI-Times" pitchFamily="2" charset="0"/>
+                <a:ea typeface="+mj-ea"/>
+                <a:cs typeface="+mj-cs"/>
+              </a:rPr>
+              <a:t> </a:t>
+            </a:r>
+            <a:r>
+              <a:rPr lang="en-US" sz="7200" b="1" dirty="0" err="1">
+                <a:latin typeface="VNI-Times" pitchFamily="2" charset="0"/>
                 <a:ea typeface="+mj-ea"/>
                 <a:cs typeface="+mj-cs"/>
               </a:rPr>
               <a:t>xuoáng</a:t>
             </a:r>
             <a:r>
-              <a:rPr lang="en-US" sz="7200" b="1" dirty="0" smtClean="0">
-                <a:latin typeface="VNI-Times-Thin" pitchFamily="2" charset="0"/>
-                <a:ea typeface="+mj-ea"/>
-                <a:cs typeface="+mj-cs"/>
-              </a:rPr>
-              <a:t> </a:t>
-            </a:r>
-            <a:r>
-              <a:rPr lang="en-US" sz="7200" b="1" dirty="0" err="1" smtClean="0">
-                <a:latin typeface="VNI-Times-Thin" pitchFamily="2" charset="0"/>
+              <a:rPr lang="en-US" sz="7200" b="1" dirty="0">
+                <a:latin typeface="VNI-Times" pitchFamily="2" charset="0"/>
+                <a:ea typeface="+mj-ea"/>
+                <a:cs typeface="+mj-cs"/>
+              </a:rPr>
+              <a:t> </a:t>
+            </a:r>
+            <a:r>
+              <a:rPr lang="en-US" sz="7200" b="1" dirty="0" err="1">
+                <a:latin typeface="VNI-Times" pitchFamily="2" charset="0"/>
                 <a:ea typeface="+mj-ea"/>
                 <a:cs typeface="+mj-cs"/>
               </a:rPr>
               <a:t>theá</a:t>
             </a:r>
             <a:r>
-              <a:rPr lang="en-US" sz="7200" b="1" dirty="0" smtClean="0">
-                <a:latin typeface="VNI-Times-Thin" pitchFamily="2" charset="0"/>
-                <a:ea typeface="+mj-ea"/>
-                <a:cs typeface="+mj-cs"/>
-              </a:rPr>
-              <a:t> </a:t>
-            </a:r>
-            <a:r>
-              <a:rPr lang="en-US" sz="7200" b="1" dirty="0" err="1" smtClean="0">
-                <a:latin typeface="VNI-Times-Thin" pitchFamily="2" charset="0"/>
+              <a:rPr lang="en-US" sz="7200" b="1" dirty="0">
+                <a:latin typeface="VNI-Times" pitchFamily="2" charset="0"/>
+                <a:ea typeface="+mj-ea"/>
+                <a:cs typeface="+mj-cs"/>
+              </a:rPr>
+              <a:t> </a:t>
+            </a:r>
+            <a:r>
+              <a:rPr lang="en-US" sz="7200" b="1" dirty="0" err="1">
+                <a:latin typeface="VNI-Times" pitchFamily="2" charset="0"/>
                 <a:ea typeface="+mj-ea"/>
                 <a:cs typeface="+mj-cs"/>
               </a:rPr>
               <a:t>gian</a:t>
             </a:r>
             <a:r>
-              <a:rPr lang="en-US" sz="7200" b="1" dirty="0" smtClean="0">
-                <a:latin typeface="VNI-Times-Thin" pitchFamily="2" charset="0"/>
+              <a:rPr lang="en-US" sz="7200" b="1" dirty="0">
+                <a:latin typeface="VNI-Times" pitchFamily="2" charset="0"/>
                 <a:ea typeface="+mj-ea"/>
                 <a:cs typeface="+mj-cs"/>
               </a:rPr>
               <a:t> </a:t>
             </a:r>
             <a:br>
-              <a:rPr lang="en-US" sz="7200" b="1" dirty="0" smtClean="0">
-                <a:latin typeface="VNI-Times-Thin" pitchFamily="2" charset="0"/>
+              <a:rPr lang="en-US" sz="7200" b="1" dirty="0">
+                <a:latin typeface="VNI-Times" pitchFamily="2" charset="0"/>
                 <a:ea typeface="+mj-ea"/>
                 <a:cs typeface="+mj-cs"/>
               </a:rPr>
             </a:br>
             <a:r>
-              <a:rPr lang="en-US" sz="7200" b="1" dirty="0" err="1" smtClean="0">
-                <a:latin typeface="VNI-Times-Thin" pitchFamily="2" charset="0"/>
+              <a:rPr lang="en-US" sz="7200" b="1" dirty="0" err="1">
+                <a:latin typeface="VNI-Times" pitchFamily="2" charset="0"/>
                 <a:ea typeface="+mj-ea"/>
                 <a:cs typeface="+mj-cs"/>
               </a:rPr>
               <a:t>naøy</a:t>
             </a:r>
             <a:r>
-              <a:rPr lang="en-US" sz="7200" b="1" dirty="0" smtClean="0">
-                <a:latin typeface="VNI-Times-Thin" pitchFamily="2" charset="0"/>
-                <a:ea typeface="+mj-ea"/>
-                <a:cs typeface="+mj-cs"/>
-              </a:rPr>
-              <a:t> </a:t>
-            </a:r>
-            <a:r>
-              <a:rPr lang="en-US" sz="7200" b="1" dirty="0" err="1" smtClean="0">
-                <a:latin typeface="VNI-Times-Thin" pitchFamily="2" charset="0"/>
+              <a:rPr lang="en-US" sz="7200" b="1" dirty="0">
+                <a:latin typeface="VNI-Times" pitchFamily="2" charset="0"/>
+                <a:ea typeface="+mj-ea"/>
+                <a:cs typeface="+mj-cs"/>
+              </a:rPr>
+              <a:t> </a:t>
+            </a:r>
+            <a:r>
+              <a:rPr lang="en-US" sz="7200" b="1" dirty="0" err="1">
+                <a:latin typeface="VNI-Times" pitchFamily="2" charset="0"/>
                 <a:ea typeface="+mj-ea"/>
                 <a:cs typeface="+mj-cs"/>
               </a:rPr>
               <a:t>cöùu</a:t>
             </a:r>
             <a:r>
-              <a:rPr lang="en-US" sz="7200" b="1" dirty="0" smtClean="0">
-                <a:latin typeface="VNI-Times-Thin" pitchFamily="2" charset="0"/>
-                <a:ea typeface="+mj-ea"/>
-                <a:cs typeface="+mj-cs"/>
-              </a:rPr>
-              <a:t> </a:t>
-            </a:r>
-            <a:r>
-              <a:rPr lang="en-US" sz="7200" b="1" dirty="0" err="1" smtClean="0">
-                <a:latin typeface="VNI-Times-Thin" pitchFamily="2" charset="0"/>
+              <a:rPr lang="en-US" sz="7200" b="1" dirty="0">
+                <a:latin typeface="VNI-Times" pitchFamily="2" charset="0"/>
+                <a:ea typeface="+mj-ea"/>
+                <a:cs typeface="+mj-cs"/>
+              </a:rPr>
+              <a:t> </a:t>
+            </a:r>
+            <a:r>
+              <a:rPr lang="en-US" sz="7200" b="1" dirty="0" err="1">
+                <a:latin typeface="VNI-Times" pitchFamily="2" charset="0"/>
                 <a:ea typeface="+mj-ea"/>
                 <a:cs typeface="+mj-cs"/>
               </a:rPr>
               <a:t>nhaân</a:t>
             </a:r>
             <a:r>
-              <a:rPr lang="en-US" sz="7200" b="1" dirty="0" smtClean="0">
-                <a:latin typeface="VNI-Times-Thin" pitchFamily="2" charset="0"/>
-                <a:ea typeface="+mj-ea"/>
-                <a:cs typeface="+mj-cs"/>
-              </a:rPr>
-              <a:t> </a:t>
-            </a:r>
-            <a:r>
-              <a:rPr lang="en-US" sz="7200" b="1" dirty="0" err="1" smtClean="0">
-                <a:latin typeface="VNI-Times-Thin" pitchFamily="2" charset="0"/>
+              <a:rPr lang="en-US" sz="7200" b="1" dirty="0">
+                <a:latin typeface="VNI-Times" pitchFamily="2" charset="0"/>
+                <a:ea typeface="+mj-ea"/>
+                <a:cs typeface="+mj-cs"/>
+              </a:rPr>
+              <a:t> </a:t>
+            </a:r>
+            <a:r>
+              <a:rPr lang="en-US" sz="7200" b="1" dirty="0" err="1">
+                <a:latin typeface="VNI-Times" pitchFamily="2" charset="0"/>
                 <a:ea typeface="+mj-ea"/>
                 <a:cs typeface="+mj-cs"/>
               </a:rPr>
               <a:t>loaïi</a:t>
             </a:r>
             <a:r>
-              <a:rPr lang="en-US" sz="7200" b="1" dirty="0" smtClean="0">
-                <a:latin typeface="VNI-Times-Thin" pitchFamily="2" charset="0"/>
+              <a:rPr lang="en-US" sz="7200" b="1" dirty="0">
+                <a:latin typeface="VNI-Times" pitchFamily="2" charset="0"/>
                 <a:ea typeface="+mj-ea"/>
                 <a:cs typeface="+mj-cs"/>
               </a:rPr>
               <a:t> </a:t>
             </a:r>
             <a:br>
-              <a:rPr lang="en-US" sz="7200" b="1" dirty="0" smtClean="0">
-                <a:latin typeface="VNI-Times-Thin" pitchFamily="2" charset="0"/>
+              <a:rPr lang="en-US" sz="7200" b="1" dirty="0">
+                <a:latin typeface="VNI-Times" pitchFamily="2" charset="0"/>
                 <a:ea typeface="+mj-ea"/>
                 <a:cs typeface="+mj-cs"/>
               </a:rPr>
             </a:br>
             <a:r>
-              <a:rPr lang="en-US" sz="7200" b="1" err="1" smtClean="0">
-                <a:latin typeface="VNI-Times-Thin" pitchFamily="2" charset="0"/>
+              <a:rPr lang="en-US" sz="7200" b="1" dirty="0" err="1">
+                <a:latin typeface="VNI-Times" pitchFamily="2" charset="0"/>
                 <a:ea typeface="+mj-ea"/>
                 <a:cs typeface="+mj-cs"/>
               </a:rPr>
               <a:t>thoaùt</a:t>
             </a:r>
             <a:r>
-              <a:rPr lang="en-US" sz="7200" b="1" smtClean="0">
-                <a:latin typeface="VNI-Times-Thin" pitchFamily="2" charset="0"/>
-                <a:ea typeface="+mj-ea"/>
-                <a:cs typeface="+mj-cs"/>
-              </a:rPr>
-              <a:t> </a:t>
-            </a:r>
-            <a:r>
-              <a:rPr lang="en-US" sz="7200" b="1" smtClean="0">
-                <a:latin typeface="VNI-Times-Thin" pitchFamily="2" charset="0"/>
-                <a:ea typeface="+mj-ea"/>
-                <a:cs typeface="+mj-cs"/>
-              </a:rPr>
-              <a:t>beán </a:t>
-            </a:r>
-            <a:r>
-              <a:rPr lang="en-US" sz="7200" b="1" dirty="0" err="1" smtClean="0">
-                <a:latin typeface="VNI-Times-Thin" pitchFamily="2" charset="0"/>
+              <a:rPr lang="en-US" sz="7200" b="1" dirty="0">
+                <a:latin typeface="VNI-Times" pitchFamily="2" charset="0"/>
+                <a:ea typeface="+mj-ea"/>
+                <a:cs typeface="+mj-cs"/>
+              </a:rPr>
+              <a:t> </a:t>
+            </a:r>
+            <a:r>
+              <a:rPr lang="en-US" sz="7200" b="1" dirty="0" err="1">
+                <a:latin typeface="VNI-Times" pitchFamily="2" charset="0"/>
+                <a:ea typeface="+mj-ea"/>
+                <a:cs typeface="+mj-cs"/>
+              </a:rPr>
+              <a:t>beán</a:t>
+            </a:r>
+            <a:r>
+              <a:rPr lang="en-US" sz="7200" b="1" dirty="0">
+                <a:latin typeface="VNI-Times" pitchFamily="2" charset="0"/>
+                <a:ea typeface="+mj-ea"/>
+                <a:cs typeface="+mj-cs"/>
+              </a:rPr>
+              <a:t> </a:t>
+            </a:r>
+            <a:r>
+              <a:rPr lang="en-US" sz="7200" b="1" dirty="0" err="1">
+                <a:latin typeface="VNI-Times" pitchFamily="2" charset="0"/>
                 <a:ea typeface="+mj-ea"/>
                 <a:cs typeface="+mj-cs"/>
               </a:rPr>
               <a:t>meâ</a:t>
             </a:r>
             <a:r>
-              <a:rPr lang="en-US" sz="7200" b="1" dirty="0" smtClean="0">
-                <a:latin typeface="VNI-Times-Thin" pitchFamily="2" charset="0"/>
-                <a:ea typeface="+mj-ea"/>
-                <a:cs typeface="+mj-cs"/>
-              </a:rPr>
-              <a:t> </a:t>
-            </a:r>
-            <a:r>
-              <a:rPr lang="en-US" sz="7200" b="1" dirty="0" err="1" smtClean="0">
-                <a:latin typeface="VNI-Times-Thin" pitchFamily="2" charset="0"/>
+              <a:rPr lang="en-US" sz="7200" b="1" dirty="0">
+                <a:latin typeface="VNI-Times" pitchFamily="2" charset="0"/>
+                <a:ea typeface="+mj-ea"/>
+                <a:cs typeface="+mj-cs"/>
+              </a:rPr>
+              <a:t> </a:t>
+            </a:r>
+            <a:r>
+              <a:rPr lang="en-US" sz="7200" b="1" dirty="0" err="1">
+                <a:latin typeface="VNI-Times" pitchFamily="2" charset="0"/>
                 <a:ea typeface="+mj-ea"/>
                 <a:cs typeface="+mj-cs"/>
               </a:rPr>
               <a:t>oâ</a:t>
             </a:r>
             <a:r>
-              <a:rPr lang="en-US" sz="7200" b="1" dirty="0" smtClean="0">
-                <a:latin typeface="VNI-Times-Thin" pitchFamily="2" charset="0"/>
-                <a:ea typeface="+mj-ea"/>
-                <a:cs typeface="+mj-cs"/>
-              </a:rPr>
-              <a:t> </a:t>
-            </a:r>
-            <a:r>
-              <a:rPr lang="en-US" sz="7200" b="1" dirty="0" err="1" smtClean="0">
-                <a:latin typeface="VNI-Times-Thin" pitchFamily="2" charset="0"/>
+              <a:rPr lang="en-US" sz="7200" b="1" dirty="0">
+                <a:latin typeface="VNI-Times" pitchFamily="2" charset="0"/>
+                <a:ea typeface="+mj-ea"/>
+                <a:cs typeface="+mj-cs"/>
+              </a:rPr>
+              <a:t> </a:t>
+            </a:r>
+            <a:r>
+              <a:rPr lang="en-US" sz="7200" b="1" dirty="0" err="1">
+                <a:latin typeface="VNI-Times" pitchFamily="2" charset="0"/>
                 <a:ea typeface="+mj-ea"/>
                 <a:cs typeface="+mj-cs"/>
               </a:rPr>
               <a:t>traàn</a:t>
             </a:r>
             <a:r>
-              <a:rPr lang="en-US" sz="7200" b="1" dirty="0" smtClean="0">
-                <a:latin typeface="VNI-Times-Thin" pitchFamily="2" charset="0"/>
+              <a:rPr lang="en-US" sz="7200" b="1" dirty="0">
+                <a:latin typeface="VNI-Times" pitchFamily="2" charset="0"/>
                 <a:ea typeface="+mj-ea"/>
                 <a:cs typeface="+mj-cs"/>
               </a:rPr>
               <a:t>. </a:t>
             </a:r>
-            <a:endParaRPr kumimoji="0" lang="en-US" sz="7200" b="1" i="0" u="none" strike="noStrike" kern="1200" normalizeH="0" baseline="0" noProof="0" dirty="0" smtClean="0">
+            <a:endParaRPr kumimoji="0" lang="en-US" sz="7200" b="1" u="none" strike="noStrike" kern="1200" normalizeH="0" baseline="0" noProof="0" dirty="0">
               <a:uLnTx/>
               <a:uFillTx/>
-              <a:latin typeface="VNI-Times-Thin" pitchFamily="2" charset="0"/>
+              <a:latin typeface="VNI-Times" pitchFamily="2" charset="0"/>
               <a:ea typeface="+mj-ea"/>
               <a:cs typeface="+mj-cs"/>
             </a:endParaRPr>
@@ -6770,7 +6582,7 @@
           <a:p>
             <a:pPr algn="ctr"/>
             <a:r>
-              <a:rPr lang="en-US" sz="3200" smtClean="0">
+              <a:rPr lang="en-US" sz="3200" b="1" dirty="0">
                 <a:ln w="18415" cmpd="sng">
                   <a:solidFill>
                     <a:srgbClr val="FFFFFF"/>
@@ -6790,57 +6602,10 @@
                     </a:srgbClr>
                   </a:outerShdw>
                 </a:effectLst>
-                <a:latin typeface="VNI-Cooper" pitchFamily="2" charset="0"/>
-              </a:rPr>
-              <a:t>MOÙN </a:t>
-            </a:r>
-            <a:r>
-              <a:rPr lang="en-US" sz="3200" dirty="0" smtClean="0">
-                <a:ln w="18415" cmpd="sng">
-                  <a:solidFill>
-                    <a:srgbClr val="FFFFFF"/>
-                  </a:solidFill>
-                  <a:prstDash val="solid"/>
-                </a:ln>
-                <a:solidFill>
-                  <a:srgbClr val="C00000"/>
-                </a:solidFill>
-                <a:effectLst>
-                  <a:glow rad="139700">
-                    <a:srgbClr val="FFFFFF"/>
-                  </a:glow>
-                  <a:outerShdw blurRad="63500" dir="3600000" algn="tl" rotWithShape="0">
-                    <a:srgbClr val="000000">
-                      <a:alpha val="70000"/>
-                    </a:srgbClr>
-                  </a:outerShdw>
-                </a:effectLst>
-                <a:latin typeface="VNI-Cooper" pitchFamily="2" charset="0"/>
-              </a:rPr>
-              <a:t>QUAØ VOÂ GIAÙ</a:t>
-            </a:r>
-            <a:endParaRPr lang="en-US" sz="3200" dirty="0">
-              <a:ln w="18415" cmpd="sng">
-                <a:solidFill>
-                  <a:srgbClr val="FFFFFF"/>
-                </a:solidFill>
-                <a:prstDash val="solid"/>
-              </a:ln>
-              <a:solidFill>
-                <a:srgbClr val="C00000"/>
-              </a:solidFill>
-              <a:effectLst>
-                <a:glow rad="139700">
-                  <a:srgbClr val="FFFFFF"/>
-                </a:glow>
-                <a:outerShdw blurRad="63500" dir="3600000" algn="tl" rotWithShape="0">
-                  <a:srgbClr val="000000">
-                    <a:alpha val="70000"/>
-                  </a:srgbClr>
-                </a:outerShdw>
-              </a:effectLst>
-              <a:latin typeface="VNI-Cooper" pitchFamily="2" charset="0"/>
-            </a:endParaRPr>
+                <a:latin typeface="VNI-Times" pitchFamily="2" charset="0"/>
+              </a:rPr>
+              <a:t>MOÙN QUAØ VOÂ GIAÙ</a:t>
+            </a:r>
           </a:p>
         </p:txBody>
       </p:sp>
@@ -6854,13 +6619,6 @@
   <p:clrMapOvr>
     <a:masterClrMapping/>
   </p:clrMapOvr>
-  <p:timing>
-    <p:tnLst>
-      <p:par>
-        <p:cTn id="1" dur="indefinite" restart="never" nodeType="tmRoot"/>
-      </p:par>
-    </p:tnLst>
-  </p:timing>
 </p:sld>
 </file>
 
@@ -6910,247 +6668,247 @@
               </a:spcBef>
             </a:pPr>
             <a:r>
-              <a:rPr lang="en-US" sz="4800" b="1" dirty="0" smtClean="0">
-                <a:latin typeface="VNI-Times-Thin" pitchFamily="2" charset="0"/>
+              <a:rPr lang="en-US" sz="4800" b="1" dirty="0">
+                <a:latin typeface="VNI-Times" pitchFamily="2" charset="0"/>
                 <a:ea typeface="+mj-ea"/>
                 <a:cs typeface="+mj-cs"/>
               </a:rPr>
               <a:t>4.</a:t>
             </a:r>
             <a:r>
-              <a:rPr lang="en-US" sz="7200" b="1" dirty="0" smtClean="0">
-                <a:latin typeface="VNI-Times-Thin" pitchFamily="2" charset="0"/>
-                <a:ea typeface="+mj-ea"/>
-                <a:cs typeface="+mj-cs"/>
-              </a:rPr>
-              <a:t> </a:t>
-            </a:r>
-            <a:r>
-              <a:rPr lang="en-US" sz="7200" b="1" dirty="0" err="1" smtClean="0">
-                <a:latin typeface="VNI-Times-Thin" pitchFamily="2" charset="0"/>
+              <a:rPr lang="en-US" sz="7200" b="1" dirty="0">
+                <a:latin typeface="VNI-Times" pitchFamily="2" charset="0"/>
+                <a:ea typeface="+mj-ea"/>
+                <a:cs typeface="+mj-cs"/>
+              </a:rPr>
+              <a:t> </a:t>
+            </a:r>
+            <a:r>
+              <a:rPr lang="en-US" sz="7200" b="1" dirty="0" err="1">
+                <a:latin typeface="VNI-Times" pitchFamily="2" charset="0"/>
                 <a:ea typeface="+mj-ea"/>
                 <a:cs typeface="+mj-cs"/>
               </a:rPr>
               <a:t>Môøi</a:t>
             </a:r>
             <a:r>
-              <a:rPr lang="en-US" sz="7200" b="1" dirty="0" smtClean="0">
-                <a:latin typeface="VNI-Times-Thin" pitchFamily="2" charset="0"/>
-                <a:ea typeface="+mj-ea"/>
-                <a:cs typeface="+mj-cs"/>
-              </a:rPr>
-              <a:t> </a:t>
-            </a:r>
-            <a:r>
-              <a:rPr lang="en-US" sz="7200" b="1" dirty="0" err="1" smtClean="0">
-                <a:latin typeface="VNI-Times-Thin" pitchFamily="2" charset="0"/>
+              <a:rPr lang="en-US" sz="7200" b="1" dirty="0">
+                <a:latin typeface="VNI-Times" pitchFamily="2" charset="0"/>
+                <a:ea typeface="+mj-ea"/>
+                <a:cs typeface="+mj-cs"/>
+              </a:rPr>
+              <a:t> </a:t>
+            </a:r>
+            <a:r>
+              <a:rPr lang="en-US" sz="7200" b="1" dirty="0" err="1">
+                <a:latin typeface="VNI-Times" pitchFamily="2" charset="0"/>
                 <a:ea typeface="+mj-ea"/>
                 <a:cs typeface="+mj-cs"/>
               </a:rPr>
               <a:t>nhöõng</a:t>
             </a:r>
             <a:r>
-              <a:rPr lang="en-US" sz="7200" b="1" dirty="0" smtClean="0">
-                <a:latin typeface="VNI-Times-Thin" pitchFamily="2" charset="0"/>
-                <a:ea typeface="+mj-ea"/>
-                <a:cs typeface="+mj-cs"/>
-              </a:rPr>
-              <a:t> </a:t>
-            </a:r>
-            <a:r>
-              <a:rPr lang="en-US" sz="7200" b="1" dirty="0" err="1" smtClean="0">
-                <a:latin typeface="VNI-Times-Thin" pitchFamily="2" charset="0"/>
+              <a:rPr lang="en-US" sz="7200" b="1" dirty="0">
+                <a:latin typeface="VNI-Times" pitchFamily="2" charset="0"/>
+                <a:ea typeface="+mj-ea"/>
+                <a:cs typeface="+mj-cs"/>
+              </a:rPr>
+              <a:t> </a:t>
+            </a:r>
+            <a:r>
+              <a:rPr lang="en-US" sz="7200" b="1" dirty="0" err="1">
+                <a:latin typeface="VNI-Times" pitchFamily="2" charset="0"/>
                 <a:ea typeface="+mj-ea"/>
                 <a:cs typeface="+mj-cs"/>
               </a:rPr>
               <a:t>ai</a:t>
             </a:r>
             <a:r>
-              <a:rPr lang="en-US" sz="7200" b="1" dirty="0" smtClean="0">
-                <a:latin typeface="VNI-Times-Thin" pitchFamily="2" charset="0"/>
-                <a:ea typeface="+mj-ea"/>
-                <a:cs typeface="+mj-cs"/>
-              </a:rPr>
-              <a:t> </a:t>
-            </a:r>
-            <a:r>
-              <a:rPr lang="en-US" sz="7200" b="1" dirty="0" err="1" smtClean="0">
-                <a:latin typeface="VNI-Times-Thin" pitchFamily="2" charset="0"/>
+              <a:rPr lang="en-US" sz="7200" b="1" dirty="0">
+                <a:latin typeface="VNI-Times" pitchFamily="2" charset="0"/>
+                <a:ea typeface="+mj-ea"/>
+                <a:cs typeface="+mj-cs"/>
+              </a:rPr>
+              <a:t> </a:t>
+            </a:r>
+            <a:r>
+              <a:rPr lang="en-US" sz="7200" b="1" dirty="0" err="1">
+                <a:latin typeface="VNI-Times" pitchFamily="2" charset="0"/>
                 <a:ea typeface="+mj-ea"/>
                 <a:cs typeface="+mj-cs"/>
               </a:rPr>
               <a:t>ñang</a:t>
             </a:r>
             <a:r>
-              <a:rPr lang="en-US" sz="7200" b="1" dirty="0" smtClean="0">
-                <a:latin typeface="VNI-Times-Thin" pitchFamily="2" charset="0"/>
+              <a:rPr lang="en-US" sz="7200" b="1" dirty="0">
+                <a:latin typeface="VNI-Times" pitchFamily="2" charset="0"/>
                 <a:ea typeface="+mj-ea"/>
                 <a:cs typeface="+mj-cs"/>
               </a:rPr>
               <a:t> </a:t>
             </a:r>
             <a:br>
-              <a:rPr lang="en-US" sz="7200" b="1" dirty="0" smtClean="0">
-                <a:latin typeface="VNI-Times-Thin" pitchFamily="2" charset="0"/>
+              <a:rPr lang="en-US" sz="7200" b="1" dirty="0">
+                <a:latin typeface="VNI-Times" pitchFamily="2" charset="0"/>
                 <a:ea typeface="+mj-ea"/>
                 <a:cs typeface="+mj-cs"/>
               </a:rPr>
             </a:br>
             <a:r>
-              <a:rPr lang="en-US" sz="7200" b="1" dirty="0" err="1" smtClean="0">
-                <a:latin typeface="VNI-Times-Thin" pitchFamily="2" charset="0"/>
+              <a:rPr lang="en-US" sz="7200" b="1" dirty="0" err="1">
+                <a:latin typeface="VNI-Times" pitchFamily="2" charset="0"/>
                 <a:ea typeface="+mj-ea"/>
                 <a:cs typeface="+mj-cs"/>
               </a:rPr>
               <a:t>coøn</a:t>
             </a:r>
             <a:r>
-              <a:rPr lang="en-US" sz="7200" b="1" dirty="0" smtClean="0">
-                <a:latin typeface="VNI-Times-Thin" pitchFamily="2" charset="0"/>
-                <a:ea typeface="+mj-ea"/>
-                <a:cs typeface="+mj-cs"/>
-              </a:rPr>
-              <a:t> </a:t>
-            </a:r>
-            <a:r>
-              <a:rPr lang="en-US" sz="7200" b="1" dirty="0" err="1" smtClean="0">
-                <a:latin typeface="VNI-Times-Thin" pitchFamily="2" charset="0"/>
+              <a:rPr lang="en-US" sz="7200" b="1" dirty="0">
+                <a:latin typeface="VNI-Times" pitchFamily="2" charset="0"/>
+                <a:ea typeface="+mj-ea"/>
+                <a:cs typeface="+mj-cs"/>
+              </a:rPr>
+              <a:t> </a:t>
+            </a:r>
+            <a:r>
+              <a:rPr lang="en-US" sz="7200" b="1" dirty="0" err="1">
+                <a:latin typeface="VNI-Times" pitchFamily="2" charset="0"/>
                 <a:ea typeface="+mj-ea"/>
                 <a:cs typeface="+mj-cs"/>
               </a:rPr>
               <a:t>soáng</a:t>
             </a:r>
             <a:r>
-              <a:rPr lang="en-US" sz="7200" b="1" dirty="0" smtClean="0">
-                <a:latin typeface="VNI-Times-Thin" pitchFamily="2" charset="0"/>
-                <a:ea typeface="+mj-ea"/>
-                <a:cs typeface="+mj-cs"/>
-              </a:rPr>
-              <a:t> </a:t>
-            </a:r>
-            <a:r>
-              <a:rPr lang="en-US" sz="7200" b="1" dirty="0" err="1" smtClean="0">
-                <a:latin typeface="VNI-Times-Thin" pitchFamily="2" charset="0"/>
+              <a:rPr lang="en-US" sz="7200" b="1" dirty="0">
+                <a:latin typeface="VNI-Times" pitchFamily="2" charset="0"/>
+                <a:ea typeface="+mj-ea"/>
+                <a:cs typeface="+mj-cs"/>
+              </a:rPr>
+              <a:t> </a:t>
+            </a:r>
+            <a:r>
+              <a:rPr lang="en-US" sz="7200" b="1" dirty="0" err="1">
+                <a:latin typeface="VNI-Times" pitchFamily="2" charset="0"/>
                 <a:ea typeface="+mj-ea"/>
                 <a:cs typeface="+mj-cs"/>
               </a:rPr>
               <a:t>trong</a:t>
             </a:r>
             <a:r>
-              <a:rPr lang="en-US" sz="7200" b="1" dirty="0" smtClean="0">
-                <a:latin typeface="VNI-Times-Thin" pitchFamily="2" charset="0"/>
-                <a:ea typeface="+mj-ea"/>
-                <a:cs typeface="+mj-cs"/>
-              </a:rPr>
-              <a:t> </a:t>
-            </a:r>
-            <a:r>
-              <a:rPr lang="en-US" sz="7200" b="1" dirty="0" err="1" smtClean="0">
-                <a:latin typeface="VNI-Times-Thin" pitchFamily="2" charset="0"/>
+              <a:rPr lang="en-US" sz="7200" b="1" dirty="0">
+                <a:latin typeface="VNI-Times" pitchFamily="2" charset="0"/>
+                <a:ea typeface="+mj-ea"/>
+                <a:cs typeface="+mj-cs"/>
+              </a:rPr>
+              <a:t> </a:t>
+            </a:r>
+            <a:r>
+              <a:rPr lang="en-US" sz="7200" b="1" dirty="0" err="1">
+                <a:latin typeface="VNI-Times" pitchFamily="2" charset="0"/>
                 <a:ea typeface="+mj-ea"/>
                 <a:cs typeface="+mj-cs"/>
               </a:rPr>
               <a:t>noãi</a:t>
             </a:r>
             <a:r>
-              <a:rPr lang="en-US" sz="7200" b="1" dirty="0" smtClean="0">
-                <a:latin typeface="VNI-Times-Thin" pitchFamily="2" charset="0"/>
-                <a:ea typeface="+mj-ea"/>
-                <a:cs typeface="+mj-cs"/>
-              </a:rPr>
-              <a:t> </a:t>
-            </a:r>
-            <a:r>
-              <a:rPr lang="en-US" sz="7200" b="1" dirty="0" err="1" smtClean="0">
-                <a:latin typeface="VNI-Times-Thin" pitchFamily="2" charset="0"/>
+              <a:rPr lang="en-US" sz="7200" b="1" dirty="0">
+                <a:latin typeface="VNI-Times" pitchFamily="2" charset="0"/>
+                <a:ea typeface="+mj-ea"/>
+                <a:cs typeface="+mj-cs"/>
+              </a:rPr>
+              <a:t> </a:t>
+            </a:r>
+            <a:r>
+              <a:rPr lang="en-US" sz="7200" b="1" dirty="0" err="1">
+                <a:latin typeface="VNI-Times" pitchFamily="2" charset="0"/>
                 <a:ea typeface="+mj-ea"/>
                 <a:cs typeface="+mj-cs"/>
               </a:rPr>
               <a:t>nieàm</a:t>
             </a:r>
             <a:r>
-              <a:rPr lang="en-US" sz="7200" b="1" dirty="0" smtClean="0">
-                <a:latin typeface="VNI-Times-Thin" pitchFamily="2" charset="0"/>
+              <a:rPr lang="en-US" sz="7200" b="1" dirty="0">
+                <a:latin typeface="VNI-Times" pitchFamily="2" charset="0"/>
                 <a:ea typeface="+mj-ea"/>
                 <a:cs typeface="+mj-cs"/>
               </a:rPr>
               <a:t> </a:t>
             </a:r>
             <a:br>
-              <a:rPr lang="en-US" sz="7200" b="1" dirty="0" smtClean="0">
-                <a:latin typeface="VNI-Times-Thin" pitchFamily="2" charset="0"/>
+              <a:rPr lang="en-US" sz="7200" b="1" dirty="0">
+                <a:latin typeface="VNI-Times" pitchFamily="2" charset="0"/>
                 <a:ea typeface="+mj-ea"/>
                 <a:cs typeface="+mj-cs"/>
               </a:rPr>
             </a:br>
             <a:r>
-              <a:rPr lang="en-US" sz="7200" b="1" dirty="0" err="1" smtClean="0">
-                <a:latin typeface="VNI-Times-Thin" pitchFamily="2" charset="0"/>
+              <a:rPr lang="en-US" sz="7200" b="1" dirty="0" err="1">
+                <a:latin typeface="VNI-Times" pitchFamily="2" charset="0"/>
                 <a:ea typeface="+mj-ea"/>
                 <a:cs typeface="+mj-cs"/>
               </a:rPr>
               <a:t>coâ</a:t>
             </a:r>
             <a:r>
-              <a:rPr lang="en-US" sz="7200" b="1" dirty="0" smtClean="0">
-                <a:latin typeface="VNI-Times-Thin" pitchFamily="2" charset="0"/>
-                <a:ea typeface="+mj-ea"/>
-                <a:cs typeface="+mj-cs"/>
-              </a:rPr>
-              <a:t> </a:t>
-            </a:r>
-            <a:r>
-              <a:rPr lang="en-US" sz="7200" b="1" dirty="0" err="1" smtClean="0">
-                <a:latin typeface="VNI-Times-Thin" pitchFamily="2" charset="0"/>
+              <a:rPr lang="en-US" sz="7200" b="1" dirty="0">
+                <a:latin typeface="VNI-Times" pitchFamily="2" charset="0"/>
+                <a:ea typeface="+mj-ea"/>
+                <a:cs typeface="+mj-cs"/>
+              </a:rPr>
+              <a:t> </a:t>
+            </a:r>
+            <a:r>
+              <a:rPr lang="en-US" sz="7200" b="1" dirty="0" err="1">
+                <a:latin typeface="VNI-Times" pitchFamily="2" charset="0"/>
                 <a:ea typeface="+mj-ea"/>
                 <a:cs typeface="+mj-cs"/>
               </a:rPr>
               <a:t>ñôn</a:t>
             </a:r>
             <a:r>
-              <a:rPr lang="en-US" sz="7200" b="1" dirty="0" smtClean="0">
-                <a:latin typeface="VNI-Times-Thin" pitchFamily="2" charset="0"/>
-                <a:ea typeface="+mj-ea"/>
-                <a:cs typeface="+mj-cs"/>
-              </a:rPr>
-              <a:t> </a:t>
-            </a:r>
-            <a:r>
-              <a:rPr lang="en-US" sz="7200" b="1" dirty="0" err="1" smtClean="0">
-                <a:latin typeface="VNI-Times-Thin" pitchFamily="2" charset="0"/>
+              <a:rPr lang="en-US" sz="7200" b="1" dirty="0">
+                <a:latin typeface="VNI-Times" pitchFamily="2" charset="0"/>
+                <a:ea typeface="+mj-ea"/>
+                <a:cs typeface="+mj-cs"/>
+              </a:rPr>
+              <a:t> </a:t>
+            </a:r>
+            <a:r>
+              <a:rPr lang="en-US" sz="7200" b="1" dirty="0" err="1">
+                <a:latin typeface="VNI-Times" pitchFamily="2" charset="0"/>
                 <a:ea typeface="+mj-ea"/>
                 <a:cs typeface="+mj-cs"/>
               </a:rPr>
               <a:t>buoàn</a:t>
             </a:r>
             <a:r>
-              <a:rPr lang="en-US" sz="7200" b="1" dirty="0" smtClean="0">
-                <a:latin typeface="VNI-Times-Thin" pitchFamily="2" charset="0"/>
-                <a:ea typeface="+mj-ea"/>
-                <a:cs typeface="+mj-cs"/>
-              </a:rPr>
-              <a:t> </a:t>
-            </a:r>
-            <a:r>
-              <a:rPr lang="en-US" sz="7200" b="1" dirty="0" err="1" smtClean="0">
-                <a:latin typeface="VNI-Times-Thin" pitchFamily="2" charset="0"/>
+              <a:rPr lang="en-US" sz="7200" b="1" dirty="0">
+                <a:latin typeface="VNI-Times" pitchFamily="2" charset="0"/>
+                <a:ea typeface="+mj-ea"/>
+                <a:cs typeface="+mj-cs"/>
+              </a:rPr>
+              <a:t> </a:t>
+            </a:r>
+            <a:r>
+              <a:rPr lang="en-US" sz="7200" b="1" dirty="0" err="1">
+                <a:latin typeface="VNI-Times" pitchFamily="2" charset="0"/>
                 <a:ea typeface="+mj-ea"/>
                 <a:cs typeface="+mj-cs"/>
               </a:rPr>
               <a:t>ñau</a:t>
             </a:r>
             <a:r>
-              <a:rPr lang="en-US" sz="7200" b="1" dirty="0" smtClean="0">
-                <a:latin typeface="VNI-Times-Thin" pitchFamily="2" charset="0"/>
+              <a:rPr lang="en-US" sz="7200" b="1" dirty="0">
+                <a:latin typeface="VNI-Times" pitchFamily="2" charset="0"/>
                 <a:ea typeface="+mj-ea"/>
                 <a:cs typeface="+mj-cs"/>
               </a:rPr>
               <a:t>.</a:t>
             </a:r>
-            <a:endParaRPr kumimoji="0" lang="en-US" sz="7200" b="1" i="0" u="none" strike="noStrike" kern="1200" normalizeH="0" baseline="0" noProof="0" dirty="0" smtClean="0">
+            <a:endParaRPr kumimoji="0" lang="en-US" sz="7200" b="1" u="none" strike="noStrike" kern="1200" normalizeH="0" baseline="0" noProof="0" dirty="0">
               <a:uLnTx/>
               <a:uFillTx/>
-              <a:latin typeface="VNI-Times-Thin" pitchFamily="2" charset="0"/>
+              <a:latin typeface="VNI-Times" pitchFamily="2" charset="0"/>
               <a:ea typeface="+mj-ea"/>
               <a:cs typeface="+mj-cs"/>
             </a:endParaRPr>
@@ -7181,7 +6939,7 @@
           <a:p>
             <a:pPr algn="ctr"/>
             <a:r>
-              <a:rPr lang="en-US" sz="3200" smtClean="0">
+              <a:rPr lang="en-US" sz="3200" b="1" dirty="0">
                 <a:ln w="18415" cmpd="sng">
                   <a:solidFill>
                     <a:srgbClr val="FFFFFF"/>
@@ -7201,57 +6959,10 @@
                     </a:srgbClr>
                   </a:outerShdw>
                 </a:effectLst>
-                <a:latin typeface="VNI-Cooper" pitchFamily="2" charset="0"/>
-              </a:rPr>
-              <a:t>MOÙN </a:t>
-            </a:r>
-            <a:r>
-              <a:rPr lang="en-US" sz="3200" dirty="0" smtClean="0">
-                <a:ln w="18415" cmpd="sng">
-                  <a:solidFill>
-                    <a:srgbClr val="FFFFFF"/>
-                  </a:solidFill>
-                  <a:prstDash val="solid"/>
-                </a:ln>
-                <a:solidFill>
-                  <a:srgbClr val="C00000"/>
-                </a:solidFill>
-                <a:effectLst>
-                  <a:glow rad="139700">
-                    <a:srgbClr val="FFFFFF"/>
-                  </a:glow>
-                  <a:outerShdw blurRad="63500" dir="3600000" algn="tl" rotWithShape="0">
-                    <a:srgbClr val="000000">
-                      <a:alpha val="70000"/>
-                    </a:srgbClr>
-                  </a:outerShdw>
-                </a:effectLst>
-                <a:latin typeface="VNI-Cooper" pitchFamily="2" charset="0"/>
-              </a:rPr>
-              <a:t>QUAØ VOÂ GIAÙ</a:t>
-            </a:r>
-            <a:endParaRPr lang="en-US" sz="3200" dirty="0">
-              <a:ln w="18415" cmpd="sng">
-                <a:solidFill>
-                  <a:srgbClr val="FFFFFF"/>
-                </a:solidFill>
-                <a:prstDash val="solid"/>
-              </a:ln>
-              <a:solidFill>
-                <a:srgbClr val="C00000"/>
-              </a:solidFill>
-              <a:effectLst>
-                <a:glow rad="139700">
-                  <a:srgbClr val="FFFFFF"/>
-                </a:glow>
-                <a:outerShdw blurRad="63500" dir="3600000" algn="tl" rotWithShape="0">
-                  <a:srgbClr val="000000">
-                    <a:alpha val="70000"/>
-                  </a:srgbClr>
-                </a:outerShdw>
-              </a:effectLst>
-              <a:latin typeface="VNI-Cooper" pitchFamily="2" charset="0"/>
-            </a:endParaRPr>
+                <a:latin typeface="VNI-Times" pitchFamily="2" charset="0"/>
+              </a:rPr>
+              <a:t>MOÙN QUAØ VOÂ GIAÙ</a:t>
+            </a:r>
           </a:p>
         </p:txBody>
       </p:sp>
@@ -7260,13 +6971,6 @@
   <p:clrMapOvr>
     <a:masterClrMapping/>
   </p:clrMapOvr>
-  <p:timing>
-    <p:tnLst>
-      <p:par>
-        <p:cTn id="1" dur="indefinite" restart="never" nodeType="tmRoot"/>
-      </p:par>
-    </p:tnLst>
-  </p:timing>
 </p:sld>
 </file>
 
@@ -7316,216 +7020,224 @@
               </a:spcBef>
             </a:pPr>
             <a:r>
-              <a:rPr lang="en-US" sz="7200" b="1" dirty="0" err="1" smtClean="0">
-                <a:latin typeface="VNI-Times-Thin" pitchFamily="2" charset="0"/>
+              <a:rPr lang="en-US" sz="7200" b="1" dirty="0" err="1">
+                <a:latin typeface="VNI-Times" pitchFamily="2" charset="0"/>
                 <a:ea typeface="+mj-ea"/>
                 <a:cs typeface="+mj-cs"/>
               </a:rPr>
               <a:t>Quaø</a:t>
             </a:r>
             <a:r>
-              <a:rPr lang="en-US" sz="7200" b="1" dirty="0" smtClean="0">
-                <a:latin typeface="VNI-Times-Thin" pitchFamily="2" charset="0"/>
-                <a:ea typeface="+mj-ea"/>
-                <a:cs typeface="+mj-cs"/>
-              </a:rPr>
-              <a:t> </a:t>
-            </a:r>
-            <a:r>
-              <a:rPr lang="en-US" sz="7200" b="1" dirty="0" err="1" smtClean="0">
-                <a:latin typeface="VNI-Times-Thin" pitchFamily="2" charset="0"/>
+              <a:rPr lang="en-US" sz="7200" b="1" dirty="0">
+                <a:latin typeface="VNI-Times" pitchFamily="2" charset="0"/>
+                <a:ea typeface="+mj-ea"/>
+                <a:cs typeface="+mj-cs"/>
+              </a:rPr>
+              <a:t> </a:t>
+            </a:r>
+            <a:r>
+              <a:rPr lang="en-US" sz="7200" b="1" dirty="0" err="1">
+                <a:latin typeface="VNI-Times" pitchFamily="2" charset="0"/>
                 <a:ea typeface="+mj-ea"/>
                 <a:cs typeface="+mj-cs"/>
               </a:rPr>
               <a:t>Chuùa</a:t>
             </a:r>
             <a:r>
-              <a:rPr lang="en-US" sz="7200" b="1" dirty="0" smtClean="0">
-                <a:latin typeface="VNI-Times-Thin" pitchFamily="2" charset="0"/>
-                <a:ea typeface="+mj-ea"/>
-                <a:cs typeface="+mj-cs"/>
-              </a:rPr>
-              <a:t> </a:t>
-            </a:r>
-            <a:r>
-              <a:rPr lang="en-US" sz="7200" b="1" dirty="0" err="1" smtClean="0">
-                <a:latin typeface="VNI-Times-Thin" pitchFamily="2" charset="0"/>
+              <a:rPr lang="en-US" sz="7200" b="1" dirty="0">
+                <a:latin typeface="VNI-Times" pitchFamily="2" charset="0"/>
+                <a:ea typeface="+mj-ea"/>
+                <a:cs typeface="+mj-cs"/>
+              </a:rPr>
+              <a:t> </a:t>
+            </a:r>
+            <a:r>
+              <a:rPr lang="en-US" sz="7200" b="1" dirty="0" err="1">
+                <a:latin typeface="VNI-Times" pitchFamily="2" charset="0"/>
                 <a:ea typeface="+mj-ea"/>
                 <a:cs typeface="+mj-cs"/>
               </a:rPr>
               <a:t>cho</a:t>
             </a:r>
             <a:r>
-              <a:rPr lang="en-US" sz="7200" b="1" dirty="0" smtClean="0">
-                <a:latin typeface="VNI-Times-Thin" pitchFamily="2" charset="0"/>
-                <a:ea typeface="+mj-ea"/>
-                <a:cs typeface="+mj-cs"/>
-              </a:rPr>
-              <a:t> </a:t>
-            </a:r>
-            <a:r>
-              <a:rPr lang="en-US" sz="7200" b="1" err="1" smtClean="0">
-                <a:latin typeface="VNI-Times-Thin" pitchFamily="2" charset="0"/>
+              <a:rPr lang="en-US" sz="7200" b="1" dirty="0">
+                <a:latin typeface="VNI-Times" pitchFamily="2" charset="0"/>
+                <a:ea typeface="+mj-ea"/>
+                <a:cs typeface="+mj-cs"/>
+              </a:rPr>
+              <a:t> </a:t>
+            </a:r>
+            <a:r>
+              <a:rPr lang="en-US" sz="7200" b="1" dirty="0" err="1">
+                <a:latin typeface="VNI-Times" pitchFamily="2" charset="0"/>
                 <a:ea typeface="+mj-ea"/>
                 <a:cs typeface="+mj-cs"/>
               </a:rPr>
               <a:t>trong</a:t>
             </a:r>
             <a:r>
-              <a:rPr lang="en-US" sz="7200" b="1" smtClean="0">
-                <a:latin typeface="VNI-Times-Thin" pitchFamily="2" charset="0"/>
+              <a:rPr lang="en-US" sz="7200" b="1" dirty="0">
+                <a:latin typeface="VNI-Times" pitchFamily="2" charset="0"/>
                 <a:ea typeface="+mj-ea"/>
                 <a:cs typeface="+mj-cs"/>
               </a:rPr>
               <a:t> </a:t>
             </a:r>
             <a:br>
-              <a:rPr lang="en-US" sz="7200" b="1" smtClean="0">
-                <a:latin typeface="VNI-Times-Thin" pitchFamily="2" charset="0"/>
+              <a:rPr lang="en-US" sz="7200" b="1" dirty="0">
+                <a:latin typeface="VNI-Times" pitchFamily="2" charset="0"/>
                 <a:ea typeface="+mj-ea"/>
                 <a:cs typeface="+mj-cs"/>
               </a:rPr>
             </a:br>
             <a:r>
-              <a:rPr lang="en-US" sz="7200" b="1" smtClean="0">
-                <a:latin typeface="VNI-Times-Thin" pitchFamily="2" charset="0"/>
-                <a:ea typeface="+mj-ea"/>
-                <a:cs typeface="+mj-cs"/>
-              </a:rPr>
-              <a:t>ngaøy </a:t>
-            </a:r>
-            <a:r>
-              <a:rPr lang="en-US" sz="7200" b="1" dirty="0" err="1" smtClean="0">
-                <a:latin typeface="VNI-Times-Thin" pitchFamily="2" charset="0"/>
+              <a:rPr lang="en-US" sz="7200" b="1" dirty="0" err="1">
+                <a:latin typeface="VNI-Times" pitchFamily="2" charset="0"/>
+                <a:ea typeface="+mj-ea"/>
+                <a:cs typeface="+mj-cs"/>
+              </a:rPr>
+              <a:t>ngaøy</a:t>
+            </a:r>
+            <a:r>
+              <a:rPr lang="en-US" sz="7200" b="1" dirty="0">
+                <a:latin typeface="VNI-Times" pitchFamily="2" charset="0"/>
+                <a:ea typeface="+mj-ea"/>
+                <a:cs typeface="+mj-cs"/>
+              </a:rPr>
+              <a:t> </a:t>
+            </a:r>
+            <a:r>
+              <a:rPr lang="en-US" sz="7200" b="1" dirty="0" err="1">
+                <a:latin typeface="VNI-Times" pitchFamily="2" charset="0"/>
                 <a:ea typeface="+mj-ea"/>
                 <a:cs typeface="+mj-cs"/>
               </a:rPr>
               <a:t>Giaùng</a:t>
             </a:r>
             <a:r>
-              <a:rPr lang="en-US" sz="7200" b="1" dirty="0" smtClean="0">
-                <a:latin typeface="VNI-Times-Thin" pitchFamily="2" charset="0"/>
-                <a:ea typeface="+mj-ea"/>
-                <a:cs typeface="+mj-cs"/>
-              </a:rPr>
-              <a:t> </a:t>
-            </a:r>
-            <a:r>
-              <a:rPr lang="en-US" sz="7200" b="1" dirty="0" err="1" smtClean="0">
-                <a:latin typeface="VNI-Times-Thin" pitchFamily="2" charset="0"/>
+              <a:rPr lang="en-US" sz="7200" b="1" dirty="0">
+                <a:latin typeface="VNI-Times" pitchFamily="2" charset="0"/>
+                <a:ea typeface="+mj-ea"/>
+                <a:cs typeface="+mj-cs"/>
+              </a:rPr>
+              <a:t> </a:t>
+            </a:r>
+            <a:r>
+              <a:rPr lang="en-US" sz="7200" b="1" dirty="0" err="1">
+                <a:latin typeface="VNI-Times" pitchFamily="2" charset="0"/>
                 <a:ea typeface="+mj-ea"/>
                 <a:cs typeface="+mj-cs"/>
               </a:rPr>
               <a:t>Sinh</a:t>
             </a:r>
             <a:r>
-              <a:rPr lang="en-US" sz="7200" b="1" dirty="0" smtClean="0">
-                <a:latin typeface="VNI-Times-Thin" pitchFamily="2" charset="0"/>
-                <a:ea typeface="+mj-ea"/>
-                <a:cs typeface="+mj-cs"/>
-              </a:rPr>
-              <a:t> </a:t>
-            </a:r>
-            <a:r>
-              <a:rPr lang="en-US" sz="7200" b="1" dirty="0" err="1" smtClean="0">
-                <a:latin typeface="VNI-Times-Thin" pitchFamily="2" charset="0"/>
+              <a:rPr lang="en-US" sz="7200" b="1" dirty="0">
+                <a:latin typeface="VNI-Times" pitchFamily="2" charset="0"/>
+                <a:ea typeface="+mj-ea"/>
+                <a:cs typeface="+mj-cs"/>
+              </a:rPr>
+              <a:t> </a:t>
+            </a:r>
+            <a:r>
+              <a:rPr lang="en-US" sz="7200" b="1" dirty="0" err="1">
+                <a:latin typeface="VNI-Times" pitchFamily="2" charset="0"/>
                 <a:ea typeface="+mj-ea"/>
                 <a:cs typeface="+mj-cs"/>
               </a:rPr>
               <a:t>laø</a:t>
             </a:r>
             <a:r>
-              <a:rPr lang="en-US" sz="7200" b="1" dirty="0" smtClean="0">
-                <a:latin typeface="VNI-Times-Thin" pitchFamily="2" charset="0"/>
-                <a:ea typeface="+mj-ea"/>
-                <a:cs typeface="+mj-cs"/>
-              </a:rPr>
-              <a:t> </a:t>
-            </a:r>
-            <a:r>
-              <a:rPr lang="en-US" sz="7200" b="1" dirty="0" err="1" smtClean="0">
-                <a:latin typeface="VNI-Times-Thin" pitchFamily="2" charset="0"/>
+              <a:rPr lang="en-US" sz="7200" b="1" dirty="0">
+                <a:latin typeface="VNI-Times" pitchFamily="2" charset="0"/>
+                <a:ea typeface="+mj-ea"/>
+                <a:cs typeface="+mj-cs"/>
+              </a:rPr>
+              <a:t> </a:t>
+            </a:r>
+            <a:r>
+              <a:rPr lang="en-US" sz="7200" b="1" dirty="0" err="1">
+                <a:latin typeface="VNI-Times" pitchFamily="2" charset="0"/>
                 <a:ea typeface="+mj-ea"/>
                 <a:cs typeface="+mj-cs"/>
               </a:rPr>
               <a:t>tình</a:t>
             </a:r>
             <a:r>
-              <a:rPr lang="en-US" sz="7200" b="1" dirty="0" smtClean="0">
-                <a:latin typeface="VNI-Times-Thin" pitchFamily="2" charset="0"/>
-                <a:ea typeface="+mj-ea"/>
-                <a:cs typeface="+mj-cs"/>
-              </a:rPr>
-              <a:t> </a:t>
-            </a:r>
-            <a:r>
-              <a:rPr lang="en-US" sz="7200" b="1" dirty="0" err="1" smtClean="0">
-                <a:latin typeface="VNI-Times-Thin" pitchFamily="2" charset="0"/>
+              <a:rPr lang="en-US" sz="7200" b="1" dirty="0">
+                <a:latin typeface="VNI-Times" pitchFamily="2" charset="0"/>
+                <a:ea typeface="+mj-ea"/>
+                <a:cs typeface="+mj-cs"/>
+              </a:rPr>
+              <a:t> </a:t>
+            </a:r>
+            <a:r>
+              <a:rPr lang="en-US" sz="7200" b="1" dirty="0" err="1">
+                <a:latin typeface="VNI-Times" pitchFamily="2" charset="0"/>
                 <a:ea typeface="+mj-ea"/>
                 <a:cs typeface="+mj-cs"/>
               </a:rPr>
               <a:t>yeâu</a:t>
             </a:r>
             <a:r>
-              <a:rPr lang="en-US" sz="7200" b="1" dirty="0" smtClean="0">
-                <a:latin typeface="VNI-Times-Thin" pitchFamily="2" charset="0"/>
-                <a:ea typeface="+mj-ea"/>
-                <a:cs typeface="+mj-cs"/>
-              </a:rPr>
-              <a:t> </a:t>
-            </a:r>
-            <a:r>
-              <a:rPr lang="en-US" sz="7200" b="1" dirty="0" err="1" smtClean="0">
-                <a:latin typeface="VNI-Times-Thin" pitchFamily="2" charset="0"/>
+              <a:rPr lang="en-US" sz="7200" b="1" dirty="0">
+                <a:latin typeface="VNI-Times" pitchFamily="2" charset="0"/>
+                <a:ea typeface="+mj-ea"/>
+                <a:cs typeface="+mj-cs"/>
+              </a:rPr>
+              <a:t> </a:t>
+            </a:r>
+            <a:r>
+              <a:rPr lang="en-US" sz="7200" b="1" dirty="0" err="1">
+                <a:latin typeface="VNI-Times" pitchFamily="2" charset="0"/>
                 <a:ea typeface="+mj-ea"/>
                 <a:cs typeface="+mj-cs"/>
               </a:rPr>
               <a:t>thöông</a:t>
             </a:r>
             <a:r>
-              <a:rPr lang="en-US" sz="7200" b="1" dirty="0" smtClean="0">
-                <a:latin typeface="VNI-Times-Thin" pitchFamily="2" charset="0"/>
-                <a:ea typeface="+mj-ea"/>
-                <a:cs typeface="+mj-cs"/>
-              </a:rPr>
-              <a:t> </a:t>
-            </a:r>
-            <a:r>
-              <a:rPr lang="en-US" sz="7200" b="1" dirty="0" err="1" smtClean="0">
-                <a:latin typeface="VNI-Times-Thin" pitchFamily="2" charset="0"/>
+              <a:rPr lang="en-US" sz="7200" b="1" dirty="0">
+                <a:latin typeface="VNI-Times" pitchFamily="2" charset="0"/>
+                <a:ea typeface="+mj-ea"/>
+                <a:cs typeface="+mj-cs"/>
+              </a:rPr>
+              <a:t> </a:t>
+            </a:r>
+            <a:r>
+              <a:rPr lang="en-US" sz="7200" b="1" dirty="0" err="1">
+                <a:latin typeface="VNI-Times" pitchFamily="2" charset="0"/>
                 <a:ea typeface="+mj-ea"/>
                 <a:cs typeface="+mj-cs"/>
               </a:rPr>
               <a:t>roäng</a:t>
             </a:r>
             <a:r>
-              <a:rPr lang="en-US" sz="7200" b="1" dirty="0" smtClean="0">
-                <a:latin typeface="VNI-Times-Thin" pitchFamily="2" charset="0"/>
-                <a:ea typeface="+mj-ea"/>
-                <a:cs typeface="+mj-cs"/>
-              </a:rPr>
-              <a:t> </a:t>
-            </a:r>
-            <a:r>
-              <a:rPr lang="en-US" sz="7200" b="1" dirty="0" err="1" smtClean="0">
-                <a:latin typeface="VNI-Times-Thin" pitchFamily="2" charset="0"/>
+              <a:rPr lang="en-US" sz="7200" b="1" dirty="0">
+                <a:latin typeface="VNI-Times" pitchFamily="2" charset="0"/>
+                <a:ea typeface="+mj-ea"/>
+                <a:cs typeface="+mj-cs"/>
+              </a:rPr>
+              <a:t> </a:t>
+            </a:r>
+            <a:r>
+              <a:rPr lang="en-US" sz="7200" b="1" dirty="0" err="1">
+                <a:latin typeface="VNI-Times" pitchFamily="2" charset="0"/>
                 <a:ea typeface="+mj-ea"/>
                 <a:cs typeface="+mj-cs"/>
               </a:rPr>
               <a:t>saâu</a:t>
             </a:r>
             <a:r>
-              <a:rPr lang="en-US" sz="7200" b="1" dirty="0" smtClean="0">
-                <a:latin typeface="VNI-Times-Thin" pitchFamily="2" charset="0"/>
+              <a:rPr lang="en-US" sz="7200" b="1" dirty="0">
+                <a:latin typeface="VNI-Times" pitchFamily="2" charset="0"/>
                 <a:ea typeface="+mj-ea"/>
                 <a:cs typeface="+mj-cs"/>
               </a:rPr>
               <a:t>.</a:t>
             </a:r>
-            <a:endParaRPr kumimoji="0" lang="en-US" sz="7200" b="1" i="0" u="none" strike="noStrike" kern="1200" normalizeH="0" baseline="0" noProof="0" dirty="0" smtClean="0">
+            <a:endParaRPr kumimoji="0" lang="en-US" sz="7200" b="1" u="none" strike="noStrike" kern="1200" normalizeH="0" baseline="0" noProof="0" dirty="0">
               <a:uLnTx/>
               <a:uFillTx/>
-              <a:latin typeface="VNI-Times-Thin" pitchFamily="2" charset="0"/>
+              <a:latin typeface="VNI-Times" pitchFamily="2" charset="0"/>
               <a:ea typeface="+mj-ea"/>
               <a:cs typeface="+mj-cs"/>
             </a:endParaRPr>
@@ -7556,7 +7268,7 @@
           <a:p>
             <a:pPr algn="ctr"/>
             <a:r>
-              <a:rPr lang="en-US" sz="3200" smtClean="0">
+              <a:rPr lang="en-US" sz="3200" b="1" dirty="0">
                 <a:ln w="18415" cmpd="sng">
                   <a:solidFill>
                     <a:srgbClr val="FFFFFF"/>
@@ -7576,57 +7288,10 @@
                     </a:srgbClr>
                   </a:outerShdw>
                 </a:effectLst>
-                <a:latin typeface="VNI-Cooper" pitchFamily="2" charset="0"/>
-              </a:rPr>
-              <a:t>MOÙN </a:t>
-            </a:r>
-            <a:r>
-              <a:rPr lang="en-US" sz="3200" dirty="0" smtClean="0">
-                <a:ln w="18415" cmpd="sng">
-                  <a:solidFill>
-                    <a:srgbClr val="FFFFFF"/>
-                  </a:solidFill>
-                  <a:prstDash val="solid"/>
-                </a:ln>
-                <a:solidFill>
-                  <a:srgbClr val="C00000"/>
-                </a:solidFill>
-                <a:effectLst>
-                  <a:glow rad="139700">
-                    <a:srgbClr val="FFFFFF"/>
-                  </a:glow>
-                  <a:outerShdw blurRad="63500" dir="3600000" algn="tl" rotWithShape="0">
-                    <a:srgbClr val="000000">
-                      <a:alpha val="70000"/>
-                    </a:srgbClr>
-                  </a:outerShdw>
-                </a:effectLst>
-                <a:latin typeface="VNI-Cooper" pitchFamily="2" charset="0"/>
-              </a:rPr>
-              <a:t>QUAØ VOÂ GIAÙ</a:t>
-            </a:r>
-            <a:endParaRPr lang="en-US" sz="3200" dirty="0">
-              <a:ln w="18415" cmpd="sng">
-                <a:solidFill>
-                  <a:srgbClr val="FFFFFF"/>
-                </a:solidFill>
-                <a:prstDash val="solid"/>
-              </a:ln>
-              <a:solidFill>
-                <a:srgbClr val="C00000"/>
-              </a:solidFill>
-              <a:effectLst>
-                <a:glow rad="139700">
-                  <a:srgbClr val="FFFFFF"/>
-                </a:glow>
-                <a:outerShdw blurRad="63500" dir="3600000" algn="tl" rotWithShape="0">
-                  <a:srgbClr val="000000">
-                    <a:alpha val="70000"/>
-                  </a:srgbClr>
-                </a:outerShdw>
-              </a:effectLst>
-              <a:latin typeface="VNI-Cooper" pitchFamily="2" charset="0"/>
-            </a:endParaRPr>
+                <a:latin typeface="VNI-Times" pitchFamily="2" charset="0"/>
+              </a:rPr>
+              <a:t>MOÙN QUAØ VOÂ GIAÙ</a:t>
+            </a:r>
           </a:p>
         </p:txBody>
       </p:sp>
@@ -7635,13 +7300,6 @@
   <p:clrMapOvr>
     <a:masterClrMapping/>
   </p:clrMapOvr>
-  <p:timing>
-    <p:tnLst>
-      <p:par>
-        <p:cTn id="1" dur="indefinite" restart="never" nodeType="tmRoot"/>
-      </p:par>
-    </p:tnLst>
-  </p:timing>
 </p:sld>
 </file>
 
@@ -7691,200 +7349,224 @@
               </a:spcBef>
             </a:pPr>
             <a:r>
-              <a:rPr lang="en-US" sz="4400" i="1" u="sng" dirty="0" smtClean="0">
-                <a:latin typeface="VNI-Times-Thin" pitchFamily="2" charset="0"/>
+              <a:rPr lang="en-US" sz="4400" b="1" u="sng" dirty="0">
+                <a:latin typeface="VNI-Times" pitchFamily="2" charset="0"/>
                 <a:ea typeface="+mj-ea"/>
                 <a:cs typeface="+mj-cs"/>
               </a:rPr>
               <a:t>ÑK:</a:t>
             </a:r>
             <a:r>
-              <a:rPr lang="en-US" sz="6600" i="1" dirty="0" smtClean="0">
-                <a:latin typeface="VNI-Times-Thin" pitchFamily="2" charset="0"/>
+              <a:rPr lang="en-US" sz="6600" b="1" dirty="0">
+                <a:latin typeface="VNI-Times" pitchFamily="2" charset="0"/>
                 <a:ea typeface="+mj-ea"/>
                 <a:cs typeface="+mj-cs"/>
               </a:rPr>
               <a:t>  </a:t>
             </a:r>
             <a:r>
-              <a:rPr lang="en-US" sz="7200" b="1" dirty="0" err="1" smtClean="0">
-                <a:latin typeface="VNI-Times-Thin" pitchFamily="2" charset="0"/>
+              <a:rPr lang="en-US" sz="7200" b="1" dirty="0" err="1">
+                <a:latin typeface="VNI-Times" pitchFamily="2" charset="0"/>
                 <a:ea typeface="+mj-ea"/>
                 <a:cs typeface="+mj-cs"/>
               </a:rPr>
               <a:t>Ôn</a:t>
             </a:r>
             <a:r>
-              <a:rPr lang="en-US" sz="7200" b="1" dirty="0" smtClean="0">
-                <a:latin typeface="VNI-Times-Thin" pitchFamily="2" charset="0"/>
-                <a:ea typeface="+mj-ea"/>
-                <a:cs typeface="+mj-cs"/>
-              </a:rPr>
-              <a:t> </a:t>
-            </a:r>
-            <a:r>
-              <a:rPr lang="en-US" sz="7200" b="1" dirty="0" err="1" smtClean="0">
-                <a:latin typeface="VNI-Times-Thin" pitchFamily="2" charset="0"/>
+              <a:rPr lang="en-US" sz="7200" b="1" dirty="0">
+                <a:latin typeface="VNI-Times" pitchFamily="2" charset="0"/>
+                <a:ea typeface="+mj-ea"/>
+                <a:cs typeface="+mj-cs"/>
+              </a:rPr>
+              <a:t> </a:t>
+            </a:r>
+            <a:r>
+              <a:rPr lang="en-US" sz="7200" b="1" dirty="0" err="1">
+                <a:latin typeface="VNI-Times" pitchFamily="2" charset="0"/>
                 <a:ea typeface="+mj-ea"/>
                 <a:cs typeface="+mj-cs"/>
               </a:rPr>
               <a:t>phöôùc</a:t>
             </a:r>
             <a:r>
-              <a:rPr lang="en-US" sz="7200" b="1" dirty="0" smtClean="0">
-                <a:latin typeface="VNI-Times-Thin" pitchFamily="2" charset="0"/>
-                <a:ea typeface="+mj-ea"/>
-                <a:cs typeface="+mj-cs"/>
-              </a:rPr>
-              <a:t> </a:t>
-            </a:r>
-            <a:r>
-              <a:rPr lang="en-US" sz="7200" b="1" err="1" smtClean="0">
-                <a:latin typeface="VNI-Times-Thin" pitchFamily="2" charset="0"/>
+              <a:rPr lang="en-US" sz="7200" b="1" dirty="0">
+                <a:latin typeface="VNI-Times" pitchFamily="2" charset="0"/>
+                <a:ea typeface="+mj-ea"/>
+                <a:cs typeface="+mj-cs"/>
+              </a:rPr>
+              <a:t> </a:t>
+            </a:r>
+            <a:r>
+              <a:rPr lang="en-US" sz="7200" b="1" dirty="0" err="1">
+                <a:latin typeface="VNI-Times" pitchFamily="2" charset="0"/>
                 <a:ea typeface="+mj-ea"/>
                 <a:cs typeface="+mj-cs"/>
               </a:rPr>
               <a:t>lôùn</a:t>
             </a:r>
             <a:r>
-              <a:rPr lang="en-US" sz="7200" b="1" smtClean="0">
-                <a:latin typeface="VNI-Times-Thin" pitchFamily="2" charset="0"/>
-                <a:ea typeface="+mj-ea"/>
-                <a:cs typeface="+mj-cs"/>
-              </a:rPr>
-              <a:t> </a:t>
-            </a:r>
-            <a:r>
-              <a:rPr lang="en-US" sz="7200" b="1" smtClean="0">
-                <a:latin typeface="VNI-Times-Thin" pitchFamily="2" charset="0"/>
-                <a:ea typeface="+mj-ea"/>
-                <a:cs typeface="+mj-cs"/>
-              </a:rPr>
-              <a:t>nôi </a:t>
-            </a:r>
-            <a:r>
-              <a:rPr lang="en-US" sz="7200" b="1" dirty="0" err="1" smtClean="0">
-                <a:latin typeface="VNI-Times-Thin" pitchFamily="2" charset="0"/>
+              <a:rPr lang="en-US" sz="7200" b="1" dirty="0">
+                <a:latin typeface="VNI-Times" pitchFamily="2" charset="0"/>
+                <a:ea typeface="+mj-ea"/>
+                <a:cs typeface="+mj-cs"/>
+              </a:rPr>
+              <a:t> </a:t>
+            </a:r>
+            <a:r>
+              <a:rPr lang="en-US" sz="7200" b="1" dirty="0" err="1">
+                <a:latin typeface="VNI-Times" pitchFamily="2" charset="0"/>
+                <a:ea typeface="+mj-ea"/>
+                <a:cs typeface="+mj-cs"/>
+              </a:rPr>
+              <a:t>nôi</a:t>
+            </a:r>
+            <a:r>
+              <a:rPr lang="en-US" sz="7200" b="1" dirty="0">
+                <a:latin typeface="VNI-Times" pitchFamily="2" charset="0"/>
+                <a:ea typeface="+mj-ea"/>
+                <a:cs typeface="+mj-cs"/>
+              </a:rPr>
+              <a:t> </a:t>
+            </a:r>
+            <a:r>
+              <a:rPr lang="en-US" sz="7200" b="1" dirty="0" err="1">
+                <a:latin typeface="VNI-Times" pitchFamily="2" charset="0"/>
                 <a:ea typeface="+mj-ea"/>
                 <a:cs typeface="+mj-cs"/>
               </a:rPr>
               <a:t>Thöôïng</a:t>
             </a:r>
             <a:r>
-              <a:rPr lang="en-US" sz="7200" b="1" dirty="0" smtClean="0">
-                <a:latin typeface="VNI-Times-Thin" pitchFamily="2" charset="0"/>
-                <a:ea typeface="+mj-ea"/>
-                <a:cs typeface="+mj-cs"/>
-              </a:rPr>
-              <a:t> </a:t>
-            </a:r>
-            <a:r>
-              <a:rPr lang="en-US" sz="7200" b="1" dirty="0" err="1" smtClean="0">
-                <a:latin typeface="VNI-Times-Thin" pitchFamily="2" charset="0"/>
+              <a:rPr lang="en-US" sz="7200" b="1" dirty="0">
+                <a:latin typeface="VNI-Times" pitchFamily="2" charset="0"/>
+                <a:ea typeface="+mj-ea"/>
+                <a:cs typeface="+mj-cs"/>
+              </a:rPr>
+              <a:t> </a:t>
+            </a:r>
+            <a:r>
+              <a:rPr lang="en-US" sz="7200" b="1" dirty="0" err="1">
+                <a:latin typeface="VNI-Times" pitchFamily="2" charset="0"/>
                 <a:ea typeface="+mj-ea"/>
                 <a:cs typeface="+mj-cs"/>
               </a:rPr>
               <a:t>Ñeá</a:t>
             </a:r>
             <a:r>
-              <a:rPr lang="en-US" sz="7200" b="1" dirty="0" smtClean="0">
-                <a:latin typeface="VNI-Times-Thin" pitchFamily="2" charset="0"/>
+              <a:rPr lang="en-US" sz="7200" b="1" dirty="0">
+                <a:latin typeface="VNI-Times" pitchFamily="2" charset="0"/>
                 <a:ea typeface="+mj-ea"/>
                 <a:cs typeface="+mj-cs"/>
               </a:rPr>
               <a:t> ban </a:t>
             </a:r>
             <a:r>
-              <a:rPr lang="en-US" sz="7200" b="1" err="1" smtClean="0">
-                <a:latin typeface="VNI-Times-Thin" pitchFamily="2" charset="0"/>
+              <a:rPr lang="en-US" sz="7200" b="1" dirty="0" err="1">
+                <a:latin typeface="VNI-Times" pitchFamily="2" charset="0"/>
                 <a:ea typeface="+mj-ea"/>
                 <a:cs typeface="+mj-cs"/>
               </a:rPr>
               <a:t>cho</a:t>
             </a:r>
             <a:r>
-              <a:rPr lang="en-US" sz="7200" b="1" smtClean="0">
-                <a:latin typeface="VNI-Times-Thin" pitchFamily="2" charset="0"/>
-                <a:ea typeface="+mj-ea"/>
-                <a:cs typeface="+mj-cs"/>
-              </a:rPr>
-              <a:t> </a:t>
-            </a:r>
-            <a:r>
-              <a:rPr lang="en-US" sz="7200" b="1" smtClean="0">
-                <a:latin typeface="VNI-Times-Thin" pitchFamily="2" charset="0"/>
-                <a:ea typeface="+mj-ea"/>
-                <a:cs typeface="+mj-cs"/>
-              </a:rPr>
-              <a:t>ngöôøi </a:t>
-            </a:r>
-            <a:r>
-              <a:rPr lang="en-US" sz="7200" b="1" dirty="0" smtClean="0">
-                <a:latin typeface="VNI-Times-Thin" pitchFamily="2" charset="0"/>
-                <a:ea typeface="+mj-ea"/>
-                <a:cs typeface="+mj-cs"/>
-              </a:rPr>
-              <a:t/>
+              <a:rPr lang="en-US" sz="7200" b="1" dirty="0">
+                <a:latin typeface="VNI-Times" pitchFamily="2" charset="0"/>
+                <a:ea typeface="+mj-ea"/>
+                <a:cs typeface="+mj-cs"/>
+              </a:rPr>
+              <a:t> </a:t>
+            </a:r>
+            <a:r>
+              <a:rPr lang="en-US" sz="7200" b="1" dirty="0" err="1">
+                <a:latin typeface="VNI-Times" pitchFamily="2" charset="0"/>
+                <a:ea typeface="+mj-ea"/>
+                <a:cs typeface="+mj-cs"/>
+              </a:rPr>
+              <a:t>ngöôøi</a:t>
+            </a:r>
+            <a:r>
+              <a:rPr lang="en-US" sz="7200" b="1" dirty="0">
+                <a:latin typeface="VNI-Times" pitchFamily="2" charset="0"/>
+                <a:ea typeface="+mj-ea"/>
+                <a:cs typeface="+mj-cs"/>
+              </a:rPr>
+              <a:t> </a:t>
             </a:r>
             <a:br>
-              <a:rPr lang="en-US" sz="7200" b="1" dirty="0" smtClean="0">
-                <a:latin typeface="VNI-Times-Thin" pitchFamily="2" charset="0"/>
+              <a:rPr lang="en-US" sz="7200" b="1" dirty="0">
+                <a:latin typeface="VNI-Times" pitchFamily="2" charset="0"/>
                 <a:ea typeface="+mj-ea"/>
                 <a:cs typeface="+mj-cs"/>
               </a:rPr>
             </a:br>
             <a:r>
-              <a:rPr lang="en-US" sz="7200" b="1" dirty="0" err="1" smtClean="0">
-                <a:latin typeface="VNI-Times-Thin" pitchFamily="2" charset="0"/>
+              <a:rPr lang="en-US" sz="7200" b="1" dirty="0" err="1">
+                <a:latin typeface="VNI-Times" pitchFamily="2" charset="0"/>
                 <a:ea typeface="+mj-ea"/>
                 <a:cs typeface="+mj-cs"/>
               </a:rPr>
               <a:t>laø</a:t>
             </a:r>
             <a:r>
-              <a:rPr lang="en-US" sz="7200" b="1" dirty="0" smtClean="0">
-                <a:latin typeface="VNI-Times-Thin" pitchFamily="2" charset="0"/>
-                <a:ea typeface="+mj-ea"/>
-                <a:cs typeface="+mj-cs"/>
-              </a:rPr>
-              <a:t> </a:t>
-            </a:r>
-            <a:r>
-              <a:rPr lang="en-US" sz="7200" b="1" dirty="0" err="1" smtClean="0">
-                <a:latin typeface="VNI-Times-Thin" pitchFamily="2" charset="0"/>
+              <a:rPr lang="en-US" sz="7200" b="1" dirty="0">
+                <a:latin typeface="VNI-Times" pitchFamily="2" charset="0"/>
+                <a:ea typeface="+mj-ea"/>
+                <a:cs typeface="+mj-cs"/>
+              </a:rPr>
+              <a:t> </a:t>
+            </a:r>
+            <a:r>
+              <a:rPr lang="en-US" sz="7200" b="1" dirty="0" err="1">
+                <a:latin typeface="VNI-Times" pitchFamily="2" charset="0"/>
                 <a:ea typeface="+mj-ea"/>
                 <a:cs typeface="+mj-cs"/>
               </a:rPr>
               <a:t>chính</a:t>
             </a:r>
             <a:r>
-              <a:rPr lang="en-US" sz="7200" b="1" dirty="0" smtClean="0">
-                <a:latin typeface="VNI-Times-Thin" pitchFamily="2" charset="0"/>
-                <a:ea typeface="+mj-ea"/>
-                <a:cs typeface="+mj-cs"/>
-              </a:rPr>
-              <a:t> </a:t>
-            </a:r>
-            <a:r>
-              <a:rPr lang="en-US" sz="7200" b="1" err="1" smtClean="0">
-                <a:latin typeface="VNI-Times-Thin" pitchFamily="2" charset="0"/>
+              <a:rPr lang="en-US" sz="7200" b="1" dirty="0">
+                <a:latin typeface="VNI-Times" pitchFamily="2" charset="0"/>
+                <a:ea typeface="+mj-ea"/>
+                <a:cs typeface="+mj-cs"/>
+              </a:rPr>
+              <a:t> </a:t>
+            </a:r>
+            <a:r>
+              <a:rPr lang="en-US" sz="7200" b="1" dirty="0" err="1">
+                <a:latin typeface="VNI-Times" pitchFamily="2" charset="0"/>
                 <a:ea typeface="+mj-ea"/>
                 <a:cs typeface="+mj-cs"/>
               </a:rPr>
               <a:t>Chuùa</a:t>
             </a:r>
             <a:r>
-              <a:rPr lang="en-US" sz="7200" b="1" smtClean="0">
-                <a:latin typeface="VNI-Times-Thin" pitchFamily="2" charset="0"/>
-                <a:ea typeface="+mj-ea"/>
-                <a:cs typeface="+mj-cs"/>
-              </a:rPr>
-              <a:t> Jeâsus.</a:t>
-            </a:r>
-            <a:endParaRPr kumimoji="0" lang="en-US" sz="7200" b="1" i="0" u="none" strike="noStrike" kern="1200" normalizeH="0" baseline="0" noProof="0" dirty="0" smtClean="0">
+              <a:rPr lang="en-US" sz="7200" b="1" dirty="0">
+                <a:latin typeface="VNI-Times" pitchFamily="2" charset="0"/>
+                <a:ea typeface="+mj-ea"/>
+                <a:cs typeface="+mj-cs"/>
+              </a:rPr>
+              <a:t> </a:t>
+            </a:r>
+            <a:r>
+              <a:rPr lang="en-US" sz="7200" b="1" dirty="0" err="1">
+                <a:latin typeface="VNI-Times" pitchFamily="2" charset="0"/>
+                <a:ea typeface="+mj-ea"/>
+                <a:cs typeface="+mj-cs"/>
+              </a:rPr>
+              <a:t>Jeâsus</a:t>
+            </a:r>
+            <a:r>
+              <a:rPr lang="en-US" sz="7200" b="1" dirty="0">
+                <a:latin typeface="VNI-Times" pitchFamily="2" charset="0"/>
+                <a:ea typeface="+mj-ea"/>
+                <a:cs typeface="+mj-cs"/>
+              </a:rPr>
+              <a:t>.</a:t>
+            </a:r>
+            <a:endParaRPr kumimoji="0" lang="en-US" sz="7200" b="1" u="none" strike="noStrike" kern="1200" normalizeH="0" baseline="0" noProof="0" dirty="0">
               <a:uLnTx/>
               <a:uFillTx/>
-              <a:latin typeface="VNI-Times-Thin" pitchFamily="2" charset="0"/>
+              <a:latin typeface="VNI-Times" pitchFamily="2" charset="0"/>
               <a:ea typeface="+mj-ea"/>
               <a:cs typeface="+mj-cs"/>
             </a:endParaRPr>
@@ -7915,7 +7597,7 @@
           <a:p>
             <a:pPr algn="ctr"/>
             <a:r>
-              <a:rPr lang="en-US" sz="3200" smtClean="0">
+              <a:rPr lang="en-US" sz="3200" b="1" dirty="0">
                 <a:ln w="18415" cmpd="sng">
                   <a:solidFill>
                     <a:srgbClr val="FFFFFF"/>
@@ -7935,57 +7617,10 @@
                     </a:srgbClr>
                   </a:outerShdw>
                 </a:effectLst>
-                <a:latin typeface="VNI-Cooper" pitchFamily="2" charset="0"/>
-              </a:rPr>
-              <a:t>MOÙN </a:t>
-            </a:r>
-            <a:r>
-              <a:rPr lang="en-US" sz="3200" dirty="0" smtClean="0">
-                <a:ln w="18415" cmpd="sng">
-                  <a:solidFill>
-                    <a:srgbClr val="FFFFFF"/>
-                  </a:solidFill>
-                  <a:prstDash val="solid"/>
-                </a:ln>
-                <a:solidFill>
-                  <a:srgbClr val="C00000"/>
-                </a:solidFill>
-                <a:effectLst>
-                  <a:glow rad="139700">
-                    <a:srgbClr val="FFFFFF"/>
-                  </a:glow>
-                  <a:outerShdw blurRad="63500" dir="3600000" algn="tl" rotWithShape="0">
-                    <a:srgbClr val="000000">
-                      <a:alpha val="70000"/>
-                    </a:srgbClr>
-                  </a:outerShdw>
-                </a:effectLst>
-                <a:latin typeface="VNI-Cooper" pitchFamily="2" charset="0"/>
-              </a:rPr>
-              <a:t>QUAØ VOÂ GIAÙ</a:t>
-            </a:r>
-            <a:endParaRPr lang="en-US" sz="3200" dirty="0">
-              <a:ln w="18415" cmpd="sng">
-                <a:solidFill>
-                  <a:srgbClr val="FFFFFF"/>
-                </a:solidFill>
-                <a:prstDash val="solid"/>
-              </a:ln>
-              <a:solidFill>
-                <a:srgbClr val="C00000"/>
-              </a:solidFill>
-              <a:effectLst>
-                <a:glow rad="139700">
-                  <a:srgbClr val="FFFFFF"/>
-                </a:glow>
-                <a:outerShdw blurRad="63500" dir="3600000" algn="tl" rotWithShape="0">
-                  <a:srgbClr val="000000">
-                    <a:alpha val="70000"/>
-                  </a:srgbClr>
-                </a:outerShdw>
-              </a:effectLst>
-              <a:latin typeface="VNI-Cooper" pitchFamily="2" charset="0"/>
-            </a:endParaRPr>
+                <a:latin typeface="VNI-Times" pitchFamily="2" charset="0"/>
+              </a:rPr>
+              <a:t>MOÙN QUAØ VOÂ GIAÙ</a:t>
+            </a:r>
           </a:p>
         </p:txBody>
       </p:sp>
@@ -7999,13 +7634,6 @@
   <p:clrMapOvr>
     <a:masterClrMapping/>
   </p:clrMapOvr>
-  <p:timing>
-    <p:tnLst>
-      <p:par>
-        <p:cTn id="1" dur="indefinite" restart="never" nodeType="tmRoot"/>
-      </p:par>
-    </p:tnLst>
-  </p:timing>
 </p:sld>
 </file>
 
@@ -8055,223 +7683,231 @@
               </a:spcBef>
             </a:pPr>
             <a:r>
-              <a:rPr lang="en-US" sz="7200" b="1" dirty="0" err="1" smtClean="0">
-                <a:latin typeface="VNI-Times-Thin" pitchFamily="2" charset="0"/>
+              <a:rPr lang="en-US" sz="7200" b="1" dirty="0" err="1">
+                <a:latin typeface="VNI-Times" pitchFamily="2" charset="0"/>
                 <a:ea typeface="+mj-ea"/>
                 <a:cs typeface="+mj-cs"/>
               </a:rPr>
               <a:t>Vui</a:t>
             </a:r>
             <a:r>
-              <a:rPr lang="en-US" sz="7200" b="1" dirty="0" smtClean="0">
-                <a:latin typeface="VNI-Times-Thin" pitchFamily="2" charset="0"/>
-                <a:ea typeface="+mj-ea"/>
-                <a:cs typeface="+mj-cs"/>
-              </a:rPr>
-              <a:t> </a:t>
-            </a:r>
-            <a:r>
-              <a:rPr lang="en-US" sz="7200" b="1" dirty="0" err="1" smtClean="0">
-                <a:latin typeface="VNI-Times-Thin" pitchFamily="2" charset="0"/>
+              <a:rPr lang="en-US" sz="7200" b="1" dirty="0">
+                <a:latin typeface="VNI-Times" pitchFamily="2" charset="0"/>
+                <a:ea typeface="+mj-ea"/>
+                <a:cs typeface="+mj-cs"/>
+              </a:rPr>
+              <a:t> </a:t>
+            </a:r>
+            <a:r>
+              <a:rPr lang="en-US" sz="7200" b="1" dirty="0" err="1">
+                <a:latin typeface="VNI-Times" pitchFamily="2" charset="0"/>
                 <a:ea typeface="+mj-ea"/>
                 <a:cs typeface="+mj-cs"/>
               </a:rPr>
               <a:t>xuoáng</a:t>
             </a:r>
             <a:r>
-              <a:rPr lang="en-US" sz="7200" b="1" dirty="0" smtClean="0">
-                <a:latin typeface="VNI-Times-Thin" pitchFamily="2" charset="0"/>
-                <a:ea typeface="+mj-ea"/>
-                <a:cs typeface="+mj-cs"/>
-              </a:rPr>
-              <a:t> </a:t>
-            </a:r>
-            <a:r>
-              <a:rPr lang="en-US" sz="7200" b="1" dirty="0" err="1" smtClean="0">
-                <a:latin typeface="VNI-Times-Thin" pitchFamily="2" charset="0"/>
+              <a:rPr lang="en-US" sz="7200" b="1" dirty="0">
+                <a:latin typeface="VNI-Times" pitchFamily="2" charset="0"/>
+                <a:ea typeface="+mj-ea"/>
+                <a:cs typeface="+mj-cs"/>
+              </a:rPr>
+              <a:t> </a:t>
+            </a:r>
+            <a:r>
+              <a:rPr lang="en-US" sz="7200" b="1" dirty="0" err="1">
+                <a:latin typeface="VNI-Times" pitchFamily="2" charset="0"/>
                 <a:ea typeface="+mj-ea"/>
                 <a:cs typeface="+mj-cs"/>
               </a:rPr>
               <a:t>theá</a:t>
             </a:r>
             <a:r>
-              <a:rPr lang="en-US" sz="7200" b="1" dirty="0" smtClean="0">
-                <a:latin typeface="VNI-Times-Thin" pitchFamily="2" charset="0"/>
-                <a:ea typeface="+mj-ea"/>
-                <a:cs typeface="+mj-cs"/>
-              </a:rPr>
-              <a:t> </a:t>
-            </a:r>
-            <a:r>
-              <a:rPr lang="en-US" sz="7200" b="1" dirty="0" err="1" smtClean="0">
-                <a:latin typeface="VNI-Times-Thin" pitchFamily="2" charset="0"/>
+              <a:rPr lang="en-US" sz="7200" b="1" dirty="0">
+                <a:latin typeface="VNI-Times" pitchFamily="2" charset="0"/>
+                <a:ea typeface="+mj-ea"/>
+                <a:cs typeface="+mj-cs"/>
+              </a:rPr>
+              <a:t> </a:t>
+            </a:r>
+            <a:r>
+              <a:rPr lang="en-US" sz="7200" b="1" dirty="0" err="1">
+                <a:latin typeface="VNI-Times" pitchFamily="2" charset="0"/>
                 <a:ea typeface="+mj-ea"/>
                 <a:cs typeface="+mj-cs"/>
               </a:rPr>
               <a:t>gian</a:t>
             </a:r>
             <a:r>
-              <a:rPr lang="en-US" sz="7200" b="1" dirty="0" smtClean="0">
-                <a:latin typeface="VNI-Times-Thin" pitchFamily="2" charset="0"/>
+              <a:rPr lang="en-US" sz="7200" b="1" dirty="0">
+                <a:latin typeface="VNI-Times" pitchFamily="2" charset="0"/>
                 <a:ea typeface="+mj-ea"/>
                 <a:cs typeface="+mj-cs"/>
               </a:rPr>
               <a:t> </a:t>
             </a:r>
             <a:br>
-              <a:rPr lang="en-US" sz="7200" b="1" dirty="0" smtClean="0">
-                <a:latin typeface="VNI-Times-Thin" pitchFamily="2" charset="0"/>
+              <a:rPr lang="en-US" sz="7200" b="1" dirty="0">
+                <a:latin typeface="VNI-Times" pitchFamily="2" charset="0"/>
                 <a:ea typeface="+mj-ea"/>
                 <a:cs typeface="+mj-cs"/>
               </a:rPr>
             </a:br>
             <a:r>
-              <a:rPr lang="en-US" sz="7200" b="1" dirty="0" err="1" smtClean="0">
-                <a:latin typeface="VNI-Times-Thin" pitchFamily="2" charset="0"/>
+              <a:rPr lang="en-US" sz="7200" b="1" dirty="0" err="1">
+                <a:latin typeface="VNI-Times" pitchFamily="2" charset="0"/>
                 <a:ea typeface="+mj-ea"/>
                 <a:cs typeface="+mj-cs"/>
               </a:rPr>
               <a:t>naøy</a:t>
             </a:r>
             <a:r>
-              <a:rPr lang="en-US" sz="7200" b="1" dirty="0" smtClean="0">
-                <a:latin typeface="VNI-Times-Thin" pitchFamily="2" charset="0"/>
-                <a:ea typeface="+mj-ea"/>
-                <a:cs typeface="+mj-cs"/>
-              </a:rPr>
-              <a:t> </a:t>
-            </a:r>
-            <a:r>
-              <a:rPr lang="en-US" sz="7200" b="1" dirty="0" err="1" smtClean="0">
-                <a:latin typeface="VNI-Times-Thin" pitchFamily="2" charset="0"/>
+              <a:rPr lang="en-US" sz="7200" b="1" dirty="0">
+                <a:latin typeface="VNI-Times" pitchFamily="2" charset="0"/>
+                <a:ea typeface="+mj-ea"/>
+                <a:cs typeface="+mj-cs"/>
+              </a:rPr>
+              <a:t> </a:t>
+            </a:r>
+            <a:r>
+              <a:rPr lang="en-US" sz="7200" b="1" dirty="0" err="1">
+                <a:latin typeface="VNI-Times" pitchFamily="2" charset="0"/>
                 <a:ea typeface="+mj-ea"/>
                 <a:cs typeface="+mj-cs"/>
               </a:rPr>
               <a:t>cöùu</a:t>
             </a:r>
             <a:r>
-              <a:rPr lang="en-US" sz="7200" b="1" dirty="0" smtClean="0">
-                <a:latin typeface="VNI-Times-Thin" pitchFamily="2" charset="0"/>
-                <a:ea typeface="+mj-ea"/>
-                <a:cs typeface="+mj-cs"/>
-              </a:rPr>
-              <a:t> </a:t>
-            </a:r>
-            <a:r>
-              <a:rPr lang="en-US" sz="7200" b="1" dirty="0" err="1" smtClean="0">
-                <a:latin typeface="VNI-Times-Thin" pitchFamily="2" charset="0"/>
+              <a:rPr lang="en-US" sz="7200" b="1" dirty="0">
+                <a:latin typeface="VNI-Times" pitchFamily="2" charset="0"/>
+                <a:ea typeface="+mj-ea"/>
+                <a:cs typeface="+mj-cs"/>
+              </a:rPr>
+              <a:t> </a:t>
+            </a:r>
+            <a:r>
+              <a:rPr lang="en-US" sz="7200" b="1" dirty="0" err="1">
+                <a:latin typeface="VNI-Times" pitchFamily="2" charset="0"/>
                 <a:ea typeface="+mj-ea"/>
                 <a:cs typeface="+mj-cs"/>
               </a:rPr>
               <a:t>nhaân</a:t>
             </a:r>
             <a:r>
-              <a:rPr lang="en-US" sz="7200" b="1" dirty="0" smtClean="0">
-                <a:latin typeface="VNI-Times-Thin" pitchFamily="2" charset="0"/>
-                <a:ea typeface="+mj-ea"/>
-                <a:cs typeface="+mj-cs"/>
-              </a:rPr>
-              <a:t> </a:t>
-            </a:r>
-            <a:r>
-              <a:rPr lang="en-US" sz="7200" b="1" dirty="0" err="1" smtClean="0">
-                <a:latin typeface="VNI-Times-Thin" pitchFamily="2" charset="0"/>
+              <a:rPr lang="en-US" sz="7200" b="1" dirty="0">
+                <a:latin typeface="VNI-Times" pitchFamily="2" charset="0"/>
+                <a:ea typeface="+mj-ea"/>
+                <a:cs typeface="+mj-cs"/>
+              </a:rPr>
+              <a:t> </a:t>
+            </a:r>
+            <a:r>
+              <a:rPr lang="en-US" sz="7200" b="1" dirty="0" err="1">
+                <a:latin typeface="VNI-Times" pitchFamily="2" charset="0"/>
                 <a:ea typeface="+mj-ea"/>
                 <a:cs typeface="+mj-cs"/>
               </a:rPr>
               <a:t>loaïi</a:t>
             </a:r>
             <a:r>
-              <a:rPr lang="en-US" sz="7200" b="1" dirty="0" smtClean="0">
-                <a:latin typeface="VNI-Times-Thin" pitchFamily="2" charset="0"/>
+              <a:rPr lang="en-US" sz="7200" b="1" dirty="0">
+                <a:latin typeface="VNI-Times" pitchFamily="2" charset="0"/>
                 <a:ea typeface="+mj-ea"/>
                 <a:cs typeface="+mj-cs"/>
               </a:rPr>
               <a:t> </a:t>
             </a:r>
             <a:br>
-              <a:rPr lang="en-US" sz="7200" b="1" dirty="0" smtClean="0">
-                <a:latin typeface="VNI-Times-Thin" pitchFamily="2" charset="0"/>
+              <a:rPr lang="en-US" sz="7200" b="1" dirty="0">
+                <a:latin typeface="VNI-Times" pitchFamily="2" charset="0"/>
                 <a:ea typeface="+mj-ea"/>
                 <a:cs typeface="+mj-cs"/>
               </a:rPr>
             </a:br>
             <a:r>
-              <a:rPr lang="en-US" sz="7200" b="1" err="1" smtClean="0">
-                <a:latin typeface="VNI-Times-Thin" pitchFamily="2" charset="0"/>
+              <a:rPr lang="en-US" sz="7200" b="1" dirty="0" err="1">
+                <a:latin typeface="VNI-Times" pitchFamily="2" charset="0"/>
                 <a:ea typeface="+mj-ea"/>
                 <a:cs typeface="+mj-cs"/>
               </a:rPr>
               <a:t>thoaùt</a:t>
             </a:r>
             <a:r>
-              <a:rPr lang="en-US" sz="7200" b="1" smtClean="0">
-                <a:latin typeface="VNI-Times-Thin" pitchFamily="2" charset="0"/>
-                <a:ea typeface="+mj-ea"/>
-                <a:cs typeface="+mj-cs"/>
-              </a:rPr>
-              <a:t> </a:t>
-            </a:r>
-            <a:r>
-              <a:rPr lang="en-US" sz="7200" b="1" smtClean="0">
-                <a:latin typeface="VNI-Times-Thin" pitchFamily="2" charset="0"/>
-                <a:ea typeface="+mj-ea"/>
-                <a:cs typeface="+mj-cs"/>
-              </a:rPr>
-              <a:t>beán </a:t>
-            </a:r>
-            <a:r>
-              <a:rPr lang="en-US" sz="7200" b="1" dirty="0" err="1" smtClean="0">
-                <a:latin typeface="VNI-Times-Thin" pitchFamily="2" charset="0"/>
+              <a:rPr lang="en-US" sz="7200" b="1" dirty="0">
+                <a:latin typeface="VNI-Times" pitchFamily="2" charset="0"/>
+                <a:ea typeface="+mj-ea"/>
+                <a:cs typeface="+mj-cs"/>
+              </a:rPr>
+              <a:t> </a:t>
+            </a:r>
+            <a:r>
+              <a:rPr lang="en-US" sz="7200" b="1" dirty="0" err="1">
+                <a:latin typeface="VNI-Times" pitchFamily="2" charset="0"/>
+                <a:ea typeface="+mj-ea"/>
+                <a:cs typeface="+mj-cs"/>
+              </a:rPr>
+              <a:t>beán</a:t>
+            </a:r>
+            <a:r>
+              <a:rPr lang="en-US" sz="7200" b="1" dirty="0">
+                <a:latin typeface="VNI-Times" pitchFamily="2" charset="0"/>
+                <a:ea typeface="+mj-ea"/>
+                <a:cs typeface="+mj-cs"/>
+              </a:rPr>
+              <a:t> </a:t>
+            </a:r>
+            <a:r>
+              <a:rPr lang="en-US" sz="7200" b="1" dirty="0" err="1">
+                <a:latin typeface="VNI-Times" pitchFamily="2" charset="0"/>
                 <a:ea typeface="+mj-ea"/>
                 <a:cs typeface="+mj-cs"/>
               </a:rPr>
               <a:t>meâ</a:t>
             </a:r>
             <a:r>
-              <a:rPr lang="en-US" sz="7200" b="1" dirty="0" smtClean="0">
-                <a:latin typeface="VNI-Times-Thin" pitchFamily="2" charset="0"/>
-                <a:ea typeface="+mj-ea"/>
-                <a:cs typeface="+mj-cs"/>
-              </a:rPr>
-              <a:t> </a:t>
-            </a:r>
-            <a:r>
-              <a:rPr lang="en-US" sz="7200" b="1" dirty="0" err="1" smtClean="0">
-                <a:latin typeface="VNI-Times-Thin" pitchFamily="2" charset="0"/>
+              <a:rPr lang="en-US" sz="7200" b="1" dirty="0">
+                <a:latin typeface="VNI-Times" pitchFamily="2" charset="0"/>
+                <a:ea typeface="+mj-ea"/>
+                <a:cs typeface="+mj-cs"/>
+              </a:rPr>
+              <a:t> </a:t>
+            </a:r>
+            <a:r>
+              <a:rPr lang="en-US" sz="7200" b="1" dirty="0" err="1">
+                <a:latin typeface="VNI-Times" pitchFamily="2" charset="0"/>
                 <a:ea typeface="+mj-ea"/>
                 <a:cs typeface="+mj-cs"/>
               </a:rPr>
               <a:t>oâ</a:t>
             </a:r>
             <a:r>
-              <a:rPr lang="en-US" sz="7200" b="1" dirty="0" smtClean="0">
-                <a:latin typeface="VNI-Times-Thin" pitchFamily="2" charset="0"/>
-                <a:ea typeface="+mj-ea"/>
-                <a:cs typeface="+mj-cs"/>
-              </a:rPr>
-              <a:t> </a:t>
-            </a:r>
-            <a:r>
-              <a:rPr lang="en-US" sz="7200" b="1" dirty="0" err="1" smtClean="0">
-                <a:latin typeface="VNI-Times-Thin" pitchFamily="2" charset="0"/>
+              <a:rPr lang="en-US" sz="7200" b="1" dirty="0">
+                <a:latin typeface="VNI-Times" pitchFamily="2" charset="0"/>
+                <a:ea typeface="+mj-ea"/>
+                <a:cs typeface="+mj-cs"/>
+              </a:rPr>
+              <a:t> </a:t>
+            </a:r>
+            <a:r>
+              <a:rPr lang="en-US" sz="7200" b="1" dirty="0" err="1">
+                <a:latin typeface="VNI-Times" pitchFamily="2" charset="0"/>
                 <a:ea typeface="+mj-ea"/>
                 <a:cs typeface="+mj-cs"/>
               </a:rPr>
               <a:t>traàn</a:t>
             </a:r>
             <a:r>
-              <a:rPr lang="en-US" sz="7200" b="1" dirty="0" smtClean="0">
-                <a:latin typeface="VNI-Times-Thin" pitchFamily="2" charset="0"/>
+              <a:rPr lang="en-US" sz="7200" b="1" dirty="0">
+                <a:latin typeface="VNI-Times" pitchFamily="2" charset="0"/>
                 <a:ea typeface="+mj-ea"/>
                 <a:cs typeface="+mj-cs"/>
               </a:rPr>
               <a:t>. </a:t>
             </a:r>
-            <a:endParaRPr kumimoji="0" lang="en-US" sz="7200" b="1" i="0" u="none" strike="noStrike" kern="1200" normalizeH="0" baseline="0" noProof="0" dirty="0" smtClean="0">
+            <a:endParaRPr kumimoji="0" lang="en-US" sz="7200" b="1" u="none" strike="noStrike" kern="1200" normalizeH="0" baseline="0" noProof="0" dirty="0">
               <a:uLnTx/>
               <a:uFillTx/>
-              <a:latin typeface="VNI-Times-Thin" pitchFamily="2" charset="0"/>
+              <a:latin typeface="VNI-Times" pitchFamily="2" charset="0"/>
               <a:ea typeface="+mj-ea"/>
               <a:cs typeface="+mj-cs"/>
             </a:endParaRPr>
@@ -8302,7 +7938,7 @@
           <a:p>
             <a:pPr algn="ctr"/>
             <a:r>
-              <a:rPr lang="en-US" sz="3200" smtClean="0">
+              <a:rPr lang="en-US" sz="3200" b="1" dirty="0">
                 <a:ln w="18415" cmpd="sng">
                   <a:solidFill>
                     <a:srgbClr val="FFFFFF"/>
@@ -8322,57 +7958,10 @@
                     </a:srgbClr>
                   </a:outerShdw>
                 </a:effectLst>
-                <a:latin typeface="VNI-Cooper" pitchFamily="2" charset="0"/>
-              </a:rPr>
-              <a:t>MOÙN </a:t>
-            </a:r>
-            <a:r>
-              <a:rPr lang="en-US" sz="3200" dirty="0" smtClean="0">
-                <a:ln w="18415" cmpd="sng">
-                  <a:solidFill>
-                    <a:srgbClr val="FFFFFF"/>
-                  </a:solidFill>
-                  <a:prstDash val="solid"/>
-                </a:ln>
-                <a:solidFill>
-                  <a:srgbClr val="C00000"/>
-                </a:solidFill>
-                <a:effectLst>
-                  <a:glow rad="139700">
-                    <a:srgbClr val="FFFFFF"/>
-                  </a:glow>
-                  <a:outerShdw blurRad="63500" dir="3600000" algn="tl" rotWithShape="0">
-                    <a:srgbClr val="000000">
-                      <a:alpha val="70000"/>
-                    </a:srgbClr>
-                  </a:outerShdw>
-                </a:effectLst>
-                <a:latin typeface="VNI-Cooper" pitchFamily="2" charset="0"/>
-              </a:rPr>
-              <a:t>QUAØ VOÂ GIAÙ</a:t>
-            </a:r>
-            <a:endParaRPr lang="en-US" sz="3200" dirty="0">
-              <a:ln w="18415" cmpd="sng">
-                <a:solidFill>
-                  <a:srgbClr val="FFFFFF"/>
-                </a:solidFill>
-                <a:prstDash val="solid"/>
-              </a:ln>
-              <a:solidFill>
-                <a:srgbClr val="C00000"/>
-              </a:solidFill>
-              <a:effectLst>
-                <a:glow rad="139700">
-                  <a:srgbClr val="FFFFFF"/>
-                </a:glow>
-                <a:outerShdw blurRad="63500" dir="3600000" algn="tl" rotWithShape="0">
-                  <a:srgbClr val="000000">
-                    <a:alpha val="70000"/>
-                  </a:srgbClr>
-                </a:outerShdw>
-              </a:effectLst>
-              <a:latin typeface="VNI-Cooper" pitchFamily="2" charset="0"/>
-            </a:endParaRPr>
+                <a:latin typeface="VNI-Times" pitchFamily="2" charset="0"/>
+              </a:rPr>
+              <a:t>MOÙN QUAØ VOÂ GIAÙ</a:t>
+            </a:r>
           </a:p>
         </p:txBody>
       </p:sp>
@@ -8386,13 +7975,6 @@
   <p:clrMapOvr>
     <a:masterClrMapping/>
   </p:clrMapOvr>
-  <p:timing>
-    <p:tnLst>
-      <p:par>
-        <p:cTn id="1" dur="indefinite" restart="never" nodeType="tmRoot"/>
-      </p:par>
-    </p:tnLst>
-  </p:timing>
 </p:sld>
 </file>
 
@@ -8437,7 +8019,7 @@
           <a:p>
             <a:pPr algn="ctr"/>
             <a:r>
-              <a:rPr lang="en-US" sz="3200" smtClean="0">
+              <a:rPr lang="en-US" sz="3200" b="1" dirty="0">
                 <a:ln w="18415" cmpd="sng">
                   <a:solidFill>
                     <a:srgbClr val="FFFFFF"/>
@@ -8457,57 +8039,10 @@
                     </a:srgbClr>
                   </a:outerShdw>
                 </a:effectLst>
-                <a:latin typeface="VNI-Cooper" pitchFamily="2" charset="0"/>
-              </a:rPr>
-              <a:t>MOÙN </a:t>
-            </a:r>
-            <a:r>
-              <a:rPr lang="en-US" sz="3200" dirty="0" smtClean="0">
-                <a:ln w="18415" cmpd="sng">
-                  <a:solidFill>
-                    <a:srgbClr val="FFFFFF"/>
-                  </a:solidFill>
-                  <a:prstDash val="solid"/>
-                </a:ln>
-                <a:solidFill>
-                  <a:srgbClr val="C00000"/>
-                </a:solidFill>
-                <a:effectLst>
-                  <a:glow rad="139700">
-                    <a:srgbClr val="FFFFFF"/>
-                  </a:glow>
-                  <a:outerShdw blurRad="63500" dir="3600000" algn="tl" rotWithShape="0">
-                    <a:srgbClr val="000000">
-                      <a:alpha val="70000"/>
-                    </a:srgbClr>
-                  </a:outerShdw>
-                </a:effectLst>
-                <a:latin typeface="VNI-Cooper" pitchFamily="2" charset="0"/>
-              </a:rPr>
-              <a:t>QUAØ VOÂ GIAÙ</a:t>
-            </a:r>
-            <a:endParaRPr lang="en-US" sz="3200" dirty="0">
-              <a:ln w="18415" cmpd="sng">
-                <a:solidFill>
-                  <a:srgbClr val="FFFFFF"/>
-                </a:solidFill>
-                <a:prstDash val="solid"/>
-              </a:ln>
-              <a:solidFill>
-                <a:srgbClr val="C00000"/>
-              </a:solidFill>
-              <a:effectLst>
-                <a:glow rad="139700">
-                  <a:srgbClr val="FFFFFF"/>
-                </a:glow>
-                <a:outerShdw blurRad="63500" dir="3600000" algn="tl" rotWithShape="0">
-                  <a:srgbClr val="000000">
-                    <a:alpha val="70000"/>
-                  </a:srgbClr>
-                </a:outerShdw>
-              </a:effectLst>
-              <a:latin typeface="VNI-Cooper" pitchFamily="2" charset="0"/>
-            </a:endParaRPr>
+                <a:latin typeface="VNI-Times" pitchFamily="2" charset="0"/>
+              </a:rPr>
+              <a:t>MOÙN QUAØ VOÂ GIAÙ</a:t>
+            </a:r>
           </a:p>
         </p:txBody>
       </p:sp>
@@ -8552,279 +8087,279 @@
               <a:defRPr/>
             </a:pPr>
             <a:r>
-              <a:rPr kumimoji="0" lang="en-US" sz="4400" b="1" i="0" u="none" strike="noStrike" kern="1200" normalizeH="0" baseline="0" noProof="0" dirty="0" smtClean="0">
+              <a:rPr kumimoji="0" lang="en-US" sz="4400" b="1" u="none" strike="noStrike" kern="1200" normalizeH="0" baseline="0" noProof="0" dirty="0">
                 <a:uLnTx/>
                 <a:uFillTx/>
-                <a:latin typeface="VNI-Times-Thin" pitchFamily="2" charset="0"/>
+                <a:latin typeface="VNI-Times" pitchFamily="2" charset="0"/>
                 <a:ea typeface="+mj-ea"/>
                 <a:cs typeface="+mj-cs"/>
               </a:rPr>
               <a:t>1.  </a:t>
             </a:r>
             <a:r>
-              <a:rPr kumimoji="0" lang="en-US" sz="7200" b="1" i="0" u="none" strike="noStrike" kern="1200" normalizeH="0" baseline="0" noProof="0" dirty="0" err="1" smtClean="0">
+              <a:rPr kumimoji="0" lang="en-US" sz="7200" b="1" u="none" strike="noStrike" kern="1200" normalizeH="0" baseline="0" noProof="0" dirty="0" err="1">
                 <a:uLnTx/>
                 <a:uFillTx/>
-                <a:latin typeface="VNI-Times-Thin" pitchFamily="2" charset="0"/>
+                <a:latin typeface="VNI-Times" pitchFamily="2" charset="0"/>
                 <a:ea typeface="+mj-ea"/>
                 <a:cs typeface="+mj-cs"/>
               </a:rPr>
               <a:t>Ngaøy</a:t>
             </a:r>
             <a:r>
-              <a:rPr kumimoji="0" lang="en-US" sz="7200" b="1" i="0" u="none" strike="noStrike" kern="1200" normalizeH="0" baseline="0" noProof="0" dirty="0" smtClean="0">
+              <a:rPr kumimoji="0" lang="en-US" sz="7200" b="1" u="none" strike="noStrike" kern="1200" normalizeH="0" baseline="0" noProof="0" dirty="0">
                 <a:uLnTx/>
                 <a:uFillTx/>
-                <a:latin typeface="VNI-Times-Thin" pitchFamily="2" charset="0"/>
-                <a:ea typeface="+mj-ea"/>
-                <a:cs typeface="+mj-cs"/>
-              </a:rPr>
-              <a:t> </a:t>
-            </a:r>
-            <a:r>
-              <a:rPr kumimoji="0" lang="en-US" sz="7200" b="1" i="0" u="none" strike="noStrike" kern="1200" normalizeH="0" baseline="0" noProof="0" dirty="0" err="1" smtClean="0">
+                <a:latin typeface="VNI-Times" pitchFamily="2" charset="0"/>
+                <a:ea typeface="+mj-ea"/>
+                <a:cs typeface="+mj-cs"/>
+              </a:rPr>
+              <a:t> </a:t>
+            </a:r>
+            <a:r>
+              <a:rPr kumimoji="0" lang="en-US" sz="7200" b="1" u="none" strike="noStrike" kern="1200" normalizeH="0" baseline="0" noProof="0" dirty="0" err="1">
                 <a:uLnTx/>
                 <a:uFillTx/>
-                <a:latin typeface="VNI-Times-Thin" pitchFamily="2" charset="0"/>
+                <a:latin typeface="VNI-Times" pitchFamily="2" charset="0"/>
                 <a:ea typeface="+mj-ea"/>
                 <a:cs typeface="+mj-cs"/>
               </a:rPr>
               <a:t>Giaùng</a:t>
             </a:r>
             <a:r>
-              <a:rPr kumimoji="0" lang="en-US" sz="7200" b="1" i="0" u="none" strike="noStrike" kern="1200" normalizeH="0" baseline="0" noProof="0" dirty="0" smtClean="0">
+              <a:rPr kumimoji="0" lang="en-US" sz="7200" b="1" u="none" strike="noStrike" kern="1200" normalizeH="0" baseline="0" noProof="0" dirty="0">
                 <a:uLnTx/>
                 <a:uFillTx/>
-                <a:latin typeface="VNI-Times-Thin" pitchFamily="2" charset="0"/>
-                <a:ea typeface="+mj-ea"/>
-                <a:cs typeface="+mj-cs"/>
-              </a:rPr>
-              <a:t> </a:t>
-            </a:r>
-            <a:r>
-              <a:rPr kumimoji="0" lang="en-US" sz="7200" b="1" i="0" u="none" strike="noStrike" kern="1200" normalizeH="0" baseline="0" noProof="0" dirty="0" err="1" smtClean="0">
+                <a:latin typeface="VNI-Times" pitchFamily="2" charset="0"/>
+                <a:ea typeface="+mj-ea"/>
+                <a:cs typeface="+mj-cs"/>
+              </a:rPr>
+              <a:t> </a:t>
+            </a:r>
+            <a:r>
+              <a:rPr kumimoji="0" lang="en-US" sz="7200" b="1" u="none" strike="noStrike" kern="1200" normalizeH="0" baseline="0" noProof="0" dirty="0" err="1">
                 <a:uLnTx/>
                 <a:uFillTx/>
-                <a:latin typeface="VNI-Times-Thin" pitchFamily="2" charset="0"/>
+                <a:latin typeface="VNI-Times" pitchFamily="2" charset="0"/>
                 <a:ea typeface="+mj-ea"/>
                 <a:cs typeface="+mj-cs"/>
               </a:rPr>
               <a:t>Sinh</a:t>
             </a:r>
             <a:r>
-              <a:rPr kumimoji="0" lang="en-US" sz="7200" b="1" i="0" u="none" strike="noStrike" kern="1200" normalizeH="0" baseline="0" noProof="0" dirty="0" smtClean="0">
+              <a:rPr kumimoji="0" lang="en-US" sz="7200" b="1" u="none" strike="noStrike" kern="1200" normalizeH="0" baseline="0" noProof="0" dirty="0">
                 <a:uLnTx/>
                 <a:uFillTx/>
-                <a:latin typeface="VNI-Times-Thin" pitchFamily="2" charset="0"/>
+                <a:latin typeface="VNI-Times" pitchFamily="2" charset="0"/>
                 <a:ea typeface="+mj-ea"/>
                 <a:cs typeface="+mj-cs"/>
               </a:rPr>
               <a:t> </a:t>
             </a:r>
             <a:br>
-              <a:rPr kumimoji="0" lang="en-US" sz="7200" b="1" i="0" u="none" strike="noStrike" kern="1200" normalizeH="0" baseline="0" noProof="0" dirty="0" smtClean="0">
+              <a:rPr kumimoji="0" lang="en-US" sz="7200" b="1" u="none" strike="noStrike" kern="1200" normalizeH="0" baseline="0" noProof="0" dirty="0">
                 <a:uLnTx/>
                 <a:uFillTx/>
-                <a:latin typeface="VNI-Times-Thin" pitchFamily="2" charset="0"/>
+                <a:latin typeface="VNI-Times" pitchFamily="2" charset="0"/>
                 <a:ea typeface="+mj-ea"/>
                 <a:cs typeface="+mj-cs"/>
               </a:rPr>
             </a:br>
             <a:r>
-              <a:rPr kumimoji="0" lang="en-US" sz="7200" b="1" i="0" u="none" strike="noStrike" kern="1200" normalizeH="0" baseline="0" noProof="0" dirty="0" err="1" smtClean="0">
+              <a:rPr kumimoji="0" lang="en-US" sz="7200" b="1" u="none" strike="noStrike" kern="1200" normalizeH="0" baseline="0" noProof="0" dirty="0" err="1">
                 <a:uLnTx/>
                 <a:uFillTx/>
-                <a:latin typeface="VNI-Times-Thin" pitchFamily="2" charset="0"/>
+                <a:latin typeface="VNI-Times" pitchFamily="2" charset="0"/>
                 <a:ea typeface="+mj-ea"/>
                 <a:cs typeface="+mj-cs"/>
               </a:rPr>
               <a:t>töng</a:t>
             </a:r>
             <a:r>
-              <a:rPr kumimoji="0" lang="en-US" sz="7200" b="1" i="0" u="none" strike="noStrike" kern="1200" normalizeH="0" baseline="0" noProof="0" dirty="0" smtClean="0">
+              <a:rPr kumimoji="0" lang="en-US" sz="7200" b="1" u="none" strike="noStrike" kern="1200" normalizeH="0" baseline="0" noProof="0" dirty="0">
                 <a:uLnTx/>
                 <a:uFillTx/>
-                <a:latin typeface="VNI-Times-Thin" pitchFamily="2" charset="0"/>
-                <a:ea typeface="+mj-ea"/>
-                <a:cs typeface="+mj-cs"/>
-              </a:rPr>
-              <a:t> </a:t>
-            </a:r>
-            <a:r>
-              <a:rPr kumimoji="0" lang="en-US" sz="7200" b="1" i="0" u="none" strike="noStrike" kern="1200" normalizeH="0" baseline="0" noProof="0" dirty="0" err="1" smtClean="0">
+                <a:latin typeface="VNI-Times" pitchFamily="2" charset="0"/>
+                <a:ea typeface="+mj-ea"/>
+                <a:cs typeface="+mj-cs"/>
+              </a:rPr>
+              <a:t> </a:t>
+            </a:r>
+            <a:r>
+              <a:rPr kumimoji="0" lang="en-US" sz="7200" b="1" u="none" strike="noStrike" kern="1200" normalizeH="0" baseline="0" noProof="0" dirty="0" err="1">
                 <a:uLnTx/>
                 <a:uFillTx/>
-                <a:latin typeface="VNI-Times-Thin" pitchFamily="2" charset="0"/>
+                <a:latin typeface="VNI-Times" pitchFamily="2" charset="0"/>
                 <a:ea typeface="+mj-ea"/>
                 <a:cs typeface="+mj-cs"/>
               </a:rPr>
               <a:t>böøng</a:t>
             </a:r>
             <a:r>
-              <a:rPr kumimoji="0" lang="en-US" sz="7200" b="1" i="0" u="none" strike="noStrike" kern="1200" normalizeH="0" baseline="0" noProof="0" dirty="0" smtClean="0">
+              <a:rPr kumimoji="0" lang="en-US" sz="7200" b="1" u="none" strike="noStrike" kern="1200" normalizeH="0" baseline="0" noProof="0" dirty="0">
                 <a:uLnTx/>
                 <a:uFillTx/>
-                <a:latin typeface="VNI-Times-Thin" pitchFamily="2" charset="0"/>
-                <a:ea typeface="+mj-ea"/>
-                <a:cs typeface="+mj-cs"/>
-              </a:rPr>
-              <a:t> </a:t>
-            </a:r>
-            <a:r>
-              <a:rPr kumimoji="0" lang="en-US" sz="7200" b="1" i="0" u="none" strike="noStrike" kern="1200" normalizeH="0" baseline="0" noProof="0" dirty="0" err="1" smtClean="0">
+                <a:latin typeface="VNI-Times" pitchFamily="2" charset="0"/>
+                <a:ea typeface="+mj-ea"/>
+                <a:cs typeface="+mj-cs"/>
+              </a:rPr>
+              <a:t> </a:t>
+            </a:r>
+            <a:r>
+              <a:rPr kumimoji="0" lang="en-US" sz="7200" b="1" u="none" strike="noStrike" kern="1200" normalizeH="0" baseline="0" noProof="0" dirty="0" err="1">
                 <a:uLnTx/>
                 <a:uFillTx/>
-                <a:latin typeface="VNI-Times-Thin" pitchFamily="2" charset="0"/>
+                <a:latin typeface="VNI-Times" pitchFamily="2" charset="0"/>
                 <a:ea typeface="+mj-ea"/>
                 <a:cs typeface="+mj-cs"/>
               </a:rPr>
               <a:t>ñeán</a:t>
             </a:r>
             <a:r>
-              <a:rPr kumimoji="0" lang="en-US" sz="7200" b="1" i="0" u="none" strike="noStrike" kern="1200" normalizeH="0" baseline="0" noProof="0" dirty="0" smtClean="0">
+              <a:rPr kumimoji="0" lang="en-US" sz="7200" b="1" u="none" strike="noStrike" kern="1200" normalizeH="0" baseline="0" noProof="0" dirty="0">
                 <a:uLnTx/>
                 <a:uFillTx/>
-                <a:latin typeface="VNI-Times-Thin" pitchFamily="2" charset="0"/>
-                <a:ea typeface="+mj-ea"/>
-                <a:cs typeface="+mj-cs"/>
-              </a:rPr>
-              <a:t> </a:t>
-            </a:r>
-            <a:r>
-              <a:rPr kumimoji="0" lang="en-US" sz="7200" b="1" i="0" u="none" strike="noStrike" kern="1200" normalizeH="0" baseline="0" noProof="0" dirty="0" err="1" smtClean="0">
+                <a:latin typeface="VNI-Times" pitchFamily="2" charset="0"/>
+                <a:ea typeface="+mj-ea"/>
+                <a:cs typeface="+mj-cs"/>
+              </a:rPr>
+              <a:t> </a:t>
+            </a:r>
+            <a:r>
+              <a:rPr kumimoji="0" lang="en-US" sz="7200" b="1" u="none" strike="noStrike" kern="1200" normalizeH="0" baseline="0" noProof="0" dirty="0" err="1">
                 <a:uLnTx/>
                 <a:uFillTx/>
-                <a:latin typeface="VNI-Times-Thin" pitchFamily="2" charset="0"/>
+                <a:latin typeface="VNI-Times" pitchFamily="2" charset="0"/>
                 <a:ea typeface="+mj-ea"/>
                 <a:cs typeface="+mj-cs"/>
               </a:rPr>
               <a:t>trong</a:t>
             </a:r>
             <a:r>
-              <a:rPr kumimoji="0" lang="en-US" sz="7200" b="1" i="0" u="none" strike="noStrike" kern="1200" normalizeH="0" baseline="0" noProof="0" dirty="0" smtClean="0">
+              <a:rPr kumimoji="0" lang="en-US" sz="7200" b="1" u="none" strike="noStrike" kern="1200" normalizeH="0" baseline="0" noProof="0" dirty="0">
                 <a:uLnTx/>
                 <a:uFillTx/>
-                <a:latin typeface="VNI-Times-Thin" pitchFamily="2" charset="0"/>
-                <a:ea typeface="+mj-ea"/>
-                <a:cs typeface="+mj-cs"/>
-              </a:rPr>
-              <a:t> </a:t>
-            </a:r>
-            <a:r>
-              <a:rPr kumimoji="0" lang="en-US" sz="7200" b="1" i="0" u="none" strike="noStrike" kern="1200" normalizeH="0" baseline="0" noProof="0" dirty="0" err="1" smtClean="0">
+                <a:latin typeface="VNI-Times" pitchFamily="2" charset="0"/>
+                <a:ea typeface="+mj-ea"/>
+                <a:cs typeface="+mj-cs"/>
+              </a:rPr>
+              <a:t> </a:t>
+            </a:r>
+            <a:r>
+              <a:rPr kumimoji="0" lang="en-US" sz="7200" b="1" u="none" strike="noStrike" kern="1200" normalizeH="0" baseline="0" noProof="0" dirty="0" err="1">
                 <a:uLnTx/>
                 <a:uFillTx/>
-                <a:latin typeface="VNI-Times-Thin" pitchFamily="2" charset="0"/>
+                <a:latin typeface="VNI-Times" pitchFamily="2" charset="0"/>
                 <a:ea typeface="+mj-ea"/>
                 <a:cs typeface="+mj-cs"/>
               </a:rPr>
               <a:t>gia</a:t>
             </a:r>
             <a:r>
-              <a:rPr kumimoji="0" lang="en-US" sz="7200" b="1" i="0" u="none" strike="noStrike" kern="1200" normalizeH="0" baseline="0" noProof="0" dirty="0" smtClean="0">
+              <a:rPr kumimoji="0" lang="en-US" sz="7200" b="1" u="none" strike="noStrike" kern="1200" normalizeH="0" baseline="0" noProof="0" dirty="0">
                 <a:uLnTx/>
                 <a:uFillTx/>
-                <a:latin typeface="VNI-Times-Thin" pitchFamily="2" charset="0"/>
-                <a:ea typeface="+mj-ea"/>
-                <a:cs typeface="+mj-cs"/>
-              </a:rPr>
-              <a:t> </a:t>
-            </a:r>
-            <a:r>
-              <a:rPr kumimoji="0" lang="en-US" sz="7200" b="1" i="0" u="none" strike="noStrike" kern="1200" normalizeH="0" baseline="0" noProof="0" dirty="0" err="1" smtClean="0">
+                <a:latin typeface="VNI-Times" pitchFamily="2" charset="0"/>
+                <a:ea typeface="+mj-ea"/>
+                <a:cs typeface="+mj-cs"/>
+              </a:rPr>
+              <a:t> </a:t>
+            </a:r>
+            <a:r>
+              <a:rPr kumimoji="0" lang="en-US" sz="7200" b="1" u="none" strike="noStrike" kern="1200" normalizeH="0" baseline="0" noProof="0" dirty="0" err="1">
                 <a:uLnTx/>
                 <a:uFillTx/>
-                <a:latin typeface="VNI-Times-Thin" pitchFamily="2" charset="0"/>
+                <a:latin typeface="VNI-Times" pitchFamily="2" charset="0"/>
                 <a:ea typeface="+mj-ea"/>
                 <a:cs typeface="+mj-cs"/>
               </a:rPr>
               <a:t>ñình</a:t>
             </a:r>
             <a:r>
-              <a:rPr kumimoji="0" lang="en-US" sz="7200" b="1" i="0" u="none" strike="noStrike" kern="1200" normalizeH="0" baseline="0" noProof="0" dirty="0" smtClean="0">
+              <a:rPr kumimoji="0" lang="en-US" sz="7200" b="1" u="none" strike="noStrike" kern="1200" normalizeH="0" baseline="0" noProof="0" dirty="0">
                 <a:uLnTx/>
                 <a:uFillTx/>
-                <a:latin typeface="VNI-Times-Thin" pitchFamily="2" charset="0"/>
-                <a:ea typeface="+mj-ea"/>
-                <a:cs typeface="+mj-cs"/>
-              </a:rPr>
-              <a:t> </a:t>
-            </a:r>
-            <a:r>
-              <a:rPr kumimoji="0" lang="en-US" sz="7200" b="1" i="0" u="none" strike="noStrike" kern="1200" normalizeH="0" baseline="0" noProof="0" dirty="0" err="1" smtClean="0">
+                <a:latin typeface="VNI-Times" pitchFamily="2" charset="0"/>
+                <a:ea typeface="+mj-ea"/>
+                <a:cs typeface="+mj-cs"/>
+              </a:rPr>
+              <a:t> </a:t>
+            </a:r>
+            <a:r>
+              <a:rPr kumimoji="0" lang="en-US" sz="7200" b="1" u="none" strike="noStrike" kern="1200" normalizeH="0" baseline="0" noProof="0" dirty="0" err="1">
                 <a:uLnTx/>
                 <a:uFillTx/>
-                <a:latin typeface="VNI-Times-Thin" pitchFamily="2" charset="0"/>
+                <a:latin typeface="VNI-Times" pitchFamily="2" charset="0"/>
                 <a:ea typeface="+mj-ea"/>
                 <a:cs typeface="+mj-cs"/>
               </a:rPr>
               <a:t>haân</a:t>
             </a:r>
             <a:r>
-              <a:rPr kumimoji="0" lang="en-US" sz="7200" b="1" i="0" u="none" strike="noStrike" kern="1200" normalizeH="0" baseline="0" noProof="0" dirty="0" smtClean="0">
+              <a:rPr kumimoji="0" lang="en-US" sz="7200" b="1" u="none" strike="noStrike" kern="1200" normalizeH="0" baseline="0" noProof="0" dirty="0">
                 <a:uLnTx/>
                 <a:uFillTx/>
-                <a:latin typeface="VNI-Times-Thin" pitchFamily="2" charset="0"/>
-                <a:ea typeface="+mj-ea"/>
-                <a:cs typeface="+mj-cs"/>
-              </a:rPr>
-              <a:t> </a:t>
-            </a:r>
-            <a:r>
-              <a:rPr kumimoji="0" lang="en-US" sz="7200" b="1" i="0" u="none" strike="noStrike" kern="1200" normalizeH="0" baseline="0" noProof="0" dirty="0" err="1" smtClean="0">
+                <a:latin typeface="VNI-Times" pitchFamily="2" charset="0"/>
+                <a:ea typeface="+mj-ea"/>
+                <a:cs typeface="+mj-cs"/>
+              </a:rPr>
+              <a:t> </a:t>
+            </a:r>
+            <a:r>
+              <a:rPr kumimoji="0" lang="en-US" sz="7200" b="1" u="none" strike="noStrike" kern="1200" normalizeH="0" baseline="0" noProof="0" dirty="0" err="1">
                 <a:uLnTx/>
                 <a:uFillTx/>
-                <a:latin typeface="VNI-Times-Thin" pitchFamily="2" charset="0"/>
+                <a:latin typeface="VNI-Times" pitchFamily="2" charset="0"/>
                 <a:ea typeface="+mj-ea"/>
                 <a:cs typeface="+mj-cs"/>
               </a:rPr>
               <a:t>hoan</a:t>
             </a:r>
             <a:r>
-              <a:rPr kumimoji="0" lang="en-US" sz="7200" b="1" i="0" u="none" strike="noStrike" kern="1200" normalizeH="0" baseline="0" noProof="0" dirty="0" smtClean="0">
+              <a:rPr kumimoji="0" lang="en-US" sz="7200" b="1" u="none" strike="noStrike" kern="1200" normalizeH="0" baseline="0" noProof="0" dirty="0">
                 <a:uLnTx/>
                 <a:uFillTx/>
-                <a:latin typeface="VNI-Times-Thin" pitchFamily="2" charset="0"/>
-                <a:ea typeface="+mj-ea"/>
-                <a:cs typeface="+mj-cs"/>
-              </a:rPr>
-              <a:t> </a:t>
-            </a:r>
-            <a:r>
-              <a:rPr kumimoji="0" lang="en-US" sz="7200" b="1" i="0" u="none" strike="noStrike" kern="1200" normalizeH="0" baseline="0" noProof="0" dirty="0" err="1" smtClean="0">
+                <a:latin typeface="VNI-Times" pitchFamily="2" charset="0"/>
+                <a:ea typeface="+mj-ea"/>
+                <a:cs typeface="+mj-cs"/>
+              </a:rPr>
+              <a:t> </a:t>
+            </a:r>
+            <a:r>
+              <a:rPr kumimoji="0" lang="en-US" sz="7200" b="1" u="none" strike="noStrike" kern="1200" normalizeH="0" baseline="0" noProof="0" dirty="0" err="1">
                 <a:uLnTx/>
                 <a:uFillTx/>
-                <a:latin typeface="VNI-Times-Thin" pitchFamily="2" charset="0"/>
+                <a:latin typeface="VNI-Times" pitchFamily="2" charset="0"/>
                 <a:ea typeface="+mj-ea"/>
                 <a:cs typeface="+mj-cs"/>
               </a:rPr>
               <a:t>chôø</a:t>
             </a:r>
             <a:r>
-              <a:rPr kumimoji="0" lang="en-US" sz="7200" b="1" i="0" u="none" strike="noStrike" kern="1200" normalizeH="0" baseline="0" noProof="0" dirty="0" smtClean="0">
+              <a:rPr kumimoji="0" lang="en-US" sz="7200" b="1" u="none" strike="noStrike" kern="1200" normalizeH="0" baseline="0" noProof="0" dirty="0">
                 <a:uLnTx/>
                 <a:uFillTx/>
-                <a:latin typeface="VNI-Times-Thin" pitchFamily="2" charset="0"/>
-                <a:ea typeface="+mj-ea"/>
-                <a:cs typeface="+mj-cs"/>
-              </a:rPr>
-              <a:t> </a:t>
-            </a:r>
-            <a:r>
-              <a:rPr kumimoji="0" lang="en-US" sz="7200" b="1" i="0" u="none" strike="noStrike" kern="1200" normalizeH="0" baseline="0" noProof="0" dirty="0" err="1" smtClean="0">
+                <a:latin typeface="VNI-Times" pitchFamily="2" charset="0"/>
+                <a:ea typeface="+mj-ea"/>
+                <a:cs typeface="+mj-cs"/>
+              </a:rPr>
+              <a:t> </a:t>
+            </a:r>
+            <a:r>
+              <a:rPr kumimoji="0" lang="en-US" sz="7200" b="1" u="none" strike="noStrike" kern="1200" normalizeH="0" baseline="0" noProof="0" dirty="0" err="1">
                 <a:uLnTx/>
                 <a:uFillTx/>
-                <a:latin typeface="VNI-Times-Thin" pitchFamily="2" charset="0"/>
+                <a:latin typeface="VNI-Times" pitchFamily="2" charset="0"/>
                 <a:ea typeface="+mj-ea"/>
                 <a:cs typeface="+mj-cs"/>
               </a:rPr>
               <a:t>mong</a:t>
             </a:r>
             <a:r>
-              <a:rPr kumimoji="0" lang="en-US" sz="7200" b="1" i="0" u="none" strike="noStrike" kern="1200" normalizeH="0" baseline="0" noProof="0" dirty="0" smtClean="0">
+              <a:rPr kumimoji="0" lang="en-US" sz="7200" b="1" u="none" strike="noStrike" kern="1200" normalizeH="0" baseline="0" noProof="0" dirty="0">
                 <a:uLnTx/>
                 <a:uFillTx/>
-                <a:latin typeface="VNI-Times-Thin" pitchFamily="2" charset="0"/>
+                <a:latin typeface="VNI-Times" pitchFamily="2" charset="0"/>
                 <a:ea typeface="+mj-ea"/>
                 <a:cs typeface="+mj-cs"/>
               </a:rPr>
@@ -8841,13 +8376,6 @@
   <p:transition spd="slow">
     <p:randomBar dir="vert"/>
   </p:transition>
-  <p:timing>
-    <p:tnLst>
-      <p:par>
-        <p:cTn id="1" dur="indefinite" restart="never" nodeType="tmRoot"/>
-      </p:par>
-    </p:tnLst>
-  </p:timing>
 </p:sld>
 </file>
 
@@ -8897,224 +8425,224 @@
               </a:spcBef>
             </a:pPr>
             <a:r>
-              <a:rPr lang="en-US" sz="7200" b="1" dirty="0" err="1" smtClean="0">
-                <a:latin typeface="VNI-Times-Thin" pitchFamily="2" charset="0"/>
+              <a:rPr lang="en-US" sz="7200" b="1" dirty="0" err="1">
+                <a:latin typeface="VNI-Times" pitchFamily="2" charset="0"/>
                 <a:ea typeface="+mj-ea"/>
                 <a:cs typeface="+mj-cs"/>
               </a:rPr>
               <a:t>Haïnh</a:t>
             </a:r>
             <a:r>
-              <a:rPr lang="en-US" sz="7200" b="1" dirty="0" smtClean="0">
-                <a:latin typeface="VNI-Times-Thin" pitchFamily="2" charset="0"/>
-                <a:ea typeface="+mj-ea"/>
-                <a:cs typeface="+mj-cs"/>
-              </a:rPr>
-              <a:t> </a:t>
-            </a:r>
-            <a:r>
-              <a:rPr lang="en-US" sz="7200" b="1" dirty="0" err="1" smtClean="0">
-                <a:latin typeface="VNI-Times-Thin" pitchFamily="2" charset="0"/>
+              <a:rPr lang="en-US" sz="7200" b="1" dirty="0">
+                <a:latin typeface="VNI-Times" pitchFamily="2" charset="0"/>
+                <a:ea typeface="+mj-ea"/>
+                <a:cs typeface="+mj-cs"/>
+              </a:rPr>
+              <a:t> </a:t>
+            </a:r>
+            <a:r>
+              <a:rPr lang="en-US" sz="7200" b="1" dirty="0" err="1">
+                <a:latin typeface="VNI-Times" pitchFamily="2" charset="0"/>
                 <a:ea typeface="+mj-ea"/>
                 <a:cs typeface="+mj-cs"/>
               </a:rPr>
               <a:t>phuùc</a:t>
             </a:r>
             <a:r>
-              <a:rPr lang="en-US" sz="7200" b="1" dirty="0" smtClean="0">
-                <a:latin typeface="VNI-Times-Thin" pitchFamily="2" charset="0"/>
-                <a:ea typeface="+mj-ea"/>
-                <a:cs typeface="+mj-cs"/>
-              </a:rPr>
-              <a:t> </a:t>
-            </a:r>
-            <a:r>
-              <a:rPr lang="en-US" sz="7200" b="1" dirty="0" err="1" smtClean="0">
-                <a:latin typeface="VNI-Times-Thin" pitchFamily="2" charset="0"/>
+              <a:rPr lang="en-US" sz="7200" b="1" dirty="0">
+                <a:latin typeface="VNI-Times" pitchFamily="2" charset="0"/>
+                <a:ea typeface="+mj-ea"/>
+                <a:cs typeface="+mj-cs"/>
+              </a:rPr>
+              <a:t> </a:t>
+            </a:r>
+            <a:r>
+              <a:rPr lang="en-US" sz="7200" b="1" dirty="0" err="1">
+                <a:latin typeface="VNI-Times" pitchFamily="2" charset="0"/>
                 <a:ea typeface="+mj-ea"/>
                 <a:cs typeface="+mj-cs"/>
               </a:rPr>
               <a:t>thay</a:t>
             </a:r>
             <a:r>
-              <a:rPr lang="en-US" sz="7200" b="1" dirty="0" smtClean="0">
-                <a:latin typeface="VNI-Times-Thin" pitchFamily="2" charset="0"/>
-                <a:ea typeface="+mj-ea"/>
-                <a:cs typeface="+mj-cs"/>
-              </a:rPr>
-              <a:t> </a:t>
-            </a:r>
-            <a:r>
-              <a:rPr lang="en-US" sz="7200" b="1" dirty="0" err="1" smtClean="0">
-                <a:latin typeface="VNI-Times-Thin" pitchFamily="2" charset="0"/>
+              <a:rPr lang="en-US" sz="7200" b="1" dirty="0">
+                <a:latin typeface="VNI-Times" pitchFamily="2" charset="0"/>
+                <a:ea typeface="+mj-ea"/>
+                <a:cs typeface="+mj-cs"/>
+              </a:rPr>
+              <a:t> </a:t>
+            </a:r>
+            <a:r>
+              <a:rPr lang="en-US" sz="7200" b="1" dirty="0" err="1">
+                <a:latin typeface="VNI-Times" pitchFamily="2" charset="0"/>
                 <a:ea typeface="+mj-ea"/>
                 <a:cs typeface="+mj-cs"/>
               </a:rPr>
               <a:t>cho</a:t>
             </a:r>
             <a:r>
-              <a:rPr lang="en-US" sz="7200" b="1" dirty="0" smtClean="0">
-                <a:latin typeface="VNI-Times-Thin" pitchFamily="2" charset="0"/>
+              <a:rPr lang="en-US" sz="7200" b="1" dirty="0">
+                <a:latin typeface="VNI-Times" pitchFamily="2" charset="0"/>
                 <a:ea typeface="+mj-ea"/>
                 <a:cs typeface="+mj-cs"/>
               </a:rPr>
               <a:t> </a:t>
             </a:r>
             <a:br>
-              <a:rPr lang="en-US" sz="7200" b="1" dirty="0" smtClean="0">
-                <a:latin typeface="VNI-Times-Thin" pitchFamily="2" charset="0"/>
+              <a:rPr lang="en-US" sz="7200" b="1" dirty="0">
+                <a:latin typeface="VNI-Times" pitchFamily="2" charset="0"/>
                 <a:ea typeface="+mj-ea"/>
                 <a:cs typeface="+mj-cs"/>
               </a:rPr>
             </a:br>
             <a:r>
-              <a:rPr lang="en-US" sz="7200" b="1" dirty="0" err="1" smtClean="0">
-                <a:latin typeface="VNI-Times-Thin" pitchFamily="2" charset="0"/>
+              <a:rPr lang="en-US" sz="7200" b="1" dirty="0" err="1">
+                <a:latin typeface="VNI-Times" pitchFamily="2" charset="0"/>
                 <a:ea typeface="+mj-ea"/>
                 <a:cs typeface="+mj-cs"/>
               </a:rPr>
               <a:t>ngöôøi</a:t>
             </a:r>
             <a:r>
-              <a:rPr lang="en-US" sz="7200" b="1" dirty="0" smtClean="0">
-                <a:latin typeface="VNI-Times-Thin" pitchFamily="2" charset="0"/>
-                <a:ea typeface="+mj-ea"/>
-                <a:cs typeface="+mj-cs"/>
-              </a:rPr>
-              <a:t> </a:t>
-            </a:r>
-            <a:r>
-              <a:rPr lang="en-US" sz="7200" b="1" dirty="0" err="1" smtClean="0">
-                <a:latin typeface="VNI-Times-Thin" pitchFamily="2" charset="0"/>
+              <a:rPr lang="en-US" sz="7200" b="1" dirty="0">
+                <a:latin typeface="VNI-Times" pitchFamily="2" charset="0"/>
+                <a:ea typeface="+mj-ea"/>
+                <a:cs typeface="+mj-cs"/>
+              </a:rPr>
+              <a:t> </a:t>
+            </a:r>
+            <a:r>
+              <a:rPr lang="en-US" sz="7200" b="1" dirty="0" err="1">
+                <a:latin typeface="VNI-Times" pitchFamily="2" charset="0"/>
                 <a:ea typeface="+mj-ea"/>
                 <a:cs typeface="+mj-cs"/>
               </a:rPr>
               <a:t>ñoùn</a:t>
             </a:r>
             <a:r>
-              <a:rPr lang="en-US" sz="7200" b="1" dirty="0" smtClean="0">
-                <a:latin typeface="VNI-Times-Thin" pitchFamily="2" charset="0"/>
-                <a:ea typeface="+mj-ea"/>
-                <a:cs typeface="+mj-cs"/>
-              </a:rPr>
-              <a:t> </a:t>
-            </a:r>
-            <a:r>
-              <a:rPr lang="en-US" sz="7200" b="1" dirty="0" err="1" smtClean="0">
-                <a:latin typeface="VNI-Times-Thin" pitchFamily="2" charset="0"/>
+              <a:rPr lang="en-US" sz="7200" b="1" dirty="0">
+                <a:latin typeface="VNI-Times" pitchFamily="2" charset="0"/>
+                <a:ea typeface="+mj-ea"/>
+                <a:cs typeface="+mj-cs"/>
+              </a:rPr>
+              <a:t> </a:t>
+            </a:r>
+            <a:r>
+              <a:rPr lang="en-US" sz="7200" b="1" dirty="0" err="1">
+                <a:latin typeface="VNI-Times" pitchFamily="2" charset="0"/>
                 <a:ea typeface="+mj-ea"/>
                 <a:cs typeface="+mj-cs"/>
               </a:rPr>
               <a:t>Chuùa</a:t>
             </a:r>
             <a:r>
-              <a:rPr lang="en-US" sz="7200" b="1" dirty="0" smtClean="0">
-                <a:latin typeface="VNI-Times-Thin" pitchFamily="2" charset="0"/>
-                <a:ea typeface="+mj-ea"/>
-                <a:cs typeface="+mj-cs"/>
-              </a:rPr>
-              <a:t> </a:t>
-            </a:r>
-            <a:r>
-              <a:rPr lang="en-US" sz="7200" b="1" dirty="0" err="1" smtClean="0">
-                <a:latin typeface="VNI-Times-Thin" pitchFamily="2" charset="0"/>
+              <a:rPr lang="en-US" sz="7200" b="1" dirty="0">
+                <a:latin typeface="VNI-Times" pitchFamily="2" charset="0"/>
+                <a:ea typeface="+mj-ea"/>
+                <a:cs typeface="+mj-cs"/>
+              </a:rPr>
+              <a:t> </a:t>
+            </a:r>
+            <a:r>
+              <a:rPr lang="en-US" sz="7200" b="1" dirty="0" err="1">
+                <a:latin typeface="VNI-Times" pitchFamily="2" charset="0"/>
                 <a:ea typeface="+mj-ea"/>
                 <a:cs typeface="+mj-cs"/>
               </a:rPr>
               <a:t>voâ</a:t>
             </a:r>
             <a:r>
-              <a:rPr lang="en-US" sz="7200" b="1" dirty="0" smtClean="0">
-                <a:latin typeface="VNI-Times-Thin" pitchFamily="2" charset="0"/>
-                <a:ea typeface="+mj-ea"/>
-                <a:cs typeface="+mj-cs"/>
-              </a:rPr>
-              <a:t> </a:t>
-            </a:r>
-            <a:r>
-              <a:rPr lang="en-US" sz="7200" b="1" dirty="0" err="1" smtClean="0">
-                <a:latin typeface="VNI-Times-Thin" pitchFamily="2" charset="0"/>
+              <a:rPr lang="en-US" sz="7200" b="1" dirty="0">
+                <a:latin typeface="VNI-Times" pitchFamily="2" charset="0"/>
+                <a:ea typeface="+mj-ea"/>
+                <a:cs typeface="+mj-cs"/>
+              </a:rPr>
+              <a:t> </a:t>
+            </a:r>
+            <a:r>
+              <a:rPr lang="en-US" sz="7200" b="1" dirty="0" err="1">
+                <a:latin typeface="VNI-Times" pitchFamily="2" charset="0"/>
                 <a:ea typeface="+mj-ea"/>
                 <a:cs typeface="+mj-cs"/>
               </a:rPr>
               <a:t>loøng</a:t>
             </a:r>
             <a:r>
-              <a:rPr lang="en-US" sz="7200" b="1" dirty="0" smtClean="0">
-                <a:latin typeface="VNI-Times-Thin" pitchFamily="2" charset="0"/>
-                <a:ea typeface="+mj-ea"/>
-                <a:cs typeface="+mj-cs"/>
-              </a:rPr>
-              <a:t> </a:t>
-            </a:r>
-            <a:r>
-              <a:rPr lang="en-US" sz="7200" b="1" dirty="0" err="1" smtClean="0">
-                <a:latin typeface="VNI-Times-Thin" pitchFamily="2" charset="0"/>
+              <a:rPr lang="en-US" sz="7200" b="1" dirty="0">
+                <a:latin typeface="VNI-Times" pitchFamily="2" charset="0"/>
+                <a:ea typeface="+mj-ea"/>
+                <a:cs typeface="+mj-cs"/>
+              </a:rPr>
+              <a:t> </a:t>
+            </a:r>
+            <a:r>
+              <a:rPr lang="en-US" sz="7200" b="1" dirty="0" err="1">
+                <a:latin typeface="VNI-Times" pitchFamily="2" charset="0"/>
                 <a:ea typeface="+mj-ea"/>
                 <a:cs typeface="+mj-cs"/>
               </a:rPr>
               <a:t>khieâm</a:t>
             </a:r>
             <a:r>
-              <a:rPr lang="en-US" sz="7200" b="1" dirty="0" smtClean="0">
-                <a:latin typeface="VNI-Times-Thin" pitchFamily="2" charset="0"/>
-                <a:ea typeface="+mj-ea"/>
-                <a:cs typeface="+mj-cs"/>
-              </a:rPr>
-              <a:t> </a:t>
-            </a:r>
-            <a:r>
-              <a:rPr lang="en-US" sz="7200" b="1" dirty="0" err="1" smtClean="0">
-                <a:latin typeface="VNI-Times-Thin" pitchFamily="2" charset="0"/>
+              <a:rPr lang="en-US" sz="7200" b="1" dirty="0">
+                <a:latin typeface="VNI-Times" pitchFamily="2" charset="0"/>
+                <a:ea typeface="+mj-ea"/>
+                <a:cs typeface="+mj-cs"/>
+              </a:rPr>
+              <a:t> </a:t>
+            </a:r>
+            <a:r>
+              <a:rPr lang="en-US" sz="7200" b="1" dirty="0" err="1">
+                <a:latin typeface="VNI-Times" pitchFamily="2" charset="0"/>
                 <a:ea typeface="+mj-ea"/>
                 <a:cs typeface="+mj-cs"/>
               </a:rPr>
               <a:t>cung</a:t>
             </a:r>
             <a:r>
-              <a:rPr lang="en-US" sz="7200" b="1" dirty="0" smtClean="0">
-                <a:latin typeface="VNI-Times-Thin" pitchFamily="2" charset="0"/>
-                <a:ea typeface="+mj-ea"/>
-                <a:cs typeface="+mj-cs"/>
-              </a:rPr>
-              <a:t> </a:t>
-            </a:r>
-            <a:r>
-              <a:rPr lang="en-US" sz="7200" b="1" dirty="0" err="1" smtClean="0">
-                <a:latin typeface="VNI-Times-Thin" pitchFamily="2" charset="0"/>
+              <a:rPr lang="en-US" sz="7200" b="1" dirty="0">
+                <a:latin typeface="VNI-Times" pitchFamily="2" charset="0"/>
+                <a:ea typeface="+mj-ea"/>
+                <a:cs typeface="+mj-cs"/>
+              </a:rPr>
+              <a:t> </a:t>
+            </a:r>
+            <a:r>
+              <a:rPr lang="en-US" sz="7200" b="1" dirty="0" err="1">
+                <a:latin typeface="VNI-Times" pitchFamily="2" charset="0"/>
                 <a:ea typeface="+mj-ea"/>
                 <a:cs typeface="+mj-cs"/>
               </a:rPr>
               <a:t>thaønh</a:t>
             </a:r>
             <a:r>
-              <a:rPr lang="en-US" sz="7200" b="1" dirty="0" smtClean="0">
-                <a:latin typeface="VNI-Times-Thin" pitchFamily="2" charset="0"/>
-                <a:ea typeface="+mj-ea"/>
-                <a:cs typeface="+mj-cs"/>
-              </a:rPr>
-              <a:t> </a:t>
-            </a:r>
-            <a:r>
-              <a:rPr lang="en-US" sz="7200" b="1" dirty="0" err="1" smtClean="0">
-                <a:latin typeface="VNI-Times-Thin" pitchFamily="2" charset="0"/>
+              <a:rPr lang="en-US" sz="7200" b="1" dirty="0">
+                <a:latin typeface="VNI-Times" pitchFamily="2" charset="0"/>
+                <a:ea typeface="+mj-ea"/>
+                <a:cs typeface="+mj-cs"/>
+              </a:rPr>
+              <a:t> </a:t>
+            </a:r>
+            <a:r>
+              <a:rPr lang="en-US" sz="7200" b="1" dirty="0" err="1">
+                <a:latin typeface="VNI-Times" pitchFamily="2" charset="0"/>
                 <a:ea typeface="+mj-ea"/>
                 <a:cs typeface="+mj-cs"/>
               </a:rPr>
               <a:t>taâm</a:t>
             </a:r>
             <a:r>
-              <a:rPr lang="en-US" sz="7200" b="1" dirty="0" smtClean="0">
-                <a:latin typeface="VNI-Times-Thin" pitchFamily="2" charset="0"/>
+              <a:rPr lang="en-US" sz="7200" b="1" dirty="0">
+                <a:latin typeface="VNI-Times" pitchFamily="2" charset="0"/>
                 <a:ea typeface="+mj-ea"/>
                 <a:cs typeface="+mj-cs"/>
               </a:rPr>
               <a:t>. </a:t>
             </a:r>
-            <a:endParaRPr kumimoji="0" lang="en-US" sz="7200" b="1" i="0" u="none" strike="noStrike" kern="1200" normalizeH="0" baseline="0" noProof="0" dirty="0" smtClean="0">
+            <a:endParaRPr kumimoji="0" lang="en-US" sz="7200" b="1" u="none" strike="noStrike" kern="1200" normalizeH="0" baseline="0" noProof="0" dirty="0">
               <a:uLnTx/>
               <a:uFillTx/>
-              <a:latin typeface="VNI-Times-Thin" pitchFamily="2" charset="0"/>
+              <a:latin typeface="VNI-Times" pitchFamily="2" charset="0"/>
               <a:ea typeface="+mj-ea"/>
               <a:cs typeface="+mj-cs"/>
             </a:endParaRPr>
@@ -9145,7 +8673,7 @@
           <a:p>
             <a:pPr algn="ctr"/>
             <a:r>
-              <a:rPr lang="en-US" sz="3200" smtClean="0">
+              <a:rPr lang="en-US" sz="3200" b="1" dirty="0">
                 <a:ln w="18415" cmpd="sng">
                   <a:solidFill>
                     <a:srgbClr val="FFFFFF"/>
@@ -9165,57 +8693,10 @@
                     </a:srgbClr>
                   </a:outerShdw>
                 </a:effectLst>
-                <a:latin typeface="VNI-Cooper" pitchFamily="2" charset="0"/>
-              </a:rPr>
-              <a:t>MOÙN </a:t>
-            </a:r>
-            <a:r>
-              <a:rPr lang="en-US" sz="3200" dirty="0" smtClean="0">
-                <a:ln w="18415" cmpd="sng">
-                  <a:solidFill>
-                    <a:srgbClr val="FFFFFF"/>
-                  </a:solidFill>
-                  <a:prstDash val="solid"/>
-                </a:ln>
-                <a:solidFill>
-                  <a:srgbClr val="C00000"/>
-                </a:solidFill>
-                <a:effectLst>
-                  <a:glow rad="139700">
-                    <a:srgbClr val="FFFFFF"/>
-                  </a:glow>
-                  <a:outerShdw blurRad="63500" dir="3600000" algn="tl" rotWithShape="0">
-                    <a:srgbClr val="000000">
-                      <a:alpha val="70000"/>
-                    </a:srgbClr>
-                  </a:outerShdw>
-                </a:effectLst>
-                <a:latin typeface="VNI-Cooper" pitchFamily="2" charset="0"/>
-              </a:rPr>
-              <a:t>QUAØ VOÂ GIAÙ</a:t>
-            </a:r>
-            <a:endParaRPr lang="en-US" sz="3200" dirty="0">
-              <a:ln w="18415" cmpd="sng">
-                <a:solidFill>
-                  <a:srgbClr val="FFFFFF"/>
-                </a:solidFill>
-                <a:prstDash val="solid"/>
-              </a:ln>
-              <a:solidFill>
-                <a:srgbClr val="C00000"/>
-              </a:solidFill>
-              <a:effectLst>
-                <a:glow rad="139700">
-                  <a:srgbClr val="FFFFFF"/>
-                </a:glow>
-                <a:outerShdw blurRad="63500" dir="3600000" algn="tl" rotWithShape="0">
-                  <a:srgbClr val="000000">
-                    <a:alpha val="70000"/>
-                  </a:srgbClr>
-                </a:outerShdw>
-              </a:effectLst>
-              <a:latin typeface="VNI-Cooper" pitchFamily="2" charset="0"/>
-            </a:endParaRPr>
+                <a:latin typeface="VNI-Times" pitchFamily="2" charset="0"/>
+              </a:rPr>
+              <a:t>MOÙN QUAØ VOÂ GIAÙ</a:t>
+            </a:r>
           </a:p>
         </p:txBody>
       </p:sp>
@@ -9224,13 +8705,6 @@
   <p:clrMapOvr>
     <a:masterClrMapping/>
   </p:clrMapOvr>
-  <p:timing>
-    <p:tnLst>
-      <p:par>
-        <p:cTn id="1" dur="indefinite" restart="never" nodeType="tmRoot"/>
-      </p:par>
-    </p:tnLst>
-  </p:timing>
 </p:sld>
 </file>
 
@@ -9280,200 +8754,224 @@
               </a:spcBef>
             </a:pPr>
             <a:r>
-              <a:rPr lang="en-US" sz="4400" i="1" u="sng" dirty="0" smtClean="0">
-                <a:latin typeface="VNI-Times-Thin" pitchFamily="2" charset="0"/>
+              <a:rPr lang="en-US" sz="4400" b="1" u="sng" dirty="0">
+                <a:latin typeface="VNI-Times" pitchFamily="2" charset="0"/>
                 <a:ea typeface="+mj-ea"/>
                 <a:cs typeface="+mj-cs"/>
               </a:rPr>
               <a:t>ÑK:</a:t>
             </a:r>
             <a:r>
-              <a:rPr lang="en-US" sz="6600" i="1" dirty="0" smtClean="0">
-                <a:latin typeface="VNI-Times-Thin" pitchFamily="2" charset="0"/>
+              <a:rPr lang="en-US" sz="6600" b="1" dirty="0">
+                <a:latin typeface="VNI-Times" pitchFamily="2" charset="0"/>
                 <a:ea typeface="+mj-ea"/>
                 <a:cs typeface="+mj-cs"/>
               </a:rPr>
               <a:t>  </a:t>
             </a:r>
             <a:r>
-              <a:rPr lang="en-US" sz="7200" b="1" dirty="0" err="1" smtClean="0">
-                <a:latin typeface="VNI-Times-Thin" pitchFamily="2" charset="0"/>
+              <a:rPr lang="en-US" sz="7200" b="1" dirty="0" err="1">
+                <a:latin typeface="VNI-Times" pitchFamily="2" charset="0"/>
                 <a:ea typeface="+mj-ea"/>
                 <a:cs typeface="+mj-cs"/>
               </a:rPr>
               <a:t>Ôn</a:t>
             </a:r>
             <a:r>
-              <a:rPr lang="en-US" sz="7200" b="1" dirty="0" smtClean="0">
-                <a:latin typeface="VNI-Times-Thin" pitchFamily="2" charset="0"/>
-                <a:ea typeface="+mj-ea"/>
-                <a:cs typeface="+mj-cs"/>
-              </a:rPr>
-              <a:t> </a:t>
-            </a:r>
-            <a:r>
-              <a:rPr lang="en-US" sz="7200" b="1" dirty="0" err="1" smtClean="0">
-                <a:latin typeface="VNI-Times-Thin" pitchFamily="2" charset="0"/>
+              <a:rPr lang="en-US" sz="7200" b="1" dirty="0">
+                <a:latin typeface="VNI-Times" pitchFamily="2" charset="0"/>
+                <a:ea typeface="+mj-ea"/>
+                <a:cs typeface="+mj-cs"/>
+              </a:rPr>
+              <a:t> </a:t>
+            </a:r>
+            <a:r>
+              <a:rPr lang="en-US" sz="7200" b="1" dirty="0" err="1">
+                <a:latin typeface="VNI-Times" pitchFamily="2" charset="0"/>
                 <a:ea typeface="+mj-ea"/>
                 <a:cs typeface="+mj-cs"/>
               </a:rPr>
               <a:t>phöôùc</a:t>
             </a:r>
             <a:r>
-              <a:rPr lang="en-US" sz="7200" b="1" dirty="0" smtClean="0">
-                <a:latin typeface="VNI-Times-Thin" pitchFamily="2" charset="0"/>
-                <a:ea typeface="+mj-ea"/>
-                <a:cs typeface="+mj-cs"/>
-              </a:rPr>
-              <a:t> </a:t>
-            </a:r>
-            <a:r>
-              <a:rPr lang="en-US" sz="7200" b="1" err="1" smtClean="0">
-                <a:latin typeface="VNI-Times-Thin" pitchFamily="2" charset="0"/>
+              <a:rPr lang="en-US" sz="7200" b="1" dirty="0">
+                <a:latin typeface="VNI-Times" pitchFamily="2" charset="0"/>
+                <a:ea typeface="+mj-ea"/>
+                <a:cs typeface="+mj-cs"/>
+              </a:rPr>
+              <a:t> </a:t>
+            </a:r>
+            <a:r>
+              <a:rPr lang="en-US" sz="7200" b="1" dirty="0" err="1">
+                <a:latin typeface="VNI-Times" pitchFamily="2" charset="0"/>
                 <a:ea typeface="+mj-ea"/>
                 <a:cs typeface="+mj-cs"/>
               </a:rPr>
               <a:t>lôùn</a:t>
             </a:r>
             <a:r>
-              <a:rPr lang="en-US" sz="7200" b="1" smtClean="0">
-                <a:latin typeface="VNI-Times-Thin" pitchFamily="2" charset="0"/>
-                <a:ea typeface="+mj-ea"/>
-                <a:cs typeface="+mj-cs"/>
-              </a:rPr>
-              <a:t> </a:t>
-            </a:r>
-            <a:r>
-              <a:rPr lang="en-US" sz="7200" b="1" smtClean="0">
-                <a:latin typeface="VNI-Times-Thin" pitchFamily="2" charset="0"/>
-                <a:ea typeface="+mj-ea"/>
-                <a:cs typeface="+mj-cs"/>
-              </a:rPr>
-              <a:t>nôi </a:t>
-            </a:r>
-            <a:r>
-              <a:rPr lang="en-US" sz="7200" b="1" dirty="0" err="1" smtClean="0">
-                <a:latin typeface="VNI-Times-Thin" pitchFamily="2" charset="0"/>
+              <a:rPr lang="en-US" sz="7200" b="1" dirty="0">
+                <a:latin typeface="VNI-Times" pitchFamily="2" charset="0"/>
+                <a:ea typeface="+mj-ea"/>
+                <a:cs typeface="+mj-cs"/>
+              </a:rPr>
+              <a:t> </a:t>
+            </a:r>
+            <a:r>
+              <a:rPr lang="en-US" sz="7200" b="1" dirty="0" err="1">
+                <a:latin typeface="VNI-Times" pitchFamily="2" charset="0"/>
+                <a:ea typeface="+mj-ea"/>
+                <a:cs typeface="+mj-cs"/>
+              </a:rPr>
+              <a:t>nôi</a:t>
+            </a:r>
+            <a:r>
+              <a:rPr lang="en-US" sz="7200" b="1" dirty="0">
+                <a:latin typeface="VNI-Times" pitchFamily="2" charset="0"/>
+                <a:ea typeface="+mj-ea"/>
+                <a:cs typeface="+mj-cs"/>
+              </a:rPr>
+              <a:t> </a:t>
+            </a:r>
+            <a:r>
+              <a:rPr lang="en-US" sz="7200" b="1" dirty="0" err="1">
+                <a:latin typeface="VNI-Times" pitchFamily="2" charset="0"/>
                 <a:ea typeface="+mj-ea"/>
                 <a:cs typeface="+mj-cs"/>
               </a:rPr>
               <a:t>Thöôïng</a:t>
             </a:r>
             <a:r>
-              <a:rPr lang="en-US" sz="7200" b="1" dirty="0" smtClean="0">
-                <a:latin typeface="VNI-Times-Thin" pitchFamily="2" charset="0"/>
-                <a:ea typeface="+mj-ea"/>
-                <a:cs typeface="+mj-cs"/>
-              </a:rPr>
-              <a:t> </a:t>
-            </a:r>
-            <a:r>
-              <a:rPr lang="en-US" sz="7200" b="1" dirty="0" err="1" smtClean="0">
-                <a:latin typeface="VNI-Times-Thin" pitchFamily="2" charset="0"/>
+              <a:rPr lang="en-US" sz="7200" b="1" dirty="0">
+                <a:latin typeface="VNI-Times" pitchFamily="2" charset="0"/>
+                <a:ea typeface="+mj-ea"/>
+                <a:cs typeface="+mj-cs"/>
+              </a:rPr>
+              <a:t> </a:t>
+            </a:r>
+            <a:r>
+              <a:rPr lang="en-US" sz="7200" b="1" dirty="0" err="1">
+                <a:latin typeface="VNI-Times" pitchFamily="2" charset="0"/>
                 <a:ea typeface="+mj-ea"/>
                 <a:cs typeface="+mj-cs"/>
               </a:rPr>
               <a:t>Ñeá</a:t>
             </a:r>
             <a:r>
-              <a:rPr lang="en-US" sz="7200" b="1" dirty="0" smtClean="0">
-                <a:latin typeface="VNI-Times-Thin" pitchFamily="2" charset="0"/>
+              <a:rPr lang="en-US" sz="7200" b="1" dirty="0">
+                <a:latin typeface="VNI-Times" pitchFamily="2" charset="0"/>
                 <a:ea typeface="+mj-ea"/>
                 <a:cs typeface="+mj-cs"/>
               </a:rPr>
               <a:t> ban </a:t>
             </a:r>
             <a:r>
-              <a:rPr lang="en-US" sz="7200" b="1" err="1" smtClean="0">
-                <a:latin typeface="VNI-Times-Thin" pitchFamily="2" charset="0"/>
+              <a:rPr lang="en-US" sz="7200" b="1" dirty="0" err="1">
+                <a:latin typeface="VNI-Times" pitchFamily="2" charset="0"/>
                 <a:ea typeface="+mj-ea"/>
                 <a:cs typeface="+mj-cs"/>
               </a:rPr>
               <a:t>cho</a:t>
             </a:r>
             <a:r>
-              <a:rPr lang="en-US" sz="7200" b="1" smtClean="0">
-                <a:latin typeface="VNI-Times-Thin" pitchFamily="2" charset="0"/>
-                <a:ea typeface="+mj-ea"/>
-                <a:cs typeface="+mj-cs"/>
-              </a:rPr>
-              <a:t> </a:t>
-            </a:r>
-            <a:r>
-              <a:rPr lang="en-US" sz="7200" b="1" smtClean="0">
-                <a:latin typeface="VNI-Times-Thin" pitchFamily="2" charset="0"/>
-                <a:ea typeface="+mj-ea"/>
-                <a:cs typeface="+mj-cs"/>
-              </a:rPr>
-              <a:t>ngöôøi </a:t>
-            </a:r>
-            <a:r>
-              <a:rPr lang="en-US" sz="7200" b="1" dirty="0" smtClean="0">
-                <a:latin typeface="VNI-Times-Thin" pitchFamily="2" charset="0"/>
-                <a:ea typeface="+mj-ea"/>
-                <a:cs typeface="+mj-cs"/>
-              </a:rPr>
-              <a:t/>
+              <a:rPr lang="en-US" sz="7200" b="1" dirty="0">
+                <a:latin typeface="VNI-Times" pitchFamily="2" charset="0"/>
+                <a:ea typeface="+mj-ea"/>
+                <a:cs typeface="+mj-cs"/>
+              </a:rPr>
+              <a:t> </a:t>
+            </a:r>
+            <a:r>
+              <a:rPr lang="en-US" sz="7200" b="1" dirty="0" err="1">
+                <a:latin typeface="VNI-Times" pitchFamily="2" charset="0"/>
+                <a:ea typeface="+mj-ea"/>
+                <a:cs typeface="+mj-cs"/>
+              </a:rPr>
+              <a:t>ngöôøi</a:t>
+            </a:r>
+            <a:r>
+              <a:rPr lang="en-US" sz="7200" b="1" dirty="0">
+                <a:latin typeface="VNI-Times" pitchFamily="2" charset="0"/>
+                <a:ea typeface="+mj-ea"/>
+                <a:cs typeface="+mj-cs"/>
+              </a:rPr>
+              <a:t> </a:t>
             </a:r>
             <a:br>
-              <a:rPr lang="en-US" sz="7200" b="1" dirty="0" smtClean="0">
-                <a:latin typeface="VNI-Times-Thin" pitchFamily="2" charset="0"/>
+              <a:rPr lang="en-US" sz="7200" b="1" dirty="0">
+                <a:latin typeface="VNI-Times" pitchFamily="2" charset="0"/>
                 <a:ea typeface="+mj-ea"/>
                 <a:cs typeface="+mj-cs"/>
               </a:rPr>
             </a:br>
             <a:r>
-              <a:rPr lang="en-US" sz="7200" b="1" dirty="0" err="1" smtClean="0">
-                <a:latin typeface="VNI-Times-Thin" pitchFamily="2" charset="0"/>
+              <a:rPr lang="en-US" sz="7200" b="1" dirty="0" err="1">
+                <a:latin typeface="VNI-Times" pitchFamily="2" charset="0"/>
                 <a:ea typeface="+mj-ea"/>
                 <a:cs typeface="+mj-cs"/>
               </a:rPr>
               <a:t>laø</a:t>
             </a:r>
             <a:r>
-              <a:rPr lang="en-US" sz="7200" b="1" dirty="0" smtClean="0">
-                <a:latin typeface="VNI-Times-Thin" pitchFamily="2" charset="0"/>
-                <a:ea typeface="+mj-ea"/>
-                <a:cs typeface="+mj-cs"/>
-              </a:rPr>
-              <a:t> </a:t>
-            </a:r>
-            <a:r>
-              <a:rPr lang="en-US" sz="7200" b="1" dirty="0" err="1" smtClean="0">
-                <a:latin typeface="VNI-Times-Thin" pitchFamily="2" charset="0"/>
+              <a:rPr lang="en-US" sz="7200" b="1" dirty="0">
+                <a:latin typeface="VNI-Times" pitchFamily="2" charset="0"/>
+                <a:ea typeface="+mj-ea"/>
+                <a:cs typeface="+mj-cs"/>
+              </a:rPr>
+              <a:t> </a:t>
+            </a:r>
+            <a:r>
+              <a:rPr lang="en-US" sz="7200" b="1" dirty="0" err="1">
+                <a:latin typeface="VNI-Times" pitchFamily="2" charset="0"/>
                 <a:ea typeface="+mj-ea"/>
                 <a:cs typeface="+mj-cs"/>
               </a:rPr>
               <a:t>chính</a:t>
             </a:r>
             <a:r>
-              <a:rPr lang="en-US" sz="7200" b="1" dirty="0" smtClean="0">
-                <a:latin typeface="VNI-Times-Thin" pitchFamily="2" charset="0"/>
-                <a:ea typeface="+mj-ea"/>
-                <a:cs typeface="+mj-cs"/>
-              </a:rPr>
-              <a:t> </a:t>
-            </a:r>
-            <a:r>
-              <a:rPr lang="en-US" sz="7200" b="1" err="1" smtClean="0">
-                <a:latin typeface="VNI-Times-Thin" pitchFamily="2" charset="0"/>
+              <a:rPr lang="en-US" sz="7200" b="1" dirty="0">
+                <a:latin typeface="VNI-Times" pitchFamily="2" charset="0"/>
+                <a:ea typeface="+mj-ea"/>
+                <a:cs typeface="+mj-cs"/>
+              </a:rPr>
+              <a:t> </a:t>
+            </a:r>
+            <a:r>
+              <a:rPr lang="en-US" sz="7200" b="1" dirty="0" err="1">
+                <a:latin typeface="VNI-Times" pitchFamily="2" charset="0"/>
                 <a:ea typeface="+mj-ea"/>
                 <a:cs typeface="+mj-cs"/>
               </a:rPr>
               <a:t>Chuùa</a:t>
             </a:r>
             <a:r>
-              <a:rPr lang="en-US" sz="7200" b="1" smtClean="0">
-                <a:latin typeface="VNI-Times-Thin" pitchFamily="2" charset="0"/>
-                <a:ea typeface="+mj-ea"/>
-                <a:cs typeface="+mj-cs"/>
-              </a:rPr>
-              <a:t> Jeâsus.</a:t>
-            </a:r>
-            <a:endParaRPr kumimoji="0" lang="en-US" sz="7200" b="1" i="0" u="none" strike="noStrike" kern="1200" normalizeH="0" baseline="0" noProof="0" dirty="0" smtClean="0">
+              <a:rPr lang="en-US" sz="7200" b="1" dirty="0">
+                <a:latin typeface="VNI-Times" pitchFamily="2" charset="0"/>
+                <a:ea typeface="+mj-ea"/>
+                <a:cs typeface="+mj-cs"/>
+              </a:rPr>
+              <a:t> </a:t>
+            </a:r>
+            <a:r>
+              <a:rPr lang="en-US" sz="7200" b="1" dirty="0" err="1">
+                <a:latin typeface="VNI-Times" pitchFamily="2" charset="0"/>
+                <a:ea typeface="+mj-ea"/>
+                <a:cs typeface="+mj-cs"/>
+              </a:rPr>
+              <a:t>Jeâsus</a:t>
+            </a:r>
+            <a:r>
+              <a:rPr lang="en-US" sz="7200" b="1" dirty="0">
+                <a:latin typeface="VNI-Times" pitchFamily="2" charset="0"/>
+                <a:ea typeface="+mj-ea"/>
+                <a:cs typeface="+mj-cs"/>
+              </a:rPr>
+              <a:t>.</a:t>
+            </a:r>
+            <a:endParaRPr kumimoji="0" lang="en-US" sz="7200" b="1" u="none" strike="noStrike" kern="1200" normalizeH="0" baseline="0" noProof="0" dirty="0">
               <a:uLnTx/>
               <a:uFillTx/>
-              <a:latin typeface="VNI-Times-Thin" pitchFamily="2" charset="0"/>
+              <a:latin typeface="VNI-Times" pitchFamily="2" charset="0"/>
               <a:ea typeface="+mj-ea"/>
               <a:cs typeface="+mj-cs"/>
             </a:endParaRPr>
@@ -9504,7 +9002,7 @@
           <a:p>
             <a:pPr algn="ctr"/>
             <a:r>
-              <a:rPr lang="en-US" sz="3200" smtClean="0">
+              <a:rPr lang="en-US" sz="3200" b="1" dirty="0">
                 <a:ln w="18415" cmpd="sng">
                   <a:solidFill>
                     <a:srgbClr val="FFFFFF"/>
@@ -9524,57 +9022,10 @@
                     </a:srgbClr>
                   </a:outerShdw>
                 </a:effectLst>
-                <a:latin typeface="VNI-Cooper" pitchFamily="2" charset="0"/>
-              </a:rPr>
-              <a:t>MOÙN </a:t>
-            </a:r>
-            <a:r>
-              <a:rPr lang="en-US" sz="3200" dirty="0" smtClean="0">
-                <a:ln w="18415" cmpd="sng">
-                  <a:solidFill>
-                    <a:srgbClr val="FFFFFF"/>
-                  </a:solidFill>
-                  <a:prstDash val="solid"/>
-                </a:ln>
-                <a:solidFill>
-                  <a:srgbClr val="C00000"/>
-                </a:solidFill>
-                <a:effectLst>
-                  <a:glow rad="139700">
-                    <a:srgbClr val="FFFFFF"/>
-                  </a:glow>
-                  <a:outerShdw blurRad="63500" dir="3600000" algn="tl" rotWithShape="0">
-                    <a:srgbClr val="000000">
-                      <a:alpha val="70000"/>
-                    </a:srgbClr>
-                  </a:outerShdw>
-                </a:effectLst>
-                <a:latin typeface="VNI-Cooper" pitchFamily="2" charset="0"/>
-              </a:rPr>
-              <a:t>QUAØ VOÂ GIAÙ</a:t>
-            </a:r>
-            <a:endParaRPr lang="en-US" sz="3200" dirty="0">
-              <a:ln w="18415" cmpd="sng">
-                <a:solidFill>
-                  <a:srgbClr val="FFFFFF"/>
-                </a:solidFill>
-                <a:prstDash val="solid"/>
-              </a:ln>
-              <a:solidFill>
-                <a:srgbClr val="C00000"/>
-              </a:solidFill>
-              <a:effectLst>
-                <a:glow rad="139700">
-                  <a:srgbClr val="FFFFFF"/>
-                </a:glow>
-                <a:outerShdw blurRad="63500" dir="3600000" algn="tl" rotWithShape="0">
-                  <a:srgbClr val="000000">
-                    <a:alpha val="70000"/>
-                  </a:srgbClr>
-                </a:outerShdw>
-              </a:effectLst>
-              <a:latin typeface="VNI-Cooper" pitchFamily="2" charset="0"/>
-            </a:endParaRPr>
+                <a:latin typeface="VNI-Times" pitchFamily="2" charset="0"/>
+              </a:rPr>
+              <a:t>MOÙN QUAØ VOÂ GIAÙ</a:t>
+            </a:r>
           </a:p>
         </p:txBody>
       </p:sp>
@@ -9583,13 +9034,6 @@
   <p:clrMapOvr>
     <a:masterClrMapping/>
   </p:clrMapOvr>
-  <p:timing>
-    <p:tnLst>
-      <p:par>
-        <p:cTn id="1" dur="indefinite" restart="never" nodeType="tmRoot"/>
-      </p:par>
-    </p:tnLst>
-  </p:timing>
 </p:sld>
 </file>
 
@@ -9639,223 +9083,231 @@
               </a:spcBef>
             </a:pPr>
             <a:r>
-              <a:rPr lang="en-US" sz="7200" b="1" dirty="0" err="1" smtClean="0">
-                <a:latin typeface="VNI-Times-Thin" pitchFamily="2" charset="0"/>
+              <a:rPr lang="en-US" sz="7200" b="1" dirty="0" err="1">
+                <a:latin typeface="VNI-Times" pitchFamily="2" charset="0"/>
                 <a:ea typeface="+mj-ea"/>
                 <a:cs typeface="+mj-cs"/>
               </a:rPr>
               <a:t>Vui</a:t>
             </a:r>
             <a:r>
-              <a:rPr lang="en-US" sz="7200" b="1" dirty="0" smtClean="0">
-                <a:latin typeface="VNI-Times-Thin" pitchFamily="2" charset="0"/>
-                <a:ea typeface="+mj-ea"/>
-                <a:cs typeface="+mj-cs"/>
-              </a:rPr>
-              <a:t> </a:t>
-            </a:r>
-            <a:r>
-              <a:rPr lang="en-US" sz="7200" b="1" dirty="0" err="1" smtClean="0">
-                <a:latin typeface="VNI-Times-Thin" pitchFamily="2" charset="0"/>
+              <a:rPr lang="en-US" sz="7200" b="1" dirty="0">
+                <a:latin typeface="VNI-Times" pitchFamily="2" charset="0"/>
+                <a:ea typeface="+mj-ea"/>
+                <a:cs typeface="+mj-cs"/>
+              </a:rPr>
+              <a:t> </a:t>
+            </a:r>
+            <a:r>
+              <a:rPr lang="en-US" sz="7200" b="1" dirty="0" err="1">
+                <a:latin typeface="VNI-Times" pitchFamily="2" charset="0"/>
                 <a:ea typeface="+mj-ea"/>
                 <a:cs typeface="+mj-cs"/>
               </a:rPr>
               <a:t>xuoáng</a:t>
             </a:r>
             <a:r>
-              <a:rPr lang="en-US" sz="7200" b="1" dirty="0" smtClean="0">
-                <a:latin typeface="VNI-Times-Thin" pitchFamily="2" charset="0"/>
-                <a:ea typeface="+mj-ea"/>
-                <a:cs typeface="+mj-cs"/>
-              </a:rPr>
-              <a:t> </a:t>
-            </a:r>
-            <a:r>
-              <a:rPr lang="en-US" sz="7200" b="1" dirty="0" err="1" smtClean="0">
-                <a:latin typeface="VNI-Times-Thin" pitchFamily="2" charset="0"/>
+              <a:rPr lang="en-US" sz="7200" b="1" dirty="0">
+                <a:latin typeface="VNI-Times" pitchFamily="2" charset="0"/>
+                <a:ea typeface="+mj-ea"/>
+                <a:cs typeface="+mj-cs"/>
+              </a:rPr>
+              <a:t> </a:t>
+            </a:r>
+            <a:r>
+              <a:rPr lang="en-US" sz="7200" b="1" dirty="0" err="1">
+                <a:latin typeface="VNI-Times" pitchFamily="2" charset="0"/>
                 <a:ea typeface="+mj-ea"/>
                 <a:cs typeface="+mj-cs"/>
               </a:rPr>
               <a:t>theá</a:t>
             </a:r>
             <a:r>
-              <a:rPr lang="en-US" sz="7200" b="1" dirty="0" smtClean="0">
-                <a:latin typeface="VNI-Times-Thin" pitchFamily="2" charset="0"/>
-                <a:ea typeface="+mj-ea"/>
-                <a:cs typeface="+mj-cs"/>
-              </a:rPr>
-              <a:t> </a:t>
-            </a:r>
-            <a:r>
-              <a:rPr lang="en-US" sz="7200" b="1" dirty="0" err="1" smtClean="0">
-                <a:latin typeface="VNI-Times-Thin" pitchFamily="2" charset="0"/>
+              <a:rPr lang="en-US" sz="7200" b="1" dirty="0">
+                <a:latin typeface="VNI-Times" pitchFamily="2" charset="0"/>
+                <a:ea typeface="+mj-ea"/>
+                <a:cs typeface="+mj-cs"/>
+              </a:rPr>
+              <a:t> </a:t>
+            </a:r>
+            <a:r>
+              <a:rPr lang="en-US" sz="7200" b="1" dirty="0" err="1">
+                <a:latin typeface="VNI-Times" pitchFamily="2" charset="0"/>
                 <a:ea typeface="+mj-ea"/>
                 <a:cs typeface="+mj-cs"/>
               </a:rPr>
               <a:t>gian</a:t>
             </a:r>
             <a:r>
-              <a:rPr lang="en-US" sz="7200" b="1" dirty="0" smtClean="0">
-                <a:latin typeface="VNI-Times-Thin" pitchFamily="2" charset="0"/>
+              <a:rPr lang="en-US" sz="7200" b="1" dirty="0">
+                <a:latin typeface="VNI-Times" pitchFamily="2" charset="0"/>
                 <a:ea typeface="+mj-ea"/>
                 <a:cs typeface="+mj-cs"/>
               </a:rPr>
               <a:t> </a:t>
             </a:r>
             <a:br>
-              <a:rPr lang="en-US" sz="7200" b="1" dirty="0" smtClean="0">
-                <a:latin typeface="VNI-Times-Thin" pitchFamily="2" charset="0"/>
+              <a:rPr lang="en-US" sz="7200" b="1" dirty="0">
+                <a:latin typeface="VNI-Times" pitchFamily="2" charset="0"/>
                 <a:ea typeface="+mj-ea"/>
                 <a:cs typeface="+mj-cs"/>
               </a:rPr>
             </a:br>
             <a:r>
-              <a:rPr lang="en-US" sz="7200" b="1" dirty="0" err="1" smtClean="0">
-                <a:latin typeface="VNI-Times-Thin" pitchFamily="2" charset="0"/>
+              <a:rPr lang="en-US" sz="7200" b="1" dirty="0" err="1">
+                <a:latin typeface="VNI-Times" pitchFamily="2" charset="0"/>
                 <a:ea typeface="+mj-ea"/>
                 <a:cs typeface="+mj-cs"/>
               </a:rPr>
               <a:t>naøy</a:t>
             </a:r>
             <a:r>
-              <a:rPr lang="en-US" sz="7200" b="1" dirty="0" smtClean="0">
-                <a:latin typeface="VNI-Times-Thin" pitchFamily="2" charset="0"/>
-                <a:ea typeface="+mj-ea"/>
-                <a:cs typeface="+mj-cs"/>
-              </a:rPr>
-              <a:t> </a:t>
-            </a:r>
-            <a:r>
-              <a:rPr lang="en-US" sz="7200" b="1" dirty="0" err="1" smtClean="0">
-                <a:latin typeface="VNI-Times-Thin" pitchFamily="2" charset="0"/>
+              <a:rPr lang="en-US" sz="7200" b="1" dirty="0">
+                <a:latin typeface="VNI-Times" pitchFamily="2" charset="0"/>
+                <a:ea typeface="+mj-ea"/>
+                <a:cs typeface="+mj-cs"/>
+              </a:rPr>
+              <a:t> </a:t>
+            </a:r>
+            <a:r>
+              <a:rPr lang="en-US" sz="7200" b="1" dirty="0" err="1">
+                <a:latin typeface="VNI-Times" pitchFamily="2" charset="0"/>
                 <a:ea typeface="+mj-ea"/>
                 <a:cs typeface="+mj-cs"/>
               </a:rPr>
               <a:t>cöùu</a:t>
             </a:r>
             <a:r>
-              <a:rPr lang="en-US" sz="7200" b="1" dirty="0" smtClean="0">
-                <a:latin typeface="VNI-Times-Thin" pitchFamily="2" charset="0"/>
-                <a:ea typeface="+mj-ea"/>
-                <a:cs typeface="+mj-cs"/>
-              </a:rPr>
-              <a:t> </a:t>
-            </a:r>
-            <a:r>
-              <a:rPr lang="en-US" sz="7200" b="1" dirty="0" err="1" smtClean="0">
-                <a:latin typeface="VNI-Times-Thin" pitchFamily="2" charset="0"/>
+              <a:rPr lang="en-US" sz="7200" b="1" dirty="0">
+                <a:latin typeface="VNI-Times" pitchFamily="2" charset="0"/>
+                <a:ea typeface="+mj-ea"/>
+                <a:cs typeface="+mj-cs"/>
+              </a:rPr>
+              <a:t> </a:t>
+            </a:r>
+            <a:r>
+              <a:rPr lang="en-US" sz="7200" b="1" dirty="0" err="1">
+                <a:latin typeface="VNI-Times" pitchFamily="2" charset="0"/>
                 <a:ea typeface="+mj-ea"/>
                 <a:cs typeface="+mj-cs"/>
               </a:rPr>
               <a:t>nhaân</a:t>
             </a:r>
             <a:r>
-              <a:rPr lang="en-US" sz="7200" b="1" dirty="0" smtClean="0">
-                <a:latin typeface="VNI-Times-Thin" pitchFamily="2" charset="0"/>
-                <a:ea typeface="+mj-ea"/>
-                <a:cs typeface="+mj-cs"/>
-              </a:rPr>
-              <a:t> </a:t>
-            </a:r>
-            <a:r>
-              <a:rPr lang="en-US" sz="7200" b="1" dirty="0" err="1" smtClean="0">
-                <a:latin typeface="VNI-Times-Thin" pitchFamily="2" charset="0"/>
+              <a:rPr lang="en-US" sz="7200" b="1" dirty="0">
+                <a:latin typeface="VNI-Times" pitchFamily="2" charset="0"/>
+                <a:ea typeface="+mj-ea"/>
+                <a:cs typeface="+mj-cs"/>
+              </a:rPr>
+              <a:t> </a:t>
+            </a:r>
+            <a:r>
+              <a:rPr lang="en-US" sz="7200" b="1" dirty="0" err="1">
+                <a:latin typeface="VNI-Times" pitchFamily="2" charset="0"/>
                 <a:ea typeface="+mj-ea"/>
                 <a:cs typeface="+mj-cs"/>
               </a:rPr>
               <a:t>loaïi</a:t>
             </a:r>
             <a:r>
-              <a:rPr lang="en-US" sz="7200" b="1" dirty="0" smtClean="0">
-                <a:latin typeface="VNI-Times-Thin" pitchFamily="2" charset="0"/>
+              <a:rPr lang="en-US" sz="7200" b="1" dirty="0">
+                <a:latin typeface="VNI-Times" pitchFamily="2" charset="0"/>
                 <a:ea typeface="+mj-ea"/>
                 <a:cs typeface="+mj-cs"/>
               </a:rPr>
               <a:t> </a:t>
             </a:r>
             <a:br>
-              <a:rPr lang="en-US" sz="7200" b="1" dirty="0" smtClean="0">
-                <a:latin typeface="VNI-Times-Thin" pitchFamily="2" charset="0"/>
+              <a:rPr lang="en-US" sz="7200" b="1" dirty="0">
+                <a:latin typeface="VNI-Times" pitchFamily="2" charset="0"/>
                 <a:ea typeface="+mj-ea"/>
                 <a:cs typeface="+mj-cs"/>
               </a:rPr>
             </a:br>
             <a:r>
-              <a:rPr lang="en-US" sz="7200" b="1" err="1" smtClean="0">
-                <a:latin typeface="VNI-Times-Thin" pitchFamily="2" charset="0"/>
+              <a:rPr lang="en-US" sz="7200" b="1" dirty="0" err="1">
+                <a:latin typeface="VNI-Times" pitchFamily="2" charset="0"/>
                 <a:ea typeface="+mj-ea"/>
                 <a:cs typeface="+mj-cs"/>
               </a:rPr>
               <a:t>thoaùt</a:t>
             </a:r>
             <a:r>
-              <a:rPr lang="en-US" sz="7200" b="1" smtClean="0">
-                <a:latin typeface="VNI-Times-Thin" pitchFamily="2" charset="0"/>
-                <a:ea typeface="+mj-ea"/>
-                <a:cs typeface="+mj-cs"/>
-              </a:rPr>
-              <a:t> </a:t>
-            </a:r>
-            <a:r>
-              <a:rPr lang="en-US" sz="7200" b="1" smtClean="0">
-                <a:latin typeface="VNI-Times-Thin" pitchFamily="2" charset="0"/>
-                <a:ea typeface="+mj-ea"/>
-                <a:cs typeface="+mj-cs"/>
-              </a:rPr>
-              <a:t>beán </a:t>
-            </a:r>
-            <a:r>
-              <a:rPr lang="en-US" sz="7200" b="1" dirty="0" err="1" smtClean="0">
-                <a:latin typeface="VNI-Times-Thin" pitchFamily="2" charset="0"/>
+              <a:rPr lang="en-US" sz="7200" b="1" dirty="0">
+                <a:latin typeface="VNI-Times" pitchFamily="2" charset="0"/>
+                <a:ea typeface="+mj-ea"/>
+                <a:cs typeface="+mj-cs"/>
+              </a:rPr>
+              <a:t> </a:t>
+            </a:r>
+            <a:r>
+              <a:rPr lang="en-US" sz="7200" b="1" dirty="0" err="1">
+                <a:latin typeface="VNI-Times" pitchFamily="2" charset="0"/>
+                <a:ea typeface="+mj-ea"/>
+                <a:cs typeface="+mj-cs"/>
+              </a:rPr>
+              <a:t>beán</a:t>
+            </a:r>
+            <a:r>
+              <a:rPr lang="en-US" sz="7200" b="1" dirty="0">
+                <a:latin typeface="VNI-Times" pitchFamily="2" charset="0"/>
+                <a:ea typeface="+mj-ea"/>
+                <a:cs typeface="+mj-cs"/>
+              </a:rPr>
+              <a:t> </a:t>
+            </a:r>
+            <a:r>
+              <a:rPr lang="en-US" sz="7200" b="1" dirty="0" err="1">
+                <a:latin typeface="VNI-Times" pitchFamily="2" charset="0"/>
                 <a:ea typeface="+mj-ea"/>
                 <a:cs typeface="+mj-cs"/>
               </a:rPr>
               <a:t>meâ</a:t>
             </a:r>
             <a:r>
-              <a:rPr lang="en-US" sz="7200" b="1" dirty="0" smtClean="0">
-                <a:latin typeface="VNI-Times-Thin" pitchFamily="2" charset="0"/>
-                <a:ea typeface="+mj-ea"/>
-                <a:cs typeface="+mj-cs"/>
-              </a:rPr>
-              <a:t> </a:t>
-            </a:r>
-            <a:r>
-              <a:rPr lang="en-US" sz="7200" b="1" dirty="0" err="1" smtClean="0">
-                <a:latin typeface="VNI-Times-Thin" pitchFamily="2" charset="0"/>
+              <a:rPr lang="en-US" sz="7200" b="1" dirty="0">
+                <a:latin typeface="VNI-Times" pitchFamily="2" charset="0"/>
+                <a:ea typeface="+mj-ea"/>
+                <a:cs typeface="+mj-cs"/>
+              </a:rPr>
+              <a:t> </a:t>
+            </a:r>
+            <a:r>
+              <a:rPr lang="en-US" sz="7200" b="1" dirty="0" err="1">
+                <a:latin typeface="VNI-Times" pitchFamily="2" charset="0"/>
                 <a:ea typeface="+mj-ea"/>
                 <a:cs typeface="+mj-cs"/>
               </a:rPr>
               <a:t>oâ</a:t>
             </a:r>
             <a:r>
-              <a:rPr lang="en-US" sz="7200" b="1" dirty="0" smtClean="0">
-                <a:latin typeface="VNI-Times-Thin" pitchFamily="2" charset="0"/>
-                <a:ea typeface="+mj-ea"/>
-                <a:cs typeface="+mj-cs"/>
-              </a:rPr>
-              <a:t> </a:t>
-            </a:r>
-            <a:r>
-              <a:rPr lang="en-US" sz="7200" b="1" dirty="0" err="1" smtClean="0">
-                <a:latin typeface="VNI-Times-Thin" pitchFamily="2" charset="0"/>
+              <a:rPr lang="en-US" sz="7200" b="1" dirty="0">
+                <a:latin typeface="VNI-Times" pitchFamily="2" charset="0"/>
+                <a:ea typeface="+mj-ea"/>
+                <a:cs typeface="+mj-cs"/>
+              </a:rPr>
+              <a:t> </a:t>
+            </a:r>
+            <a:r>
+              <a:rPr lang="en-US" sz="7200" b="1" dirty="0" err="1">
+                <a:latin typeface="VNI-Times" pitchFamily="2" charset="0"/>
                 <a:ea typeface="+mj-ea"/>
                 <a:cs typeface="+mj-cs"/>
               </a:rPr>
               <a:t>traàn</a:t>
             </a:r>
             <a:r>
-              <a:rPr lang="en-US" sz="7200" b="1" dirty="0" smtClean="0">
-                <a:latin typeface="VNI-Times-Thin" pitchFamily="2" charset="0"/>
+              <a:rPr lang="en-US" sz="7200" b="1" dirty="0">
+                <a:latin typeface="VNI-Times" pitchFamily="2" charset="0"/>
                 <a:ea typeface="+mj-ea"/>
                 <a:cs typeface="+mj-cs"/>
               </a:rPr>
               <a:t>. </a:t>
             </a:r>
-            <a:endParaRPr kumimoji="0" lang="en-US" sz="7200" b="1" i="0" u="none" strike="noStrike" kern="1200" normalizeH="0" baseline="0" noProof="0" dirty="0" smtClean="0">
+            <a:endParaRPr kumimoji="0" lang="en-US" sz="7200" b="1" u="none" strike="noStrike" kern="1200" normalizeH="0" baseline="0" noProof="0" dirty="0">
               <a:uLnTx/>
               <a:uFillTx/>
-              <a:latin typeface="VNI-Times-Thin" pitchFamily="2" charset="0"/>
+              <a:latin typeface="VNI-Times" pitchFamily="2" charset="0"/>
               <a:ea typeface="+mj-ea"/>
               <a:cs typeface="+mj-cs"/>
             </a:endParaRPr>
@@ -9886,7 +9338,7 @@
           <a:p>
             <a:pPr algn="ctr"/>
             <a:r>
-              <a:rPr lang="en-US" sz="3200" smtClean="0">
+              <a:rPr lang="en-US" sz="3200" b="1" dirty="0">
                 <a:ln w="18415" cmpd="sng">
                   <a:solidFill>
                     <a:srgbClr val="FFFFFF"/>
@@ -9906,57 +9358,10 @@
                     </a:srgbClr>
                   </a:outerShdw>
                 </a:effectLst>
-                <a:latin typeface="VNI-Cooper" pitchFamily="2" charset="0"/>
-              </a:rPr>
-              <a:t>MOÙN </a:t>
-            </a:r>
-            <a:r>
-              <a:rPr lang="en-US" sz="3200" dirty="0" smtClean="0">
-                <a:ln w="18415" cmpd="sng">
-                  <a:solidFill>
-                    <a:srgbClr val="FFFFFF"/>
-                  </a:solidFill>
-                  <a:prstDash val="solid"/>
-                </a:ln>
-                <a:solidFill>
-                  <a:srgbClr val="C00000"/>
-                </a:solidFill>
-                <a:effectLst>
-                  <a:glow rad="139700">
-                    <a:srgbClr val="FFFFFF"/>
-                  </a:glow>
-                  <a:outerShdw blurRad="63500" dir="3600000" algn="tl" rotWithShape="0">
-                    <a:srgbClr val="000000">
-                      <a:alpha val="70000"/>
-                    </a:srgbClr>
-                  </a:outerShdw>
-                </a:effectLst>
-                <a:latin typeface="VNI-Cooper" pitchFamily="2" charset="0"/>
-              </a:rPr>
-              <a:t>QUAØ VOÂ GIAÙ</a:t>
-            </a:r>
-            <a:endParaRPr lang="en-US" sz="3200" dirty="0">
-              <a:ln w="18415" cmpd="sng">
-                <a:solidFill>
-                  <a:srgbClr val="FFFFFF"/>
-                </a:solidFill>
-                <a:prstDash val="solid"/>
-              </a:ln>
-              <a:solidFill>
-                <a:srgbClr val="C00000"/>
-              </a:solidFill>
-              <a:effectLst>
-                <a:glow rad="139700">
-                  <a:srgbClr val="FFFFFF"/>
-                </a:glow>
-                <a:outerShdw blurRad="63500" dir="3600000" algn="tl" rotWithShape="0">
-                  <a:srgbClr val="000000">
-                    <a:alpha val="70000"/>
-                  </a:srgbClr>
-                </a:outerShdw>
-              </a:effectLst>
-              <a:latin typeface="VNI-Cooper" pitchFamily="2" charset="0"/>
-            </a:endParaRPr>
+                <a:latin typeface="VNI-Times" pitchFamily="2" charset="0"/>
+              </a:rPr>
+              <a:t>MOÙN QUAØ VOÂ GIAÙ</a:t>
+            </a:r>
           </a:p>
         </p:txBody>
       </p:sp>
@@ -9965,13 +9370,6 @@
   <p:clrMapOvr>
     <a:masterClrMapping/>
   </p:clrMapOvr>
-  <p:timing>
-    <p:tnLst>
-      <p:par>
-        <p:cTn id="1" dur="indefinite" restart="never" nodeType="tmRoot"/>
-      </p:par>
-    </p:tnLst>
-  </p:timing>
 </p:sld>
 </file>
 
@@ -10021,192 +9419,192 @@
               </a:spcBef>
             </a:pPr>
             <a:r>
-              <a:rPr lang="en-US" sz="4800" b="1" dirty="0" smtClean="0">
-                <a:latin typeface="VNI-Times-Thin" pitchFamily="2" charset="0"/>
+              <a:rPr lang="en-US" sz="4800" b="1" dirty="0">
+                <a:latin typeface="VNI-Times" pitchFamily="2" charset="0"/>
                 <a:ea typeface="+mj-ea"/>
                 <a:cs typeface="+mj-cs"/>
               </a:rPr>
               <a:t>2.  </a:t>
             </a:r>
             <a:r>
-              <a:rPr lang="en-US" sz="7200" b="1" dirty="0" err="1" smtClean="0">
-                <a:latin typeface="VNI-Times-Thin" pitchFamily="2" charset="0"/>
+              <a:rPr lang="en-US" sz="7200" b="1" dirty="0" err="1">
+                <a:latin typeface="VNI-Times" pitchFamily="2" charset="0"/>
                 <a:ea typeface="+mj-ea"/>
                 <a:cs typeface="+mj-cs"/>
               </a:rPr>
               <a:t>Quaø</a:t>
             </a:r>
             <a:r>
-              <a:rPr lang="en-US" sz="7200" b="1" dirty="0" smtClean="0">
-                <a:latin typeface="VNI-Times-Thin" pitchFamily="2" charset="0"/>
-                <a:ea typeface="+mj-ea"/>
-                <a:cs typeface="+mj-cs"/>
-              </a:rPr>
-              <a:t> </a:t>
-            </a:r>
-            <a:r>
-              <a:rPr lang="en-US" sz="7200" b="1" dirty="0" err="1" smtClean="0">
-                <a:latin typeface="VNI-Times-Thin" pitchFamily="2" charset="0"/>
+              <a:rPr lang="en-US" sz="7200" b="1" dirty="0">
+                <a:latin typeface="VNI-Times" pitchFamily="2" charset="0"/>
+                <a:ea typeface="+mj-ea"/>
+                <a:cs typeface="+mj-cs"/>
+              </a:rPr>
+              <a:t> </a:t>
+            </a:r>
+            <a:r>
+              <a:rPr lang="en-US" sz="7200" b="1" dirty="0" err="1">
+                <a:latin typeface="VNI-Times" pitchFamily="2" charset="0"/>
                 <a:ea typeface="+mj-ea"/>
                 <a:cs typeface="+mj-cs"/>
               </a:rPr>
               <a:t>Chuùa</a:t>
             </a:r>
             <a:r>
-              <a:rPr lang="en-US" sz="7200" b="1" dirty="0" smtClean="0">
-                <a:latin typeface="VNI-Times-Thin" pitchFamily="2" charset="0"/>
-                <a:ea typeface="+mj-ea"/>
-                <a:cs typeface="+mj-cs"/>
-              </a:rPr>
-              <a:t> </a:t>
-            </a:r>
-            <a:r>
-              <a:rPr lang="en-US" sz="7200" b="1" dirty="0" err="1" smtClean="0">
-                <a:latin typeface="VNI-Times-Thin" pitchFamily="2" charset="0"/>
+              <a:rPr lang="en-US" sz="7200" b="1" dirty="0">
+                <a:latin typeface="VNI-Times" pitchFamily="2" charset="0"/>
+                <a:ea typeface="+mj-ea"/>
+                <a:cs typeface="+mj-cs"/>
+              </a:rPr>
+              <a:t> </a:t>
+            </a:r>
+            <a:r>
+              <a:rPr lang="en-US" sz="7200" b="1" dirty="0" err="1">
+                <a:latin typeface="VNI-Times" pitchFamily="2" charset="0"/>
                 <a:ea typeface="+mj-ea"/>
                 <a:cs typeface="+mj-cs"/>
               </a:rPr>
               <a:t>treân</a:t>
             </a:r>
             <a:r>
-              <a:rPr lang="en-US" sz="7200" b="1" dirty="0" smtClean="0">
-                <a:latin typeface="VNI-Times-Thin" pitchFamily="2" charset="0"/>
-                <a:ea typeface="+mj-ea"/>
-                <a:cs typeface="+mj-cs"/>
-              </a:rPr>
-              <a:t> </a:t>
-            </a:r>
-            <a:r>
-              <a:rPr lang="en-US" sz="7200" b="1" dirty="0" err="1" smtClean="0">
-                <a:latin typeface="VNI-Times-Thin" pitchFamily="2" charset="0"/>
+              <a:rPr lang="en-US" sz="7200" b="1" dirty="0">
+                <a:latin typeface="VNI-Times" pitchFamily="2" charset="0"/>
+                <a:ea typeface="+mj-ea"/>
+                <a:cs typeface="+mj-cs"/>
+              </a:rPr>
+              <a:t> </a:t>
+            </a:r>
+            <a:r>
+              <a:rPr lang="en-US" sz="7200" b="1" dirty="0" err="1">
+                <a:latin typeface="VNI-Times" pitchFamily="2" charset="0"/>
                 <a:ea typeface="+mj-ea"/>
                 <a:cs typeface="+mj-cs"/>
               </a:rPr>
               <a:t>Thieân</a:t>
             </a:r>
             <a:r>
-              <a:rPr lang="en-US" sz="7200" b="1" dirty="0" smtClean="0">
-                <a:latin typeface="VNI-Times-Thin" pitchFamily="2" charset="0"/>
-                <a:ea typeface="+mj-ea"/>
-                <a:cs typeface="+mj-cs"/>
-              </a:rPr>
-              <a:t> </a:t>
-            </a:r>
-            <a:r>
-              <a:rPr lang="en-US" sz="7200" b="1" err="1" smtClean="0">
-                <a:latin typeface="VNI-Times-Thin" pitchFamily="2" charset="0"/>
+              <a:rPr lang="en-US" sz="7200" b="1" dirty="0">
+                <a:latin typeface="VNI-Times" pitchFamily="2" charset="0"/>
+                <a:ea typeface="+mj-ea"/>
+                <a:cs typeface="+mj-cs"/>
+              </a:rPr>
+              <a:t> </a:t>
+            </a:r>
+            <a:r>
+              <a:rPr lang="en-US" sz="7200" b="1" dirty="0" err="1">
+                <a:latin typeface="VNI-Times" pitchFamily="2" charset="0"/>
                 <a:ea typeface="+mj-ea"/>
                 <a:cs typeface="+mj-cs"/>
               </a:rPr>
               <a:t>Ñaøng</a:t>
             </a:r>
             <a:r>
-              <a:rPr lang="en-US" sz="7200" b="1" smtClean="0">
-                <a:latin typeface="VNI-Times-Thin" pitchFamily="2" charset="0"/>
-                <a:ea typeface="+mj-ea"/>
-                <a:cs typeface="+mj-cs"/>
-              </a:rPr>
-              <a:t> quyù </a:t>
-            </a:r>
-            <a:r>
-              <a:rPr lang="en-US" sz="7200" b="1" dirty="0" err="1" smtClean="0">
-                <a:latin typeface="VNI-Times-Thin" pitchFamily="2" charset="0"/>
+              <a:rPr lang="en-US" sz="7200" b="1" dirty="0">
+                <a:latin typeface="VNI-Times" pitchFamily="2" charset="0"/>
+                <a:ea typeface="+mj-ea"/>
+                <a:cs typeface="+mj-cs"/>
+              </a:rPr>
+              <a:t> </a:t>
+            </a:r>
+            <a:r>
+              <a:rPr lang="en-US" sz="7200" b="1" dirty="0" err="1">
+                <a:latin typeface="VNI-Times" pitchFamily="2" charset="0"/>
+                <a:ea typeface="+mj-ea"/>
+                <a:cs typeface="+mj-cs"/>
+              </a:rPr>
+              <a:t>quyù</a:t>
+            </a:r>
+            <a:r>
+              <a:rPr lang="en-US" sz="7200" b="1" dirty="0">
+                <a:latin typeface="VNI-Times" pitchFamily="2" charset="0"/>
+                <a:ea typeface="+mj-ea"/>
+                <a:cs typeface="+mj-cs"/>
+              </a:rPr>
+              <a:t> </a:t>
+            </a:r>
+            <a:r>
+              <a:rPr lang="en-US" sz="7200" b="1" dirty="0" err="1">
+                <a:latin typeface="VNI-Times" pitchFamily="2" charset="0"/>
                 <a:ea typeface="+mj-ea"/>
                 <a:cs typeface="+mj-cs"/>
               </a:rPr>
               <a:t>hôn</a:t>
             </a:r>
             <a:r>
-              <a:rPr lang="en-US" sz="7200" b="1" dirty="0" smtClean="0">
-                <a:latin typeface="VNI-Times-Thin" pitchFamily="2" charset="0"/>
-                <a:ea typeface="+mj-ea"/>
-                <a:cs typeface="+mj-cs"/>
-              </a:rPr>
-              <a:t> </a:t>
-            </a:r>
-            <a:r>
-              <a:rPr lang="en-US" sz="7200" b="1" dirty="0" err="1" smtClean="0">
-                <a:latin typeface="VNI-Times-Thin" pitchFamily="2" charset="0"/>
+              <a:rPr lang="en-US" sz="7200" b="1" dirty="0">
+                <a:latin typeface="VNI-Times" pitchFamily="2" charset="0"/>
+                <a:ea typeface="+mj-ea"/>
+                <a:cs typeface="+mj-cs"/>
+              </a:rPr>
+              <a:t> </a:t>
+            </a:r>
+            <a:r>
+              <a:rPr lang="en-US" sz="7200" b="1" dirty="0" err="1">
+                <a:latin typeface="VNI-Times" pitchFamily="2" charset="0"/>
                 <a:ea typeface="+mj-ea"/>
                 <a:cs typeface="+mj-cs"/>
               </a:rPr>
               <a:t>baïc</a:t>
             </a:r>
             <a:r>
-              <a:rPr lang="en-US" sz="7200" b="1" dirty="0" smtClean="0">
-                <a:latin typeface="VNI-Times-Thin" pitchFamily="2" charset="0"/>
-                <a:ea typeface="+mj-ea"/>
-                <a:cs typeface="+mj-cs"/>
-              </a:rPr>
-              <a:t> </a:t>
-            </a:r>
-            <a:r>
-              <a:rPr lang="en-US" sz="7200" b="1" dirty="0" err="1" smtClean="0">
-                <a:latin typeface="VNI-Times-Thin" pitchFamily="2" charset="0"/>
+              <a:rPr lang="en-US" sz="7200" b="1" dirty="0">
+                <a:latin typeface="VNI-Times" pitchFamily="2" charset="0"/>
+                <a:ea typeface="+mj-ea"/>
+                <a:cs typeface="+mj-cs"/>
+              </a:rPr>
+              <a:t> </a:t>
+            </a:r>
+            <a:r>
+              <a:rPr lang="en-US" sz="7200" b="1" dirty="0" err="1">
+                <a:latin typeface="VNI-Times" pitchFamily="2" charset="0"/>
                 <a:ea typeface="+mj-ea"/>
                 <a:cs typeface="+mj-cs"/>
               </a:rPr>
               <a:t>vaøng</a:t>
             </a:r>
             <a:r>
-              <a:rPr lang="en-US" sz="7200" b="1" dirty="0" smtClean="0">
-                <a:latin typeface="VNI-Times-Thin" pitchFamily="2" charset="0"/>
-                <a:ea typeface="+mj-ea"/>
-                <a:cs typeface="+mj-cs"/>
-              </a:rPr>
-              <a:t> </a:t>
-            </a:r>
-            <a:r>
-              <a:rPr lang="en-US" sz="7200" b="1" dirty="0" err="1" smtClean="0">
-                <a:latin typeface="VNI-Times-Thin" pitchFamily="2" charset="0"/>
+              <a:rPr lang="en-US" sz="7200" b="1" dirty="0">
+                <a:latin typeface="VNI-Times" pitchFamily="2" charset="0"/>
+                <a:ea typeface="+mj-ea"/>
+                <a:cs typeface="+mj-cs"/>
+              </a:rPr>
+              <a:t> </a:t>
+            </a:r>
+            <a:r>
+              <a:rPr lang="en-US" sz="7200" b="1" dirty="0" err="1">
+                <a:latin typeface="VNI-Times" pitchFamily="2" charset="0"/>
                 <a:ea typeface="+mj-ea"/>
                 <a:cs typeface="+mj-cs"/>
               </a:rPr>
               <a:t>khoâng</a:t>
             </a:r>
             <a:r>
-              <a:rPr lang="en-US" sz="7200" b="1" dirty="0" smtClean="0">
-                <a:latin typeface="VNI-Times-Thin" pitchFamily="2" charset="0"/>
-                <a:ea typeface="+mj-ea"/>
-                <a:cs typeface="+mj-cs"/>
-              </a:rPr>
-              <a:t> </a:t>
-            </a:r>
-            <a:r>
-              <a:rPr lang="en-US" sz="7200" b="1" dirty="0" err="1" smtClean="0">
-                <a:latin typeface="VNI-Times-Thin" pitchFamily="2" charset="0"/>
-                <a:ea typeface="+mj-ea"/>
-                <a:cs typeface="+mj-cs"/>
-              </a:rPr>
-              <a:t>bao</a:t>
-            </a:r>
-            <a:r>
-              <a:rPr lang="en-US" sz="7200" b="1" dirty="0" smtClean="0">
-                <a:latin typeface="VNI-Times-Thin" pitchFamily="2" charset="0"/>
-                <a:ea typeface="+mj-ea"/>
-                <a:cs typeface="+mj-cs"/>
-              </a:rPr>
-              <a:t> </a:t>
-            </a:r>
-            <a:r>
-              <a:rPr lang="en-US" sz="7200" b="1" dirty="0" err="1" smtClean="0">
-                <a:latin typeface="VNI-Times-Thin" pitchFamily="2" charset="0"/>
+              <a:rPr lang="en-US" sz="7200" b="1" dirty="0">
+                <a:latin typeface="VNI-Times" pitchFamily="2" charset="0"/>
+                <a:ea typeface="+mj-ea"/>
+                <a:cs typeface="+mj-cs"/>
+              </a:rPr>
+              <a:t> bao </a:t>
+            </a:r>
+            <a:r>
+              <a:rPr lang="en-US" sz="7200" b="1" dirty="0" err="1">
+                <a:latin typeface="VNI-Times" pitchFamily="2" charset="0"/>
                 <a:ea typeface="+mj-ea"/>
                 <a:cs typeface="+mj-cs"/>
               </a:rPr>
               <a:t>giôø</a:t>
             </a:r>
             <a:r>
-              <a:rPr lang="en-US" sz="7200" b="1" dirty="0" smtClean="0">
-                <a:latin typeface="VNI-Times-Thin" pitchFamily="2" charset="0"/>
-                <a:ea typeface="+mj-ea"/>
-                <a:cs typeface="+mj-cs"/>
-              </a:rPr>
-              <a:t> </a:t>
-            </a:r>
-            <a:r>
-              <a:rPr lang="en-US" sz="7200" b="1" dirty="0" err="1" smtClean="0">
-                <a:latin typeface="VNI-Times-Thin" pitchFamily="2" charset="0"/>
+              <a:rPr lang="en-US" sz="7200" b="1" dirty="0">
+                <a:latin typeface="VNI-Times" pitchFamily="2" charset="0"/>
+                <a:ea typeface="+mj-ea"/>
+                <a:cs typeface="+mj-cs"/>
+              </a:rPr>
+              <a:t> </a:t>
+            </a:r>
+            <a:r>
+              <a:rPr lang="en-US" sz="7200" b="1" dirty="0" err="1">
+                <a:latin typeface="VNI-Times" pitchFamily="2" charset="0"/>
                 <a:ea typeface="+mj-ea"/>
                 <a:cs typeface="+mj-cs"/>
               </a:rPr>
@@ -10214,24 +9612,16 @@
             </a:r>
             <a:r>
               <a:rPr lang="en-US" sz="7200" b="1" dirty="0">
-                <a:latin typeface="VNI-Times-Thin" pitchFamily="2" charset="0"/>
-                <a:ea typeface="+mj-ea"/>
-                <a:cs typeface="+mj-cs"/>
-              </a:rPr>
-              <a:t>.</a:t>
-            </a:r>
-            <a:r>
-              <a:rPr lang="en-US" sz="7200" b="1" dirty="0" smtClean="0">
-                <a:latin typeface="VNI-Times-Thin" pitchFamily="2" charset="0"/>
-                <a:ea typeface="+mj-ea"/>
-                <a:cs typeface="+mj-cs"/>
-              </a:rPr>
-              <a:t> </a:t>
-            </a:r>
-            <a:endParaRPr kumimoji="0" lang="en-US" sz="7200" b="1" i="0" u="none" strike="noStrike" kern="1200" normalizeH="0" baseline="0" noProof="0" dirty="0" smtClean="0">
+                <a:latin typeface="VNI-Times" pitchFamily="2" charset="0"/>
+                <a:ea typeface="+mj-ea"/>
+                <a:cs typeface="+mj-cs"/>
+              </a:rPr>
+              <a:t>. </a:t>
+            </a:r>
+            <a:endParaRPr kumimoji="0" lang="en-US" sz="7200" b="1" u="none" strike="noStrike" kern="1200" normalizeH="0" baseline="0" noProof="0" dirty="0">
               <a:uLnTx/>
               <a:uFillTx/>
-              <a:latin typeface="VNI-Times-Thin" pitchFamily="2" charset="0"/>
+              <a:latin typeface="VNI-Times" pitchFamily="2" charset="0"/>
               <a:ea typeface="+mj-ea"/>
               <a:cs typeface="+mj-cs"/>
             </a:endParaRPr>
@@ -10262,7 +9652,7 @@
           <a:p>
             <a:pPr algn="ctr"/>
             <a:r>
-              <a:rPr lang="en-US" sz="3200" smtClean="0">
+              <a:rPr lang="en-US" sz="3200" b="1" dirty="0">
                 <a:ln w="18415" cmpd="sng">
                   <a:solidFill>
                     <a:srgbClr val="FFFFFF"/>
@@ -10282,57 +9672,10 @@
                     </a:srgbClr>
                   </a:outerShdw>
                 </a:effectLst>
-                <a:latin typeface="VNI-Cooper" pitchFamily="2" charset="0"/>
-              </a:rPr>
-              <a:t>MOÙN </a:t>
-            </a:r>
-            <a:r>
-              <a:rPr lang="en-US" sz="3200" dirty="0" smtClean="0">
-                <a:ln w="18415" cmpd="sng">
-                  <a:solidFill>
-                    <a:srgbClr val="FFFFFF"/>
-                  </a:solidFill>
-                  <a:prstDash val="solid"/>
-                </a:ln>
-                <a:solidFill>
-                  <a:srgbClr val="C00000"/>
-                </a:solidFill>
-                <a:effectLst>
-                  <a:glow rad="139700">
-                    <a:srgbClr val="FFFFFF"/>
-                  </a:glow>
-                  <a:outerShdw blurRad="63500" dir="3600000" algn="tl" rotWithShape="0">
-                    <a:srgbClr val="000000">
-                      <a:alpha val="70000"/>
-                    </a:srgbClr>
-                  </a:outerShdw>
-                </a:effectLst>
-                <a:latin typeface="VNI-Cooper" pitchFamily="2" charset="0"/>
-              </a:rPr>
-              <a:t>QUAØ VOÂ GIAÙ</a:t>
-            </a:r>
-            <a:endParaRPr lang="en-US" sz="3200" dirty="0">
-              <a:ln w="18415" cmpd="sng">
-                <a:solidFill>
-                  <a:srgbClr val="FFFFFF"/>
-                </a:solidFill>
-                <a:prstDash val="solid"/>
-              </a:ln>
-              <a:solidFill>
-                <a:srgbClr val="C00000"/>
-              </a:solidFill>
-              <a:effectLst>
-                <a:glow rad="139700">
-                  <a:srgbClr val="FFFFFF"/>
-                </a:glow>
-                <a:outerShdw blurRad="63500" dir="3600000" algn="tl" rotWithShape="0">
-                  <a:srgbClr val="000000">
-                    <a:alpha val="70000"/>
-                  </a:srgbClr>
-                </a:outerShdw>
-              </a:effectLst>
-              <a:latin typeface="VNI-Cooper" pitchFamily="2" charset="0"/>
-            </a:endParaRPr>
+                <a:latin typeface="VNI-Times" pitchFamily="2" charset="0"/>
+              </a:rPr>
+              <a:t>MOÙN QUAØ VOÂ GIAÙ</a:t>
+            </a:r>
           </a:p>
         </p:txBody>
       </p:sp>
@@ -10341,13 +9684,6 @@
   <p:clrMapOvr>
     <a:masterClrMapping/>
   </p:clrMapOvr>
-  <p:timing>
-    <p:tnLst>
-      <p:par>
-        <p:cTn id="1" dur="indefinite" restart="never" nodeType="tmRoot"/>
-      </p:par>
-    </p:tnLst>
-  </p:timing>
 </p:sld>
 </file>
 
@@ -10397,151 +9733,183 @@
               </a:spcBef>
             </a:pPr>
             <a:r>
-              <a:rPr lang="en-US" sz="7200" b="1" dirty="0" err="1" smtClean="0">
-                <a:latin typeface="VNI-Times-Thin" pitchFamily="2" charset="0"/>
+              <a:rPr lang="en-US" sz="7200" b="1" dirty="0" err="1">
+                <a:latin typeface="VNI-Times" pitchFamily="2" charset="0"/>
                 <a:ea typeface="+mj-ea"/>
                 <a:cs typeface="+mj-cs"/>
               </a:rPr>
               <a:t>Quaø</a:t>
             </a:r>
             <a:r>
-              <a:rPr lang="en-US" sz="7200" b="1" dirty="0" smtClean="0">
-                <a:latin typeface="VNI-Times-Thin" pitchFamily="2" charset="0"/>
-                <a:ea typeface="+mj-ea"/>
-                <a:cs typeface="+mj-cs"/>
-              </a:rPr>
-              <a:t> </a:t>
-            </a:r>
-            <a:r>
-              <a:rPr lang="en-US" sz="7200" b="1" dirty="0" err="1" smtClean="0">
-                <a:latin typeface="VNI-Times-Thin" pitchFamily="2" charset="0"/>
+              <a:rPr lang="en-US" sz="7200" b="1" dirty="0">
+                <a:latin typeface="VNI-Times" pitchFamily="2" charset="0"/>
+                <a:ea typeface="+mj-ea"/>
+                <a:cs typeface="+mj-cs"/>
+              </a:rPr>
+              <a:t> </a:t>
+            </a:r>
+            <a:r>
+              <a:rPr lang="en-US" sz="7200" b="1" dirty="0" err="1">
+                <a:latin typeface="VNI-Times" pitchFamily="2" charset="0"/>
                 <a:ea typeface="+mj-ea"/>
                 <a:cs typeface="+mj-cs"/>
               </a:rPr>
               <a:t>Chuùa</a:t>
             </a:r>
             <a:r>
-              <a:rPr lang="en-US" sz="7200" b="1" dirty="0" smtClean="0">
-                <a:latin typeface="VNI-Times-Thin" pitchFamily="2" charset="0"/>
+              <a:rPr lang="en-US" sz="7200" b="1" dirty="0">
+                <a:latin typeface="VNI-Times" pitchFamily="2" charset="0"/>
                 <a:ea typeface="+mj-ea"/>
                 <a:cs typeface="+mj-cs"/>
               </a:rPr>
               <a:t> ban </a:t>
             </a:r>
             <a:r>
-              <a:rPr lang="en-US" sz="7200" b="1" err="1" smtClean="0">
-                <a:latin typeface="VNI-Times-Thin" pitchFamily="2" charset="0"/>
+              <a:rPr lang="en-US" sz="7200" b="1" dirty="0" err="1">
+                <a:latin typeface="VNI-Times" pitchFamily="2" charset="0"/>
                 <a:ea typeface="+mj-ea"/>
                 <a:cs typeface="+mj-cs"/>
               </a:rPr>
               <a:t>cho</a:t>
             </a:r>
             <a:r>
-              <a:rPr lang="en-US" sz="7200" b="1" smtClean="0">
-                <a:latin typeface="VNI-Times-Thin" pitchFamily="2" charset="0"/>
+              <a:rPr lang="en-US" sz="7200" b="1" dirty="0">
+                <a:latin typeface="VNI-Times" pitchFamily="2" charset="0"/>
                 <a:ea typeface="+mj-ea"/>
                 <a:cs typeface="+mj-cs"/>
               </a:rPr>
               <a:t> </a:t>
             </a:r>
             <a:br>
-              <a:rPr lang="en-US" sz="7200" b="1" smtClean="0">
-                <a:latin typeface="VNI-Times-Thin" pitchFamily="2" charset="0"/>
+              <a:rPr lang="en-US" sz="7200" b="1" dirty="0">
+                <a:latin typeface="VNI-Times" pitchFamily="2" charset="0"/>
                 <a:ea typeface="+mj-ea"/>
                 <a:cs typeface="+mj-cs"/>
               </a:rPr>
             </a:br>
             <a:r>
-              <a:rPr lang="en-US" sz="7200" b="1" smtClean="0">
-                <a:latin typeface="VNI-Times-Thin" pitchFamily="2" charset="0"/>
-                <a:ea typeface="+mj-ea"/>
-                <a:cs typeface="+mj-cs"/>
-              </a:rPr>
-              <a:t>ngöôøi </a:t>
-            </a:r>
-            <a:r>
-              <a:rPr lang="en-US" sz="7200" b="1" dirty="0" err="1" smtClean="0">
-                <a:latin typeface="VNI-Times-Thin" pitchFamily="2" charset="0"/>
+              <a:rPr lang="en-US" sz="7200" b="1" dirty="0" err="1">
+                <a:latin typeface="VNI-Times" pitchFamily="2" charset="0"/>
+                <a:ea typeface="+mj-ea"/>
+                <a:cs typeface="+mj-cs"/>
+              </a:rPr>
+              <a:t>ngöôøi</a:t>
+            </a:r>
+            <a:r>
+              <a:rPr lang="en-US" sz="7200" b="1" dirty="0">
+                <a:latin typeface="VNI-Times" pitchFamily="2" charset="0"/>
+                <a:ea typeface="+mj-ea"/>
+                <a:cs typeface="+mj-cs"/>
+              </a:rPr>
+              <a:t> </a:t>
+            </a:r>
+            <a:r>
+              <a:rPr lang="en-US" sz="7200" b="1" dirty="0" err="1">
+                <a:latin typeface="VNI-Times" pitchFamily="2" charset="0"/>
                 <a:ea typeface="+mj-ea"/>
                 <a:cs typeface="+mj-cs"/>
               </a:rPr>
               <a:t>coù</a:t>
             </a:r>
             <a:r>
-              <a:rPr lang="en-US" sz="7200" b="1" dirty="0" smtClean="0">
-                <a:latin typeface="VNI-Times-Thin" pitchFamily="2" charset="0"/>
+              <a:rPr lang="en-US" sz="7200" b="1" dirty="0">
+                <a:latin typeface="VNI-Times" pitchFamily="2" charset="0"/>
                 <a:ea typeface="+mj-ea"/>
                 <a:cs typeface="+mj-cs"/>
               </a:rPr>
               <a:t> chi so </a:t>
             </a:r>
             <a:r>
-              <a:rPr lang="en-US" sz="7200" b="1" dirty="0" err="1" smtClean="0">
-                <a:latin typeface="VNI-Times-Thin" pitchFamily="2" charset="0"/>
+              <a:rPr lang="en-US" sz="7200" b="1" dirty="0" err="1">
+                <a:latin typeface="VNI-Times" pitchFamily="2" charset="0"/>
                 <a:ea typeface="+mj-ea"/>
                 <a:cs typeface="+mj-cs"/>
               </a:rPr>
               <a:t>baèng</a:t>
             </a:r>
             <a:r>
-              <a:rPr lang="en-US" sz="7200" b="1" smtClean="0">
-                <a:latin typeface="VNI-Times-Thin" pitchFamily="2" charset="0"/>
+              <a:rPr lang="en-US" sz="7200" b="1" dirty="0">
+                <a:latin typeface="VNI-Times" pitchFamily="2" charset="0"/>
                 <a:ea typeface="+mj-ea"/>
                 <a:cs typeface="+mj-cs"/>
               </a:rPr>
               <a:t>, </a:t>
             </a:r>
             <a:br>
-              <a:rPr lang="en-US" sz="7200" b="1" smtClean="0">
-                <a:latin typeface="VNI-Times-Thin" pitchFamily="2" charset="0"/>
+              <a:rPr lang="en-US" sz="7200" b="1" dirty="0">
+                <a:latin typeface="VNI-Times" pitchFamily="2" charset="0"/>
                 <a:ea typeface="+mj-ea"/>
                 <a:cs typeface="+mj-cs"/>
               </a:rPr>
             </a:br>
             <a:r>
-              <a:rPr lang="en-US" sz="7200" b="1" smtClean="0">
-                <a:latin typeface="VNI-Times-Thin" pitchFamily="2" charset="0"/>
-                <a:ea typeface="+mj-ea"/>
-                <a:cs typeface="+mj-cs"/>
-              </a:rPr>
-              <a:t>muoân thu </a:t>
-            </a:r>
-            <a:r>
-              <a:rPr lang="en-US" sz="7200" b="1" dirty="0" err="1" smtClean="0">
-                <a:latin typeface="VNI-Times-Thin" pitchFamily="2" charset="0"/>
+              <a:rPr lang="en-US" sz="7200" b="1" dirty="0" err="1">
+                <a:latin typeface="VNI-Times" pitchFamily="2" charset="0"/>
+                <a:ea typeface="+mj-ea"/>
+                <a:cs typeface="+mj-cs"/>
+              </a:rPr>
+              <a:t>muoân</a:t>
+            </a:r>
+            <a:r>
+              <a:rPr lang="en-US" sz="7200" b="1" dirty="0">
+                <a:latin typeface="VNI-Times" pitchFamily="2" charset="0"/>
+                <a:ea typeface="+mj-ea"/>
+                <a:cs typeface="+mj-cs"/>
+              </a:rPr>
+              <a:t> </a:t>
+            </a:r>
+            <a:r>
+              <a:rPr lang="en-US" sz="7200" b="1" dirty="0" err="1">
+                <a:latin typeface="VNI-Times" pitchFamily="2" charset="0"/>
+                <a:ea typeface="+mj-ea"/>
+                <a:cs typeface="+mj-cs"/>
+              </a:rPr>
+              <a:t>thu</a:t>
+            </a:r>
+            <a:r>
+              <a:rPr lang="en-US" sz="7200" b="1" dirty="0">
+                <a:latin typeface="VNI-Times" pitchFamily="2" charset="0"/>
+                <a:ea typeface="+mj-ea"/>
+                <a:cs typeface="+mj-cs"/>
+              </a:rPr>
+              <a:t> </a:t>
+            </a:r>
+            <a:r>
+              <a:rPr lang="en-US" sz="7200" b="1" dirty="0" err="1">
+                <a:latin typeface="VNI-Times" pitchFamily="2" charset="0"/>
                 <a:ea typeface="+mj-ea"/>
                 <a:cs typeface="+mj-cs"/>
               </a:rPr>
               <a:t>coøn</a:t>
             </a:r>
             <a:r>
-              <a:rPr lang="en-US" sz="7200" b="1" dirty="0" smtClean="0">
-                <a:latin typeface="VNI-Times-Thin" pitchFamily="2" charset="0"/>
-                <a:ea typeface="+mj-ea"/>
-                <a:cs typeface="+mj-cs"/>
-              </a:rPr>
-              <a:t> </a:t>
-            </a:r>
-            <a:r>
-              <a:rPr lang="en-US" sz="7200" b="1" dirty="0" err="1" smtClean="0">
-                <a:latin typeface="VNI-Times-Thin" pitchFamily="2" charset="0"/>
+              <a:rPr lang="en-US" sz="7200" b="1" dirty="0">
+                <a:latin typeface="VNI-Times" pitchFamily="2" charset="0"/>
+                <a:ea typeface="+mj-ea"/>
+                <a:cs typeface="+mj-cs"/>
+              </a:rPr>
+              <a:t> </a:t>
+            </a:r>
+            <a:r>
+              <a:rPr lang="en-US" sz="7200" b="1" dirty="0" err="1">
+                <a:latin typeface="VNI-Times" pitchFamily="2" charset="0"/>
                 <a:ea typeface="+mj-ea"/>
                 <a:cs typeface="+mj-cs"/>
               </a:rPr>
               <a:t>nguyeân</a:t>
             </a:r>
             <a:r>
-              <a:rPr lang="en-US" sz="7200" b="1" dirty="0" smtClean="0">
-                <a:latin typeface="VNI-Times-Thin" pitchFamily="2" charset="0"/>
+              <a:rPr lang="en-US" sz="7200" b="1" dirty="0">
+                <a:latin typeface="VNI-Times" pitchFamily="2" charset="0"/>
                 <a:ea typeface="+mj-ea"/>
                 <a:cs typeface="+mj-cs"/>
               </a:rPr>
               <a:t>.</a:t>
             </a:r>
-            <a:endParaRPr kumimoji="0" lang="en-US" sz="7200" b="1" i="0" u="none" strike="noStrike" kern="1200" normalizeH="0" baseline="0" noProof="0" dirty="0" smtClean="0">
+            <a:endParaRPr kumimoji="0" lang="en-US" sz="7200" b="1" u="none" strike="noStrike" kern="1200" normalizeH="0" baseline="0" noProof="0" dirty="0">
               <a:uLnTx/>
               <a:uFillTx/>
-              <a:latin typeface="VNI-Times-Thin" pitchFamily="2" charset="0"/>
+              <a:latin typeface="VNI-Times" pitchFamily="2" charset="0"/>
               <a:ea typeface="+mj-ea"/>
               <a:cs typeface="+mj-cs"/>
             </a:endParaRPr>
@@ -10572,7 +9940,7 @@
           <a:p>
             <a:pPr algn="ctr"/>
             <a:r>
-              <a:rPr lang="en-US" sz="3200" smtClean="0">
+              <a:rPr lang="en-US" sz="3200" b="1" dirty="0">
                 <a:ln w="18415" cmpd="sng">
                   <a:solidFill>
                     <a:srgbClr val="FFFFFF"/>
@@ -10592,57 +9960,10 @@
                     </a:srgbClr>
                   </a:outerShdw>
                 </a:effectLst>
-                <a:latin typeface="VNI-Cooper" pitchFamily="2" charset="0"/>
-              </a:rPr>
-              <a:t>MOÙN </a:t>
-            </a:r>
-            <a:r>
-              <a:rPr lang="en-US" sz="3200" dirty="0" smtClean="0">
-                <a:ln w="18415" cmpd="sng">
-                  <a:solidFill>
-                    <a:srgbClr val="FFFFFF"/>
-                  </a:solidFill>
-                  <a:prstDash val="solid"/>
-                </a:ln>
-                <a:solidFill>
-                  <a:srgbClr val="C00000"/>
-                </a:solidFill>
-                <a:effectLst>
-                  <a:glow rad="139700">
-                    <a:srgbClr val="FFFFFF"/>
-                  </a:glow>
-                  <a:outerShdw blurRad="63500" dir="3600000" algn="tl" rotWithShape="0">
-                    <a:srgbClr val="000000">
-                      <a:alpha val="70000"/>
-                    </a:srgbClr>
-                  </a:outerShdw>
-                </a:effectLst>
-                <a:latin typeface="VNI-Cooper" pitchFamily="2" charset="0"/>
-              </a:rPr>
-              <a:t>QUAØ VOÂ GIAÙ</a:t>
-            </a:r>
-            <a:endParaRPr lang="en-US" sz="3200" dirty="0">
-              <a:ln w="18415" cmpd="sng">
-                <a:solidFill>
-                  <a:srgbClr val="FFFFFF"/>
-                </a:solidFill>
-                <a:prstDash val="solid"/>
-              </a:ln>
-              <a:solidFill>
-                <a:srgbClr val="C00000"/>
-              </a:solidFill>
-              <a:effectLst>
-                <a:glow rad="139700">
-                  <a:srgbClr val="FFFFFF"/>
-                </a:glow>
-                <a:outerShdw blurRad="63500" dir="3600000" algn="tl" rotWithShape="0">
-                  <a:srgbClr val="000000">
-                    <a:alpha val="70000"/>
-                  </a:srgbClr>
-                </a:outerShdw>
-              </a:effectLst>
-              <a:latin typeface="VNI-Cooper" pitchFamily="2" charset="0"/>
-            </a:endParaRPr>
+                <a:latin typeface="VNI-Times" pitchFamily="2" charset="0"/>
+              </a:rPr>
+              <a:t>MOÙN QUAØ VOÂ GIAÙ</a:t>
+            </a:r>
           </a:p>
         </p:txBody>
       </p:sp>
@@ -10651,13 +9972,6 @@
   <p:clrMapOvr>
     <a:masterClrMapping/>
   </p:clrMapOvr>
-  <p:timing>
-    <p:tnLst>
-      <p:par>
-        <p:cTn id="1" dur="indefinite" restart="never" nodeType="tmRoot"/>
-      </p:par>
-    </p:tnLst>
-  </p:timing>
 </p:sld>
 </file>
 
@@ -10707,200 +10021,224 @@
               </a:spcBef>
             </a:pPr>
             <a:r>
-              <a:rPr lang="en-US" sz="4400" i="1" u="sng" dirty="0" smtClean="0">
-                <a:latin typeface="VNI-Times-Thin" pitchFamily="2" charset="0"/>
+              <a:rPr lang="en-US" sz="4400" b="1" u="sng" dirty="0">
+                <a:latin typeface="VNI-Times" pitchFamily="2" charset="0"/>
                 <a:ea typeface="+mj-ea"/>
                 <a:cs typeface="+mj-cs"/>
               </a:rPr>
               <a:t>ÑK:</a:t>
             </a:r>
             <a:r>
-              <a:rPr lang="en-US" sz="6600" i="1" dirty="0" smtClean="0">
-                <a:latin typeface="VNI-Times-Thin" pitchFamily="2" charset="0"/>
+              <a:rPr lang="en-US" sz="6600" b="1" dirty="0">
+                <a:latin typeface="VNI-Times" pitchFamily="2" charset="0"/>
                 <a:ea typeface="+mj-ea"/>
                 <a:cs typeface="+mj-cs"/>
               </a:rPr>
               <a:t>  </a:t>
             </a:r>
             <a:r>
-              <a:rPr lang="en-US" sz="7200" b="1" dirty="0" err="1" smtClean="0">
-                <a:latin typeface="VNI-Times-Thin" pitchFamily="2" charset="0"/>
+              <a:rPr lang="en-US" sz="7200" b="1" dirty="0" err="1">
+                <a:latin typeface="VNI-Times" pitchFamily="2" charset="0"/>
                 <a:ea typeface="+mj-ea"/>
                 <a:cs typeface="+mj-cs"/>
               </a:rPr>
               <a:t>Ôn</a:t>
             </a:r>
             <a:r>
-              <a:rPr lang="en-US" sz="7200" b="1" dirty="0" smtClean="0">
-                <a:latin typeface="VNI-Times-Thin" pitchFamily="2" charset="0"/>
-                <a:ea typeface="+mj-ea"/>
-                <a:cs typeface="+mj-cs"/>
-              </a:rPr>
-              <a:t> </a:t>
-            </a:r>
-            <a:r>
-              <a:rPr lang="en-US" sz="7200" b="1" dirty="0" err="1" smtClean="0">
-                <a:latin typeface="VNI-Times-Thin" pitchFamily="2" charset="0"/>
+              <a:rPr lang="en-US" sz="7200" b="1" dirty="0">
+                <a:latin typeface="VNI-Times" pitchFamily="2" charset="0"/>
+                <a:ea typeface="+mj-ea"/>
+                <a:cs typeface="+mj-cs"/>
+              </a:rPr>
+              <a:t> </a:t>
+            </a:r>
+            <a:r>
+              <a:rPr lang="en-US" sz="7200" b="1" dirty="0" err="1">
+                <a:latin typeface="VNI-Times" pitchFamily="2" charset="0"/>
                 <a:ea typeface="+mj-ea"/>
                 <a:cs typeface="+mj-cs"/>
               </a:rPr>
               <a:t>phöôùc</a:t>
             </a:r>
             <a:r>
-              <a:rPr lang="en-US" sz="7200" b="1" dirty="0" smtClean="0">
-                <a:latin typeface="VNI-Times-Thin" pitchFamily="2" charset="0"/>
-                <a:ea typeface="+mj-ea"/>
-                <a:cs typeface="+mj-cs"/>
-              </a:rPr>
-              <a:t> </a:t>
-            </a:r>
-            <a:r>
-              <a:rPr lang="en-US" sz="7200" b="1" err="1" smtClean="0">
-                <a:latin typeface="VNI-Times-Thin" pitchFamily="2" charset="0"/>
+              <a:rPr lang="en-US" sz="7200" b="1" dirty="0">
+                <a:latin typeface="VNI-Times" pitchFamily="2" charset="0"/>
+                <a:ea typeface="+mj-ea"/>
+                <a:cs typeface="+mj-cs"/>
+              </a:rPr>
+              <a:t> </a:t>
+            </a:r>
+            <a:r>
+              <a:rPr lang="en-US" sz="7200" b="1" dirty="0" err="1">
+                <a:latin typeface="VNI-Times" pitchFamily="2" charset="0"/>
                 <a:ea typeface="+mj-ea"/>
                 <a:cs typeface="+mj-cs"/>
               </a:rPr>
               <a:t>lôùn</a:t>
             </a:r>
             <a:r>
-              <a:rPr lang="en-US" sz="7200" b="1" smtClean="0">
-                <a:latin typeface="VNI-Times-Thin" pitchFamily="2" charset="0"/>
-                <a:ea typeface="+mj-ea"/>
-                <a:cs typeface="+mj-cs"/>
-              </a:rPr>
-              <a:t> </a:t>
-            </a:r>
-            <a:r>
-              <a:rPr lang="en-US" sz="7200" b="1" smtClean="0">
-                <a:latin typeface="VNI-Times-Thin" pitchFamily="2" charset="0"/>
-                <a:ea typeface="+mj-ea"/>
-                <a:cs typeface="+mj-cs"/>
-              </a:rPr>
-              <a:t>nôi </a:t>
-            </a:r>
-            <a:r>
-              <a:rPr lang="en-US" sz="7200" b="1" dirty="0" err="1" smtClean="0">
-                <a:latin typeface="VNI-Times-Thin" pitchFamily="2" charset="0"/>
+              <a:rPr lang="en-US" sz="7200" b="1" dirty="0">
+                <a:latin typeface="VNI-Times" pitchFamily="2" charset="0"/>
+                <a:ea typeface="+mj-ea"/>
+                <a:cs typeface="+mj-cs"/>
+              </a:rPr>
+              <a:t> </a:t>
+            </a:r>
+            <a:r>
+              <a:rPr lang="en-US" sz="7200" b="1" dirty="0" err="1">
+                <a:latin typeface="VNI-Times" pitchFamily="2" charset="0"/>
+                <a:ea typeface="+mj-ea"/>
+                <a:cs typeface="+mj-cs"/>
+              </a:rPr>
+              <a:t>nôi</a:t>
+            </a:r>
+            <a:r>
+              <a:rPr lang="en-US" sz="7200" b="1" dirty="0">
+                <a:latin typeface="VNI-Times" pitchFamily="2" charset="0"/>
+                <a:ea typeface="+mj-ea"/>
+                <a:cs typeface="+mj-cs"/>
+              </a:rPr>
+              <a:t> </a:t>
+            </a:r>
+            <a:r>
+              <a:rPr lang="en-US" sz="7200" b="1" dirty="0" err="1">
+                <a:latin typeface="VNI-Times" pitchFamily="2" charset="0"/>
                 <a:ea typeface="+mj-ea"/>
                 <a:cs typeface="+mj-cs"/>
               </a:rPr>
               <a:t>Thöôïng</a:t>
             </a:r>
             <a:r>
-              <a:rPr lang="en-US" sz="7200" b="1" dirty="0" smtClean="0">
-                <a:latin typeface="VNI-Times-Thin" pitchFamily="2" charset="0"/>
-                <a:ea typeface="+mj-ea"/>
-                <a:cs typeface="+mj-cs"/>
-              </a:rPr>
-              <a:t> </a:t>
-            </a:r>
-            <a:r>
-              <a:rPr lang="en-US" sz="7200" b="1" dirty="0" err="1" smtClean="0">
-                <a:latin typeface="VNI-Times-Thin" pitchFamily="2" charset="0"/>
+              <a:rPr lang="en-US" sz="7200" b="1" dirty="0">
+                <a:latin typeface="VNI-Times" pitchFamily="2" charset="0"/>
+                <a:ea typeface="+mj-ea"/>
+                <a:cs typeface="+mj-cs"/>
+              </a:rPr>
+              <a:t> </a:t>
+            </a:r>
+            <a:r>
+              <a:rPr lang="en-US" sz="7200" b="1" dirty="0" err="1">
+                <a:latin typeface="VNI-Times" pitchFamily="2" charset="0"/>
                 <a:ea typeface="+mj-ea"/>
                 <a:cs typeface="+mj-cs"/>
               </a:rPr>
               <a:t>Ñeá</a:t>
             </a:r>
             <a:r>
-              <a:rPr lang="en-US" sz="7200" b="1" dirty="0" smtClean="0">
-                <a:latin typeface="VNI-Times-Thin" pitchFamily="2" charset="0"/>
+              <a:rPr lang="en-US" sz="7200" b="1" dirty="0">
+                <a:latin typeface="VNI-Times" pitchFamily="2" charset="0"/>
                 <a:ea typeface="+mj-ea"/>
                 <a:cs typeface="+mj-cs"/>
               </a:rPr>
               <a:t> ban </a:t>
             </a:r>
             <a:r>
-              <a:rPr lang="en-US" sz="7200" b="1" err="1" smtClean="0">
-                <a:latin typeface="VNI-Times-Thin" pitchFamily="2" charset="0"/>
+              <a:rPr lang="en-US" sz="7200" b="1" dirty="0" err="1">
+                <a:latin typeface="VNI-Times" pitchFamily="2" charset="0"/>
                 <a:ea typeface="+mj-ea"/>
                 <a:cs typeface="+mj-cs"/>
               </a:rPr>
               <a:t>cho</a:t>
             </a:r>
             <a:r>
-              <a:rPr lang="en-US" sz="7200" b="1" smtClean="0">
-                <a:latin typeface="VNI-Times-Thin" pitchFamily="2" charset="0"/>
-                <a:ea typeface="+mj-ea"/>
-                <a:cs typeface="+mj-cs"/>
-              </a:rPr>
-              <a:t> </a:t>
-            </a:r>
-            <a:r>
-              <a:rPr lang="en-US" sz="7200" b="1" smtClean="0">
-                <a:latin typeface="VNI-Times-Thin" pitchFamily="2" charset="0"/>
-                <a:ea typeface="+mj-ea"/>
-                <a:cs typeface="+mj-cs"/>
-              </a:rPr>
-              <a:t>ngöôøi </a:t>
-            </a:r>
-            <a:r>
-              <a:rPr lang="en-US" sz="7200" b="1" dirty="0" smtClean="0">
-                <a:latin typeface="VNI-Times-Thin" pitchFamily="2" charset="0"/>
-                <a:ea typeface="+mj-ea"/>
-                <a:cs typeface="+mj-cs"/>
-              </a:rPr>
-              <a:t/>
+              <a:rPr lang="en-US" sz="7200" b="1" dirty="0">
+                <a:latin typeface="VNI-Times" pitchFamily="2" charset="0"/>
+                <a:ea typeface="+mj-ea"/>
+                <a:cs typeface="+mj-cs"/>
+              </a:rPr>
+              <a:t> </a:t>
+            </a:r>
+            <a:r>
+              <a:rPr lang="en-US" sz="7200" b="1" dirty="0" err="1">
+                <a:latin typeface="VNI-Times" pitchFamily="2" charset="0"/>
+                <a:ea typeface="+mj-ea"/>
+                <a:cs typeface="+mj-cs"/>
+              </a:rPr>
+              <a:t>ngöôøi</a:t>
+            </a:r>
+            <a:r>
+              <a:rPr lang="en-US" sz="7200" b="1" dirty="0">
+                <a:latin typeface="VNI-Times" pitchFamily="2" charset="0"/>
+                <a:ea typeface="+mj-ea"/>
+                <a:cs typeface="+mj-cs"/>
+              </a:rPr>
+              <a:t> </a:t>
             </a:r>
             <a:br>
-              <a:rPr lang="en-US" sz="7200" b="1" dirty="0" smtClean="0">
-                <a:latin typeface="VNI-Times-Thin" pitchFamily="2" charset="0"/>
+              <a:rPr lang="en-US" sz="7200" b="1" dirty="0">
+                <a:latin typeface="VNI-Times" pitchFamily="2" charset="0"/>
                 <a:ea typeface="+mj-ea"/>
                 <a:cs typeface="+mj-cs"/>
               </a:rPr>
             </a:br>
             <a:r>
-              <a:rPr lang="en-US" sz="7200" b="1" dirty="0" err="1" smtClean="0">
-                <a:latin typeface="VNI-Times-Thin" pitchFamily="2" charset="0"/>
+              <a:rPr lang="en-US" sz="7200" b="1" dirty="0" err="1">
+                <a:latin typeface="VNI-Times" pitchFamily="2" charset="0"/>
                 <a:ea typeface="+mj-ea"/>
                 <a:cs typeface="+mj-cs"/>
               </a:rPr>
               <a:t>laø</a:t>
             </a:r>
             <a:r>
-              <a:rPr lang="en-US" sz="7200" b="1" dirty="0" smtClean="0">
-                <a:latin typeface="VNI-Times-Thin" pitchFamily="2" charset="0"/>
-                <a:ea typeface="+mj-ea"/>
-                <a:cs typeface="+mj-cs"/>
-              </a:rPr>
-              <a:t> </a:t>
-            </a:r>
-            <a:r>
-              <a:rPr lang="en-US" sz="7200" b="1" dirty="0" err="1" smtClean="0">
-                <a:latin typeface="VNI-Times-Thin" pitchFamily="2" charset="0"/>
+              <a:rPr lang="en-US" sz="7200" b="1" dirty="0">
+                <a:latin typeface="VNI-Times" pitchFamily="2" charset="0"/>
+                <a:ea typeface="+mj-ea"/>
+                <a:cs typeface="+mj-cs"/>
+              </a:rPr>
+              <a:t> </a:t>
+            </a:r>
+            <a:r>
+              <a:rPr lang="en-US" sz="7200" b="1" dirty="0" err="1">
+                <a:latin typeface="VNI-Times" pitchFamily="2" charset="0"/>
                 <a:ea typeface="+mj-ea"/>
                 <a:cs typeface="+mj-cs"/>
               </a:rPr>
               <a:t>chính</a:t>
             </a:r>
             <a:r>
-              <a:rPr lang="en-US" sz="7200" b="1" dirty="0" smtClean="0">
-                <a:latin typeface="VNI-Times-Thin" pitchFamily="2" charset="0"/>
-                <a:ea typeface="+mj-ea"/>
-                <a:cs typeface="+mj-cs"/>
-              </a:rPr>
-              <a:t> </a:t>
-            </a:r>
-            <a:r>
-              <a:rPr lang="en-US" sz="7200" b="1" err="1" smtClean="0">
-                <a:latin typeface="VNI-Times-Thin" pitchFamily="2" charset="0"/>
+              <a:rPr lang="en-US" sz="7200" b="1" dirty="0">
+                <a:latin typeface="VNI-Times" pitchFamily="2" charset="0"/>
+                <a:ea typeface="+mj-ea"/>
+                <a:cs typeface="+mj-cs"/>
+              </a:rPr>
+              <a:t> </a:t>
+            </a:r>
+            <a:r>
+              <a:rPr lang="en-US" sz="7200" b="1" dirty="0" err="1">
+                <a:latin typeface="VNI-Times" pitchFamily="2" charset="0"/>
                 <a:ea typeface="+mj-ea"/>
                 <a:cs typeface="+mj-cs"/>
               </a:rPr>
               <a:t>Chuùa</a:t>
             </a:r>
             <a:r>
-              <a:rPr lang="en-US" sz="7200" b="1" smtClean="0">
-                <a:latin typeface="VNI-Times-Thin" pitchFamily="2" charset="0"/>
-                <a:ea typeface="+mj-ea"/>
-                <a:cs typeface="+mj-cs"/>
-              </a:rPr>
-              <a:t> Jeâsus.</a:t>
-            </a:r>
-            <a:endParaRPr kumimoji="0" lang="en-US" sz="7200" b="1" i="0" u="none" strike="noStrike" kern="1200" normalizeH="0" baseline="0" noProof="0" dirty="0" smtClean="0">
+              <a:rPr lang="en-US" sz="7200" b="1" dirty="0">
+                <a:latin typeface="VNI-Times" pitchFamily="2" charset="0"/>
+                <a:ea typeface="+mj-ea"/>
+                <a:cs typeface="+mj-cs"/>
+              </a:rPr>
+              <a:t> </a:t>
+            </a:r>
+            <a:r>
+              <a:rPr lang="en-US" sz="7200" b="1" dirty="0" err="1">
+                <a:latin typeface="VNI-Times" pitchFamily="2" charset="0"/>
+                <a:ea typeface="+mj-ea"/>
+                <a:cs typeface="+mj-cs"/>
+              </a:rPr>
+              <a:t>Jeâsus</a:t>
+            </a:r>
+            <a:r>
+              <a:rPr lang="en-US" sz="7200" b="1" dirty="0">
+                <a:latin typeface="VNI-Times" pitchFamily="2" charset="0"/>
+                <a:ea typeface="+mj-ea"/>
+                <a:cs typeface="+mj-cs"/>
+              </a:rPr>
+              <a:t>.</a:t>
+            </a:r>
+            <a:endParaRPr kumimoji="0" lang="en-US" sz="7200" b="1" u="none" strike="noStrike" kern="1200" normalizeH="0" baseline="0" noProof="0" dirty="0">
               <a:uLnTx/>
               <a:uFillTx/>
-              <a:latin typeface="VNI-Times-Thin" pitchFamily="2" charset="0"/>
+              <a:latin typeface="VNI-Times" pitchFamily="2" charset="0"/>
               <a:ea typeface="+mj-ea"/>
               <a:cs typeface="+mj-cs"/>
             </a:endParaRPr>
@@ -10931,7 +10269,7 @@
           <a:p>
             <a:pPr algn="ctr"/>
             <a:r>
-              <a:rPr lang="en-US" sz="3200" smtClean="0">
+              <a:rPr lang="en-US" sz="3200" b="1" dirty="0">
                 <a:ln w="18415" cmpd="sng">
                   <a:solidFill>
                     <a:srgbClr val="FFFFFF"/>
@@ -10951,57 +10289,10 @@
                     </a:srgbClr>
                   </a:outerShdw>
                 </a:effectLst>
-                <a:latin typeface="VNI-Cooper" pitchFamily="2" charset="0"/>
-              </a:rPr>
-              <a:t>MOÙN </a:t>
-            </a:r>
-            <a:r>
-              <a:rPr lang="en-US" sz="3200" dirty="0" smtClean="0">
-                <a:ln w="18415" cmpd="sng">
-                  <a:solidFill>
-                    <a:srgbClr val="FFFFFF"/>
-                  </a:solidFill>
-                  <a:prstDash val="solid"/>
-                </a:ln>
-                <a:solidFill>
-                  <a:srgbClr val="C00000"/>
-                </a:solidFill>
-                <a:effectLst>
-                  <a:glow rad="139700">
-                    <a:srgbClr val="FFFFFF"/>
-                  </a:glow>
-                  <a:outerShdw blurRad="63500" dir="3600000" algn="tl" rotWithShape="0">
-                    <a:srgbClr val="000000">
-                      <a:alpha val="70000"/>
-                    </a:srgbClr>
-                  </a:outerShdw>
-                </a:effectLst>
-                <a:latin typeface="VNI-Cooper" pitchFamily="2" charset="0"/>
-              </a:rPr>
-              <a:t>QUAØ VOÂ GIAÙ</a:t>
-            </a:r>
-            <a:endParaRPr lang="en-US" sz="3200" dirty="0">
-              <a:ln w="18415" cmpd="sng">
-                <a:solidFill>
-                  <a:srgbClr val="FFFFFF"/>
-                </a:solidFill>
-                <a:prstDash val="solid"/>
-              </a:ln>
-              <a:solidFill>
-                <a:srgbClr val="C00000"/>
-              </a:solidFill>
-              <a:effectLst>
-                <a:glow rad="139700">
-                  <a:srgbClr val="FFFFFF"/>
-                </a:glow>
-                <a:outerShdw blurRad="63500" dir="3600000" algn="tl" rotWithShape="0">
-                  <a:srgbClr val="000000">
-                    <a:alpha val="70000"/>
-                  </a:srgbClr>
-                </a:outerShdw>
-              </a:effectLst>
-              <a:latin typeface="VNI-Cooper" pitchFamily="2" charset="0"/>
-            </a:endParaRPr>
+                <a:latin typeface="VNI-Times" pitchFamily="2" charset="0"/>
+              </a:rPr>
+              <a:t>MOÙN QUAØ VOÂ GIAÙ</a:t>
+            </a:r>
           </a:p>
         </p:txBody>
       </p:sp>
@@ -11015,13 +10306,6 @@
   <p:clrMapOvr>
     <a:masterClrMapping/>
   </p:clrMapOvr>
-  <p:timing>
-    <p:tnLst>
-      <p:par>
-        <p:cTn id="1" dur="indefinite" restart="never" nodeType="tmRoot"/>
-      </p:par>
-    </p:tnLst>
-  </p:timing>
 </p:sld>
 </file>
 
@@ -11071,223 +10355,231 @@
               </a:spcBef>
             </a:pPr>
             <a:r>
-              <a:rPr lang="en-US" sz="7200" b="1" dirty="0" err="1" smtClean="0">
-                <a:latin typeface="VNI-Times-Thin" pitchFamily="2" charset="0"/>
+              <a:rPr lang="en-US" sz="7200" b="1" dirty="0" err="1">
+                <a:latin typeface="VNI-Times" pitchFamily="2" charset="0"/>
                 <a:ea typeface="+mj-ea"/>
                 <a:cs typeface="+mj-cs"/>
               </a:rPr>
               <a:t>Vui</a:t>
             </a:r>
             <a:r>
-              <a:rPr lang="en-US" sz="7200" b="1" dirty="0" smtClean="0">
-                <a:latin typeface="VNI-Times-Thin" pitchFamily="2" charset="0"/>
-                <a:ea typeface="+mj-ea"/>
-                <a:cs typeface="+mj-cs"/>
-              </a:rPr>
-              <a:t> </a:t>
-            </a:r>
-            <a:r>
-              <a:rPr lang="en-US" sz="7200" b="1" dirty="0" err="1" smtClean="0">
-                <a:latin typeface="VNI-Times-Thin" pitchFamily="2" charset="0"/>
+              <a:rPr lang="en-US" sz="7200" b="1" dirty="0">
+                <a:latin typeface="VNI-Times" pitchFamily="2" charset="0"/>
+                <a:ea typeface="+mj-ea"/>
+                <a:cs typeface="+mj-cs"/>
+              </a:rPr>
+              <a:t> </a:t>
+            </a:r>
+            <a:r>
+              <a:rPr lang="en-US" sz="7200" b="1" dirty="0" err="1">
+                <a:latin typeface="VNI-Times" pitchFamily="2" charset="0"/>
                 <a:ea typeface="+mj-ea"/>
                 <a:cs typeface="+mj-cs"/>
               </a:rPr>
               <a:t>xuoáng</a:t>
             </a:r>
             <a:r>
-              <a:rPr lang="en-US" sz="7200" b="1" dirty="0" smtClean="0">
-                <a:latin typeface="VNI-Times-Thin" pitchFamily="2" charset="0"/>
-                <a:ea typeface="+mj-ea"/>
-                <a:cs typeface="+mj-cs"/>
-              </a:rPr>
-              <a:t> </a:t>
-            </a:r>
-            <a:r>
-              <a:rPr lang="en-US" sz="7200" b="1" dirty="0" err="1" smtClean="0">
-                <a:latin typeface="VNI-Times-Thin" pitchFamily="2" charset="0"/>
+              <a:rPr lang="en-US" sz="7200" b="1" dirty="0">
+                <a:latin typeface="VNI-Times" pitchFamily="2" charset="0"/>
+                <a:ea typeface="+mj-ea"/>
+                <a:cs typeface="+mj-cs"/>
+              </a:rPr>
+              <a:t> </a:t>
+            </a:r>
+            <a:r>
+              <a:rPr lang="en-US" sz="7200" b="1" dirty="0" err="1">
+                <a:latin typeface="VNI-Times" pitchFamily="2" charset="0"/>
                 <a:ea typeface="+mj-ea"/>
                 <a:cs typeface="+mj-cs"/>
               </a:rPr>
               <a:t>theá</a:t>
             </a:r>
             <a:r>
-              <a:rPr lang="en-US" sz="7200" b="1" dirty="0" smtClean="0">
-                <a:latin typeface="VNI-Times-Thin" pitchFamily="2" charset="0"/>
-                <a:ea typeface="+mj-ea"/>
-                <a:cs typeface="+mj-cs"/>
-              </a:rPr>
-              <a:t> </a:t>
-            </a:r>
-            <a:r>
-              <a:rPr lang="en-US" sz="7200" b="1" dirty="0" err="1" smtClean="0">
-                <a:latin typeface="VNI-Times-Thin" pitchFamily="2" charset="0"/>
+              <a:rPr lang="en-US" sz="7200" b="1" dirty="0">
+                <a:latin typeface="VNI-Times" pitchFamily="2" charset="0"/>
+                <a:ea typeface="+mj-ea"/>
+                <a:cs typeface="+mj-cs"/>
+              </a:rPr>
+              <a:t> </a:t>
+            </a:r>
+            <a:r>
+              <a:rPr lang="en-US" sz="7200" b="1" dirty="0" err="1">
+                <a:latin typeface="VNI-Times" pitchFamily="2" charset="0"/>
                 <a:ea typeface="+mj-ea"/>
                 <a:cs typeface="+mj-cs"/>
               </a:rPr>
               <a:t>gian</a:t>
             </a:r>
             <a:r>
-              <a:rPr lang="en-US" sz="7200" b="1" dirty="0" smtClean="0">
-                <a:latin typeface="VNI-Times-Thin" pitchFamily="2" charset="0"/>
+              <a:rPr lang="en-US" sz="7200" b="1" dirty="0">
+                <a:latin typeface="VNI-Times" pitchFamily="2" charset="0"/>
                 <a:ea typeface="+mj-ea"/>
                 <a:cs typeface="+mj-cs"/>
               </a:rPr>
               <a:t> </a:t>
             </a:r>
             <a:br>
-              <a:rPr lang="en-US" sz="7200" b="1" dirty="0" smtClean="0">
-                <a:latin typeface="VNI-Times-Thin" pitchFamily="2" charset="0"/>
+              <a:rPr lang="en-US" sz="7200" b="1" dirty="0">
+                <a:latin typeface="VNI-Times" pitchFamily="2" charset="0"/>
                 <a:ea typeface="+mj-ea"/>
                 <a:cs typeface="+mj-cs"/>
               </a:rPr>
             </a:br>
             <a:r>
-              <a:rPr lang="en-US" sz="7200" b="1" dirty="0" err="1" smtClean="0">
-                <a:latin typeface="VNI-Times-Thin" pitchFamily="2" charset="0"/>
+              <a:rPr lang="en-US" sz="7200" b="1" dirty="0" err="1">
+                <a:latin typeface="VNI-Times" pitchFamily="2" charset="0"/>
                 <a:ea typeface="+mj-ea"/>
                 <a:cs typeface="+mj-cs"/>
               </a:rPr>
               <a:t>naøy</a:t>
             </a:r>
             <a:r>
-              <a:rPr lang="en-US" sz="7200" b="1" dirty="0" smtClean="0">
-                <a:latin typeface="VNI-Times-Thin" pitchFamily="2" charset="0"/>
-                <a:ea typeface="+mj-ea"/>
-                <a:cs typeface="+mj-cs"/>
-              </a:rPr>
-              <a:t> </a:t>
-            </a:r>
-            <a:r>
-              <a:rPr lang="en-US" sz="7200" b="1" dirty="0" err="1" smtClean="0">
-                <a:latin typeface="VNI-Times-Thin" pitchFamily="2" charset="0"/>
+              <a:rPr lang="en-US" sz="7200" b="1" dirty="0">
+                <a:latin typeface="VNI-Times" pitchFamily="2" charset="0"/>
+                <a:ea typeface="+mj-ea"/>
+                <a:cs typeface="+mj-cs"/>
+              </a:rPr>
+              <a:t> </a:t>
+            </a:r>
+            <a:r>
+              <a:rPr lang="en-US" sz="7200" b="1" dirty="0" err="1">
+                <a:latin typeface="VNI-Times" pitchFamily="2" charset="0"/>
                 <a:ea typeface="+mj-ea"/>
                 <a:cs typeface="+mj-cs"/>
               </a:rPr>
               <a:t>cöùu</a:t>
             </a:r>
             <a:r>
-              <a:rPr lang="en-US" sz="7200" b="1" dirty="0" smtClean="0">
-                <a:latin typeface="VNI-Times-Thin" pitchFamily="2" charset="0"/>
-                <a:ea typeface="+mj-ea"/>
-                <a:cs typeface="+mj-cs"/>
-              </a:rPr>
-              <a:t> </a:t>
-            </a:r>
-            <a:r>
-              <a:rPr lang="en-US" sz="7200" b="1" dirty="0" err="1" smtClean="0">
-                <a:latin typeface="VNI-Times-Thin" pitchFamily="2" charset="0"/>
+              <a:rPr lang="en-US" sz="7200" b="1" dirty="0">
+                <a:latin typeface="VNI-Times" pitchFamily="2" charset="0"/>
+                <a:ea typeface="+mj-ea"/>
+                <a:cs typeface="+mj-cs"/>
+              </a:rPr>
+              <a:t> </a:t>
+            </a:r>
+            <a:r>
+              <a:rPr lang="en-US" sz="7200" b="1" dirty="0" err="1">
+                <a:latin typeface="VNI-Times" pitchFamily="2" charset="0"/>
                 <a:ea typeface="+mj-ea"/>
                 <a:cs typeface="+mj-cs"/>
               </a:rPr>
               <a:t>nhaân</a:t>
             </a:r>
             <a:r>
-              <a:rPr lang="en-US" sz="7200" b="1" dirty="0" smtClean="0">
-                <a:latin typeface="VNI-Times-Thin" pitchFamily="2" charset="0"/>
-                <a:ea typeface="+mj-ea"/>
-                <a:cs typeface="+mj-cs"/>
-              </a:rPr>
-              <a:t> </a:t>
-            </a:r>
-            <a:r>
-              <a:rPr lang="en-US" sz="7200" b="1" dirty="0" err="1" smtClean="0">
-                <a:latin typeface="VNI-Times-Thin" pitchFamily="2" charset="0"/>
+              <a:rPr lang="en-US" sz="7200" b="1" dirty="0">
+                <a:latin typeface="VNI-Times" pitchFamily="2" charset="0"/>
+                <a:ea typeface="+mj-ea"/>
+                <a:cs typeface="+mj-cs"/>
+              </a:rPr>
+              <a:t> </a:t>
+            </a:r>
+            <a:r>
+              <a:rPr lang="en-US" sz="7200" b="1" dirty="0" err="1">
+                <a:latin typeface="VNI-Times" pitchFamily="2" charset="0"/>
                 <a:ea typeface="+mj-ea"/>
                 <a:cs typeface="+mj-cs"/>
               </a:rPr>
               <a:t>loaïi</a:t>
             </a:r>
             <a:r>
-              <a:rPr lang="en-US" sz="7200" b="1" dirty="0" smtClean="0">
-                <a:latin typeface="VNI-Times-Thin" pitchFamily="2" charset="0"/>
+              <a:rPr lang="en-US" sz="7200" b="1" dirty="0">
+                <a:latin typeface="VNI-Times" pitchFamily="2" charset="0"/>
                 <a:ea typeface="+mj-ea"/>
                 <a:cs typeface="+mj-cs"/>
               </a:rPr>
               <a:t> </a:t>
             </a:r>
             <a:br>
-              <a:rPr lang="en-US" sz="7200" b="1" dirty="0" smtClean="0">
-                <a:latin typeface="VNI-Times-Thin" pitchFamily="2" charset="0"/>
+              <a:rPr lang="en-US" sz="7200" b="1" dirty="0">
+                <a:latin typeface="VNI-Times" pitchFamily="2" charset="0"/>
                 <a:ea typeface="+mj-ea"/>
                 <a:cs typeface="+mj-cs"/>
               </a:rPr>
             </a:br>
             <a:r>
-              <a:rPr lang="en-US" sz="7200" b="1" err="1" smtClean="0">
-                <a:latin typeface="VNI-Times-Thin" pitchFamily="2" charset="0"/>
+              <a:rPr lang="en-US" sz="7200" b="1" dirty="0" err="1">
+                <a:latin typeface="VNI-Times" pitchFamily="2" charset="0"/>
                 <a:ea typeface="+mj-ea"/>
                 <a:cs typeface="+mj-cs"/>
               </a:rPr>
               <a:t>thoaùt</a:t>
             </a:r>
             <a:r>
-              <a:rPr lang="en-US" sz="7200" b="1" smtClean="0">
-                <a:latin typeface="VNI-Times-Thin" pitchFamily="2" charset="0"/>
-                <a:ea typeface="+mj-ea"/>
-                <a:cs typeface="+mj-cs"/>
-              </a:rPr>
-              <a:t> </a:t>
-            </a:r>
-            <a:r>
-              <a:rPr lang="en-US" sz="7200" b="1" smtClean="0">
-                <a:latin typeface="VNI-Times-Thin" pitchFamily="2" charset="0"/>
-                <a:ea typeface="+mj-ea"/>
-                <a:cs typeface="+mj-cs"/>
-              </a:rPr>
-              <a:t>beán </a:t>
-            </a:r>
-            <a:r>
-              <a:rPr lang="en-US" sz="7200" b="1" dirty="0" err="1" smtClean="0">
-                <a:latin typeface="VNI-Times-Thin" pitchFamily="2" charset="0"/>
+              <a:rPr lang="en-US" sz="7200" b="1" dirty="0">
+                <a:latin typeface="VNI-Times" pitchFamily="2" charset="0"/>
+                <a:ea typeface="+mj-ea"/>
+                <a:cs typeface="+mj-cs"/>
+              </a:rPr>
+              <a:t> </a:t>
+            </a:r>
+            <a:r>
+              <a:rPr lang="en-US" sz="7200" b="1" dirty="0" err="1">
+                <a:latin typeface="VNI-Times" pitchFamily="2" charset="0"/>
+                <a:ea typeface="+mj-ea"/>
+                <a:cs typeface="+mj-cs"/>
+              </a:rPr>
+              <a:t>beán</a:t>
+            </a:r>
+            <a:r>
+              <a:rPr lang="en-US" sz="7200" b="1" dirty="0">
+                <a:latin typeface="VNI-Times" pitchFamily="2" charset="0"/>
+                <a:ea typeface="+mj-ea"/>
+                <a:cs typeface="+mj-cs"/>
+              </a:rPr>
+              <a:t> </a:t>
+            </a:r>
+            <a:r>
+              <a:rPr lang="en-US" sz="7200" b="1" dirty="0" err="1">
+                <a:latin typeface="VNI-Times" pitchFamily="2" charset="0"/>
                 <a:ea typeface="+mj-ea"/>
                 <a:cs typeface="+mj-cs"/>
               </a:rPr>
               <a:t>meâ</a:t>
             </a:r>
             <a:r>
-              <a:rPr lang="en-US" sz="7200" b="1" dirty="0" smtClean="0">
-                <a:latin typeface="VNI-Times-Thin" pitchFamily="2" charset="0"/>
-                <a:ea typeface="+mj-ea"/>
-                <a:cs typeface="+mj-cs"/>
-              </a:rPr>
-              <a:t> </a:t>
-            </a:r>
-            <a:r>
-              <a:rPr lang="en-US" sz="7200" b="1" dirty="0" err="1" smtClean="0">
-                <a:latin typeface="VNI-Times-Thin" pitchFamily="2" charset="0"/>
+              <a:rPr lang="en-US" sz="7200" b="1" dirty="0">
+                <a:latin typeface="VNI-Times" pitchFamily="2" charset="0"/>
+                <a:ea typeface="+mj-ea"/>
+                <a:cs typeface="+mj-cs"/>
+              </a:rPr>
+              <a:t> </a:t>
+            </a:r>
+            <a:r>
+              <a:rPr lang="en-US" sz="7200" b="1" dirty="0" err="1">
+                <a:latin typeface="VNI-Times" pitchFamily="2" charset="0"/>
                 <a:ea typeface="+mj-ea"/>
                 <a:cs typeface="+mj-cs"/>
               </a:rPr>
               <a:t>oâ</a:t>
             </a:r>
             <a:r>
-              <a:rPr lang="en-US" sz="7200" b="1" dirty="0" smtClean="0">
-                <a:latin typeface="VNI-Times-Thin" pitchFamily="2" charset="0"/>
-                <a:ea typeface="+mj-ea"/>
-                <a:cs typeface="+mj-cs"/>
-              </a:rPr>
-              <a:t> </a:t>
-            </a:r>
-            <a:r>
-              <a:rPr lang="en-US" sz="7200" b="1" dirty="0" err="1" smtClean="0">
-                <a:latin typeface="VNI-Times-Thin" pitchFamily="2" charset="0"/>
+              <a:rPr lang="en-US" sz="7200" b="1" dirty="0">
+                <a:latin typeface="VNI-Times" pitchFamily="2" charset="0"/>
+                <a:ea typeface="+mj-ea"/>
+                <a:cs typeface="+mj-cs"/>
+              </a:rPr>
+              <a:t> </a:t>
+            </a:r>
+            <a:r>
+              <a:rPr lang="en-US" sz="7200" b="1" dirty="0" err="1">
+                <a:latin typeface="VNI-Times" pitchFamily="2" charset="0"/>
                 <a:ea typeface="+mj-ea"/>
                 <a:cs typeface="+mj-cs"/>
               </a:rPr>
               <a:t>traàn</a:t>
             </a:r>
             <a:r>
-              <a:rPr lang="en-US" sz="7200" b="1" dirty="0" smtClean="0">
-                <a:latin typeface="VNI-Times-Thin" pitchFamily="2" charset="0"/>
+              <a:rPr lang="en-US" sz="7200" b="1" dirty="0">
+                <a:latin typeface="VNI-Times" pitchFamily="2" charset="0"/>
                 <a:ea typeface="+mj-ea"/>
                 <a:cs typeface="+mj-cs"/>
               </a:rPr>
               <a:t>. </a:t>
             </a:r>
-            <a:endParaRPr kumimoji="0" lang="en-US" sz="7200" b="1" i="0" u="none" strike="noStrike" kern="1200" normalizeH="0" baseline="0" noProof="0" dirty="0" smtClean="0">
+            <a:endParaRPr kumimoji="0" lang="en-US" sz="7200" b="1" u="none" strike="noStrike" kern="1200" normalizeH="0" baseline="0" noProof="0" dirty="0">
               <a:uLnTx/>
               <a:uFillTx/>
-              <a:latin typeface="VNI-Times-Thin" pitchFamily="2" charset="0"/>
+              <a:latin typeface="VNI-Times" pitchFamily="2" charset="0"/>
               <a:ea typeface="+mj-ea"/>
               <a:cs typeface="+mj-cs"/>
             </a:endParaRPr>
@@ -11318,7 +10610,7 @@
           <a:p>
             <a:pPr algn="ctr"/>
             <a:r>
-              <a:rPr lang="en-US" sz="3200" smtClean="0">
+              <a:rPr lang="en-US" sz="3200" b="1" dirty="0">
                 <a:ln w="18415" cmpd="sng">
                   <a:solidFill>
                     <a:srgbClr val="FFFFFF"/>
@@ -11338,57 +10630,10 @@
                     </a:srgbClr>
                   </a:outerShdw>
                 </a:effectLst>
-                <a:latin typeface="VNI-Cooper" pitchFamily="2" charset="0"/>
-              </a:rPr>
-              <a:t>MOÙN </a:t>
-            </a:r>
-            <a:r>
-              <a:rPr lang="en-US" sz="3200" dirty="0" smtClean="0">
-                <a:ln w="18415" cmpd="sng">
-                  <a:solidFill>
-                    <a:srgbClr val="FFFFFF"/>
-                  </a:solidFill>
-                  <a:prstDash val="solid"/>
-                </a:ln>
-                <a:solidFill>
-                  <a:srgbClr val="C00000"/>
-                </a:solidFill>
-                <a:effectLst>
-                  <a:glow rad="139700">
-                    <a:srgbClr val="FFFFFF"/>
-                  </a:glow>
-                  <a:outerShdw blurRad="63500" dir="3600000" algn="tl" rotWithShape="0">
-                    <a:srgbClr val="000000">
-                      <a:alpha val="70000"/>
-                    </a:srgbClr>
-                  </a:outerShdw>
-                </a:effectLst>
-                <a:latin typeface="VNI-Cooper" pitchFamily="2" charset="0"/>
-              </a:rPr>
-              <a:t>QUAØ VOÂ GIAÙ</a:t>
-            </a:r>
-            <a:endParaRPr lang="en-US" sz="3200" dirty="0">
-              <a:ln w="18415" cmpd="sng">
-                <a:solidFill>
-                  <a:srgbClr val="FFFFFF"/>
-                </a:solidFill>
-                <a:prstDash val="solid"/>
-              </a:ln>
-              <a:solidFill>
-                <a:srgbClr val="C00000"/>
-              </a:solidFill>
-              <a:effectLst>
-                <a:glow rad="139700">
-                  <a:srgbClr val="FFFFFF"/>
-                </a:glow>
-                <a:outerShdw blurRad="63500" dir="3600000" algn="tl" rotWithShape="0">
-                  <a:srgbClr val="000000">
-                    <a:alpha val="70000"/>
-                  </a:srgbClr>
-                </a:outerShdw>
-              </a:effectLst>
-              <a:latin typeface="VNI-Cooper" pitchFamily="2" charset="0"/>
-            </a:endParaRPr>
+                <a:latin typeface="VNI-Times" pitchFamily="2" charset="0"/>
+              </a:rPr>
+              <a:t>MOÙN QUAØ VOÂ GIAÙ</a:t>
+            </a:r>
           </a:p>
         </p:txBody>
       </p:sp>
@@ -11402,13 +10647,6 @@
   <p:clrMapOvr>
     <a:masterClrMapping/>
   </p:clrMapOvr>
-  <p:timing>
-    <p:tnLst>
-      <p:par>
-        <p:cTn id="1" dur="indefinite" restart="never" nodeType="tmRoot"/>
-      </p:par>
-    </p:tnLst>
-  </p:timing>
 </p:sld>
 </file>
 
